--- a/Slides/Slides.pptx
+++ b/Slides/Slides.pptx
@@ -1,11 +1,11 @@
 
 <file path=ppt/presentation.xml><?xml version="1.0" encoding="utf-8"?>
-<p:presentation xmlns:a="http://schemas.openxmlformats.org/drawingml/2006/main" xmlns:r="http://schemas.openxmlformats.org/officeDocument/2006/relationships" xmlns:p="http://schemas.openxmlformats.org/presentationml/2006/main" saveSubsetFonts="1">
+<p:presentation xmlns:a="http://schemas.openxmlformats.org/drawingml/2006/main" xmlns:r="http://schemas.openxmlformats.org/officeDocument/2006/relationships" xmlns:p="http://schemas.openxmlformats.org/presentationml/2006/main">
   <p:sldMasterIdLst>
     <p:sldMasterId id="2147483648" r:id="rId1"/>
   </p:sldMasterIdLst>
   <p:notesMasterIdLst>
-    <p:notesMasterId r:id="rId29"/>
+    <p:notesMasterId r:id="rId32"/>
   </p:notesMasterIdLst>
   <p:sldIdLst>
     <p:sldId id="256" r:id="rId3"/>
@@ -33,7 +33,10 @@
     <p:sldId id="281" r:id="rId25"/>
     <p:sldId id="282" r:id="rId26"/>
     <p:sldId id="283" r:id="rId27"/>
-    <p:sldId id="284" r:id="rId28"/>
+    <p:sldId id="290" r:id="rId28"/>
+    <p:sldId id="285" r:id="rId29"/>
+    <p:sldId id="284" r:id="rId30"/>
+    <p:sldId id="289" r:id="rId31"/>
   </p:sldIdLst>
   <p:sldSz cx="12192000" cy="6858000"/>
   <p:notesSz cx="6858000" cy="9144000"/>
@@ -41,94 +44,175 @@
     <a:defPPr>
       <a:defRPr lang="ru-RU"/>
     </a:defPPr>
-    <a:lvl1pPr marL="0" algn="l" defTabSz="914400" rtl="0" eaLnBrk="1" latinLnBrk="0" hangingPunct="1">
+    <a:lvl1pPr marL="0" lvl="0" indent="0" algn="l" defTabSz="914400" eaLnBrk="1" fontAlgn="base" latinLnBrk="0" hangingPunct="1">
+      <a:lnSpc>
+        <a:spcPct val="100000"/>
+      </a:lnSpc>
+      <a:spcBef>
+        <a:spcPct val="0"/>
+      </a:spcBef>
+      <a:spcAft>
+        <a:spcPct val="0"/>
+      </a:spcAft>
+      <a:buNone/>
       <a:defRPr sz="1800" kern="1200">
         <a:solidFill>
           <a:schemeClr val="tx1"/>
         </a:solidFill>
-        <a:latin typeface="+mn-lt"/>
-        <a:ea typeface="+mn-ea"/>
-        <a:cs typeface="+mn-cs"/>
+        <a:latin typeface="Calibri" charset="0"/>
+        <a:ea typeface="等线" charset="0"/>
       </a:defRPr>
     </a:lvl1pPr>
-    <a:lvl2pPr marL="457200" algn="l" defTabSz="914400" rtl="0" eaLnBrk="1" latinLnBrk="0" hangingPunct="1">
+    <a:lvl2pPr marL="457200" lvl="1" indent="0" algn="l" defTabSz="914400" eaLnBrk="1" fontAlgn="base" latinLnBrk="0" hangingPunct="1">
+      <a:lnSpc>
+        <a:spcPct val="100000"/>
+      </a:lnSpc>
+      <a:spcBef>
+        <a:spcPct val="0"/>
+      </a:spcBef>
+      <a:spcAft>
+        <a:spcPct val="0"/>
+      </a:spcAft>
+      <a:buNone/>
       <a:defRPr sz="1800" kern="1200">
         <a:solidFill>
           <a:schemeClr val="tx1"/>
         </a:solidFill>
-        <a:latin typeface="+mn-lt"/>
-        <a:ea typeface="+mn-ea"/>
-        <a:cs typeface="+mn-cs"/>
+        <a:latin typeface="Calibri" charset="0"/>
+        <a:ea typeface="等线" charset="0"/>
       </a:defRPr>
     </a:lvl2pPr>
-    <a:lvl3pPr marL="914400" algn="l" defTabSz="914400" rtl="0" eaLnBrk="1" latinLnBrk="0" hangingPunct="1">
+    <a:lvl3pPr marL="914400" lvl="2" indent="0" algn="l" defTabSz="914400" eaLnBrk="1" fontAlgn="base" latinLnBrk="0" hangingPunct="1">
+      <a:lnSpc>
+        <a:spcPct val="100000"/>
+      </a:lnSpc>
+      <a:spcBef>
+        <a:spcPct val="0"/>
+      </a:spcBef>
+      <a:spcAft>
+        <a:spcPct val="0"/>
+      </a:spcAft>
+      <a:buNone/>
       <a:defRPr sz="1800" kern="1200">
         <a:solidFill>
           <a:schemeClr val="tx1"/>
         </a:solidFill>
-        <a:latin typeface="+mn-lt"/>
-        <a:ea typeface="+mn-ea"/>
-        <a:cs typeface="+mn-cs"/>
+        <a:latin typeface="Calibri" charset="0"/>
+        <a:ea typeface="等线" charset="0"/>
       </a:defRPr>
     </a:lvl3pPr>
-    <a:lvl4pPr marL="1371600" algn="l" defTabSz="914400" rtl="0" eaLnBrk="1" latinLnBrk="0" hangingPunct="1">
+    <a:lvl4pPr marL="1371600" lvl="3" indent="0" algn="l" defTabSz="914400" eaLnBrk="1" fontAlgn="base" latinLnBrk="0" hangingPunct="1">
+      <a:lnSpc>
+        <a:spcPct val="100000"/>
+      </a:lnSpc>
+      <a:spcBef>
+        <a:spcPct val="0"/>
+      </a:spcBef>
+      <a:spcAft>
+        <a:spcPct val="0"/>
+      </a:spcAft>
+      <a:buNone/>
       <a:defRPr sz="1800" kern="1200">
         <a:solidFill>
           <a:schemeClr val="tx1"/>
         </a:solidFill>
-        <a:latin typeface="+mn-lt"/>
-        <a:ea typeface="+mn-ea"/>
-        <a:cs typeface="+mn-cs"/>
+        <a:latin typeface="Calibri" charset="0"/>
+        <a:ea typeface="等线" charset="0"/>
       </a:defRPr>
     </a:lvl4pPr>
-    <a:lvl5pPr marL="1828800" algn="l" defTabSz="914400" rtl="0" eaLnBrk="1" latinLnBrk="0" hangingPunct="1">
+    <a:lvl5pPr marL="1828800" lvl="4" indent="0" algn="l" defTabSz="914400" eaLnBrk="1" fontAlgn="base" latinLnBrk="0" hangingPunct="1">
+      <a:lnSpc>
+        <a:spcPct val="100000"/>
+      </a:lnSpc>
+      <a:spcBef>
+        <a:spcPct val="0"/>
+      </a:spcBef>
+      <a:spcAft>
+        <a:spcPct val="0"/>
+      </a:spcAft>
+      <a:buNone/>
       <a:defRPr sz="1800" kern="1200">
         <a:solidFill>
           <a:schemeClr val="tx1"/>
         </a:solidFill>
-        <a:latin typeface="+mn-lt"/>
-        <a:ea typeface="+mn-ea"/>
-        <a:cs typeface="+mn-cs"/>
+        <a:latin typeface="Calibri" charset="0"/>
+        <a:ea typeface="等线" charset="0"/>
       </a:defRPr>
     </a:lvl5pPr>
-    <a:lvl6pPr marL="2286000" algn="l" defTabSz="914400" rtl="0" eaLnBrk="1" latinLnBrk="0" hangingPunct="1">
+    <a:lvl6pPr marL="2286000" lvl="5" indent="0" algn="l" defTabSz="914400" eaLnBrk="1" fontAlgn="base" latinLnBrk="0" hangingPunct="1">
+      <a:lnSpc>
+        <a:spcPct val="100000"/>
+      </a:lnSpc>
+      <a:spcBef>
+        <a:spcPct val="0"/>
+      </a:spcBef>
+      <a:spcAft>
+        <a:spcPct val="0"/>
+      </a:spcAft>
+      <a:buNone/>
       <a:defRPr sz="1800" kern="1200">
         <a:solidFill>
           <a:schemeClr val="tx1"/>
         </a:solidFill>
-        <a:latin typeface="+mn-lt"/>
-        <a:ea typeface="+mn-ea"/>
-        <a:cs typeface="+mn-cs"/>
+        <a:latin typeface="Calibri" charset="0"/>
+        <a:ea typeface="等线" charset="0"/>
       </a:defRPr>
     </a:lvl6pPr>
-    <a:lvl7pPr marL="2743200" algn="l" defTabSz="914400" rtl="0" eaLnBrk="1" latinLnBrk="0" hangingPunct="1">
+    <a:lvl7pPr marL="2743200" lvl="6" indent="0" algn="l" defTabSz="914400" eaLnBrk="1" fontAlgn="base" latinLnBrk="0" hangingPunct="1">
+      <a:lnSpc>
+        <a:spcPct val="100000"/>
+      </a:lnSpc>
+      <a:spcBef>
+        <a:spcPct val="0"/>
+      </a:spcBef>
+      <a:spcAft>
+        <a:spcPct val="0"/>
+      </a:spcAft>
+      <a:buNone/>
       <a:defRPr sz="1800" kern="1200">
         <a:solidFill>
           <a:schemeClr val="tx1"/>
         </a:solidFill>
-        <a:latin typeface="+mn-lt"/>
-        <a:ea typeface="+mn-ea"/>
-        <a:cs typeface="+mn-cs"/>
+        <a:latin typeface="Calibri" charset="0"/>
+        <a:ea typeface="等线" charset="0"/>
       </a:defRPr>
     </a:lvl7pPr>
-    <a:lvl8pPr marL="3200400" algn="l" defTabSz="914400" rtl="0" eaLnBrk="1" latinLnBrk="0" hangingPunct="1">
+    <a:lvl8pPr marL="3200400" lvl="7" indent="0" algn="l" defTabSz="914400" eaLnBrk="1" fontAlgn="base" latinLnBrk="0" hangingPunct="1">
+      <a:lnSpc>
+        <a:spcPct val="100000"/>
+      </a:lnSpc>
+      <a:spcBef>
+        <a:spcPct val="0"/>
+      </a:spcBef>
+      <a:spcAft>
+        <a:spcPct val="0"/>
+      </a:spcAft>
+      <a:buNone/>
       <a:defRPr sz="1800" kern="1200">
         <a:solidFill>
           <a:schemeClr val="tx1"/>
         </a:solidFill>
-        <a:latin typeface="+mn-lt"/>
-        <a:ea typeface="+mn-ea"/>
-        <a:cs typeface="+mn-cs"/>
+        <a:latin typeface="Calibri" charset="0"/>
+        <a:ea typeface="等线" charset="0"/>
       </a:defRPr>
     </a:lvl8pPr>
-    <a:lvl9pPr marL="3657600" algn="l" defTabSz="914400" rtl="0" eaLnBrk="1" latinLnBrk="0" hangingPunct="1">
+    <a:lvl9pPr marL="3657600" lvl="8" indent="0" algn="l" defTabSz="914400" eaLnBrk="1" fontAlgn="base" latinLnBrk="0" hangingPunct="1">
+      <a:lnSpc>
+        <a:spcPct val="100000"/>
+      </a:lnSpc>
+      <a:spcBef>
+        <a:spcPct val="0"/>
+      </a:spcBef>
+      <a:spcAft>
+        <a:spcPct val="0"/>
+      </a:spcAft>
+      <a:buNone/>
       <a:defRPr sz="1800" kern="1200">
         <a:solidFill>
           <a:schemeClr val="tx1"/>
         </a:solidFill>
-        <a:latin typeface="+mn-lt"/>
-        <a:ea typeface="+mn-ea"/>
-        <a:cs typeface="+mn-cs"/>
+        <a:latin typeface="Calibri" charset="0"/>
+        <a:ea typeface="等线" charset="0"/>
       </a:defRPr>
     </a:lvl9pPr>
   </p:defaultTextStyle>
@@ -139,9 +223,12 @@
 <p:notesMaster xmlns:a="http://schemas.openxmlformats.org/drawingml/2006/main" xmlns:r="http://schemas.openxmlformats.org/officeDocument/2006/relationships" xmlns:p="http://schemas.openxmlformats.org/presentationml/2006/main">
   <p:cSld>
     <p:bg>
-      <p:bgRef idx="1001">
-        <a:schemeClr val="bg1"/>
-      </p:bgRef>
+      <p:bgPr>
+        <a:solidFill>
+          <a:schemeClr val="bg1"/>
+        </a:solidFill>
+        <a:effectLst/>
+      </p:bgPr>
     </p:bg>
     <p:spTree>
       <p:nvGrpSpPr>
@@ -149,14 +236,7 @@
         <p:cNvGrpSpPr/>
         <p:nvPr/>
       </p:nvGrpSpPr>
-      <p:grpSpPr>
-        <a:xfrm>
-          <a:off x="0" y="0"/>
-          <a:ext cx="0" cy="0"/>
-          <a:chOff x="0" y="0"/>
-          <a:chExt cx="0" cy="0"/>
-        </a:xfrm>
-      </p:grpSpPr>
+      <p:grpSpPr/>
       <p:sp>
         <p:nvSpPr>
           <p:cNvPr id="2" name="Верхний колонтитул 1"/>
@@ -184,7 +264,8 @@
             </a:lvl1pPr>
           </a:lstStyle>
           <a:p>
-            <a:endParaRPr lang="ru-RU"/>
+            <a:pPr fontAlgn="auto"/>
+            <a:endParaRPr lang="ru-RU" strike="noStrike" noProof="1"/>
           </a:p>
         </p:txBody>
       </p:sp>
@@ -215,21 +296,30 @@
             </a:lvl1pPr>
           </a:lstStyle>
           <a:p>
+            <a:pPr fontAlgn="auto"/>
             <a:fld id="{46D652B2-8C6E-419B-8E93-813F678ADC08}" type="datetimeFigureOut">
-              <a:rPr lang="ru-RU" smtClean="0"/>
+              <a:rPr lang="ru-RU" altLang="en-US" strike="noStrike" noProof="1" smtClean="0">
+                <a:latin typeface="+mn-lt"/>
+                <a:ea typeface="+mn-ea"/>
+                <a:cs typeface="+mn-cs"/>
+              </a:rPr>
             </a:fld>
-            <a:endParaRPr lang="ru-RU"/>
-          </a:p>
-        </p:txBody>
-      </p:sp>
-      <p:sp>
-        <p:nvSpPr>
-          <p:cNvPr id="4" name="Образ слайда 3"/>
+            <a:endParaRPr lang="ru-RU" altLang="en-US" strike="noStrike" noProof="1" smtClean="0">
+              <a:latin typeface="+mn-lt"/>
+              <a:ea typeface="+mn-ea"/>
+              <a:cs typeface="+mn-cs"/>
+            </a:endParaRPr>
+          </a:p>
+        </p:txBody>
+      </p:sp>
+      <p:sp>
+        <p:nvSpPr>
+          <p:cNvPr id="2052" name="Образ слайда 3"/>
           <p:cNvSpPr>
             <a:spLocks noGrp="1" noRot="1" noChangeAspect="1"/>
           </p:cNvSpPr>
           <p:nvPr>
-            <p:ph type="sldImg" idx="2"/>
+            <p:ph type="sldImg"/>
           </p:nvPr>
         </p:nvSpPr>
         <p:spPr>
@@ -241,28 +331,31 @@
             <a:avLst/>
           </a:prstGeom>
           <a:noFill/>
-          <a:ln w="12700">
+          <a:ln w="12700" cap="flat" cmpd="sng">
             <a:solidFill>
-              <a:prstClr val="black"/>
+              <a:srgbClr val="000000"/>
             </a:solidFill>
+            <a:prstDash val="solid"/>
+            <a:round/>
+            <a:headEnd type="none" w="med" len="med"/>
+            <a:tailEnd type="none" w="med" len="med"/>
           </a:ln>
         </p:spPr>
         <p:txBody>
-          <a:bodyPr vert="horz" lIns="91440" tIns="45720" rIns="91440" bIns="45720" rtlCol="0" anchor="ctr"/>
-          <a:lstStyle/>
-          <a:p>
-            <a:endParaRPr lang="ru-RU"/>
-          </a:p>
-        </p:txBody>
-      </p:sp>
-      <p:sp>
-        <p:nvSpPr>
-          <p:cNvPr id="5" name="Заметки 4"/>
-          <p:cNvSpPr>
-            <a:spLocks noGrp="1"/>
-          </p:cNvSpPr>
-          <p:nvPr>
-            <p:ph type="body" sz="quarter" idx="3"/>
+          <a:bodyPr/>
+          <a:p>
+            <a:endParaRPr lang="ru-RU" altLang="en-US"/>
+          </a:p>
+        </p:txBody>
+      </p:sp>
+      <p:sp>
+        <p:nvSpPr>
+          <p:cNvPr id="2053" name="Заметки 4"/>
+          <p:cNvSpPr>
+            <a:spLocks noGrp="1"/>
+          </p:cNvSpPr>
+          <p:nvPr>
+            <p:ph type="body" sz="quarter"/>
           </p:nvPr>
         </p:nvSpPr>
         <p:spPr>
@@ -273,49 +366,53 @@
           <a:prstGeom prst="rect">
             <a:avLst/>
           </a:prstGeom>
+          <a:noFill/>
+          <a:ln w="9525">
+            <a:noFill/>
+            <a:miter/>
+          </a:ln>
         </p:spPr>
         <p:txBody>
-          <a:bodyPr vert="horz" lIns="91440" tIns="45720" rIns="91440" bIns="45720" rtlCol="0"/>
-          <a:lstStyle/>
+          <a:bodyPr lIns="91440" tIns="45720" rIns="91440" bIns="45720" anchor="t"/>
           <a:p>
             <a:pPr lvl="0"/>
             <a:r>
-              <a:rPr lang="ru-RU" smtClean="0"/>
+              <a:rPr lang="ru-RU" altLang="en-US"/>
               <a:t>Образец текста</a:t>
             </a:r>
-            <a:endParaRPr lang="ru-RU" smtClean="0"/>
-          </a:p>
-          <a:p>
-            <a:pPr lvl="1"/>
-            <a:r>
-              <a:rPr lang="ru-RU" smtClean="0"/>
+            <a:endParaRPr lang="ru-RU" altLang="en-US"/>
+          </a:p>
+          <a:p>
+            <a:pPr lvl="1" indent="0"/>
+            <a:r>
+              <a:rPr lang="ru-RU" altLang="en-US"/>
               <a:t>Второй уровень</a:t>
             </a:r>
-            <a:endParaRPr lang="ru-RU" smtClean="0"/>
-          </a:p>
-          <a:p>
-            <a:pPr lvl="2"/>
-            <a:r>
-              <a:rPr lang="ru-RU" smtClean="0"/>
+            <a:endParaRPr lang="ru-RU" altLang="en-US"/>
+          </a:p>
+          <a:p>
+            <a:pPr lvl="2" indent="0"/>
+            <a:r>
+              <a:rPr lang="ru-RU" altLang="en-US"/>
               <a:t>Третий уровень</a:t>
             </a:r>
-            <a:endParaRPr lang="ru-RU" smtClean="0"/>
-          </a:p>
-          <a:p>
-            <a:pPr lvl="3"/>
-            <a:r>
-              <a:rPr lang="ru-RU" smtClean="0"/>
+            <a:endParaRPr lang="ru-RU" altLang="en-US"/>
+          </a:p>
+          <a:p>
+            <a:pPr lvl="3" indent="0"/>
+            <a:r>
+              <a:rPr lang="ru-RU" altLang="en-US"/>
               <a:t>Четвертый уровень</a:t>
             </a:r>
-            <a:endParaRPr lang="ru-RU" smtClean="0"/>
-          </a:p>
-          <a:p>
-            <a:pPr lvl="4"/>
-            <a:r>
-              <a:rPr lang="ru-RU" smtClean="0"/>
+            <a:endParaRPr lang="ru-RU" altLang="en-US"/>
+          </a:p>
+          <a:p>
+            <a:pPr lvl="4" indent="0"/>
+            <a:r>
+              <a:rPr lang="ru-RU" altLang="en-US"/>
               <a:t>Пятый уровень</a:t>
             </a:r>
-            <a:endParaRPr lang="ru-RU"/>
+            <a:endParaRPr lang="ru-RU" altLang="en-US"/>
           </a:p>
         </p:txBody>
       </p:sp>
@@ -332,7 +429,7 @@
         <p:spPr>
           <a:xfrm>
             <a:off x="0" y="8685213"/>
-            <a:ext cx="2971800" cy="458787"/>
+            <a:ext cx="2971800" cy="458788"/>
           </a:xfrm>
           <a:prstGeom prst="rect">
             <a:avLst/>
@@ -346,7 +443,8 @@
             </a:lvl1pPr>
           </a:lstStyle>
           <a:p>
-            <a:endParaRPr lang="ru-RU"/>
+            <a:pPr fontAlgn="auto"/>
+            <a:endParaRPr lang="ru-RU" strike="noStrike" noProof="1"/>
           </a:p>
         </p:txBody>
       </p:sp>
@@ -363,7 +461,7 @@
         <p:spPr>
           <a:xfrm>
             <a:off x="3884613" y="8685213"/>
-            <a:ext cx="2971800" cy="458787"/>
+            <a:ext cx="2971800" cy="458788"/>
           </a:xfrm>
           <a:prstGeom prst="rect">
             <a:avLst/>
@@ -377,16 +475,22 @@
             </a:lvl1pPr>
           </a:lstStyle>
           <a:p>
+            <a:pPr fontAlgn="auto"/>
             <a:fld id="{C6C6DC3D-C717-495C-B489-C044A339A551}" type="slidenum">
-              <a:rPr lang="ru-RU" smtClean="0"/>
+              <a:rPr lang="ru-RU" strike="noStrike" noProof="1" smtClean="0">
+                <a:latin typeface="+mn-lt"/>
+                <a:ea typeface="+mn-ea"/>
+                <a:cs typeface="+mn-cs"/>
+              </a:rPr>
             </a:fld>
-            <a:endParaRPr lang="ru-RU"/>
+            <a:endParaRPr lang="ru-RU" strike="noStrike" noProof="1"/>
           </a:p>
         </p:txBody>
       </p:sp>
     </p:spTree>
   </p:cSld>
   <p:clrMap bg1="lt1" tx1="dk1" bg2="lt2" tx2="dk2" accent1="accent1" accent2="accent2" accent3="accent3" accent4="accent4" accent5="accent5" accent6="accent6" hlink="hlink" folHlink="folHlink"/>
+  <p:hf sldNum="0" hdr="0" ftr="0" dt="0"/>
   <p:notesStyle>
     <a:lvl1pPr marL="0" algn="l" defTabSz="914400" rtl="0" eaLnBrk="1" latinLnBrk="0" hangingPunct="1">
       <a:defRPr sz="1200" kern="1200">
@@ -523,11 +627,12 @@
             </a:lvl1pPr>
           </a:lstStyle>
           <a:p>
-            <a:r>
-              <a:rPr lang="ru-RU" smtClean="0"/>
+            <a:pPr fontAlgn="auto"/>
+            <a:r>
+              <a:rPr lang="ru-RU" strike="noStrike" noProof="1" smtClean="0"/>
               <a:t>Образец заголовка</a:t>
             </a:r>
-            <a:endParaRPr lang="ru-RU"/>
+            <a:endParaRPr lang="ru-RU" strike="noStrike" noProof="1"/>
           </a:p>
         </p:txBody>
       </p:sp>
@@ -588,17 +693,18 @@
             </a:lvl9pPr>
           </a:lstStyle>
           <a:p>
-            <a:r>
-              <a:rPr lang="ru-RU" smtClean="0"/>
+            <a:pPr fontAlgn="auto"/>
+            <a:r>
+              <a:rPr lang="ru-RU" strike="noStrike" noProof="1" smtClean="0"/>
               <a:t>Образец подзаголовка</a:t>
             </a:r>
-            <a:endParaRPr lang="ru-RU"/>
-          </a:p>
-        </p:txBody>
-      </p:sp>
-      <p:sp>
-        <p:nvSpPr>
-          <p:cNvPr id="4" name="Дата 3"/>
+            <a:endParaRPr lang="ru-RU" strike="noStrike" noProof="1"/>
+          </a:p>
+        </p:txBody>
+      </p:sp>
+      <p:sp>
+        <p:nvSpPr>
+          <p:cNvPr id="4" name="Замещающая дата 3"/>
           <p:cNvSpPr>
             <a:spLocks noGrp="1"/>
           </p:cNvSpPr>
@@ -609,18 +715,26 @@
         <p:spPr/>
         <p:txBody>
           <a:bodyPr/>
-          <a:lstStyle/>
-          <a:p>
+          <a:p>
+            <a:pPr fontAlgn="auto"/>
             <a:fld id="{CB24468F-6682-48AA-B5F4-BEF8E7F9833C}" type="datetimeFigureOut">
-              <a:rPr lang="ru-RU" smtClean="0"/>
+              <a:rPr lang="ru-RU" altLang="en-US" strike="noStrike" noProof="1" smtClean="0">
+                <a:latin typeface="+mn-lt"/>
+                <a:ea typeface="+mn-ea"/>
+                <a:cs typeface="+mn-cs"/>
+              </a:rPr>
             </a:fld>
-            <a:endParaRPr lang="ru-RU"/>
-          </a:p>
-        </p:txBody>
-      </p:sp>
-      <p:sp>
-        <p:nvSpPr>
-          <p:cNvPr id="5" name="Нижний колонтитул 4"/>
+            <a:endParaRPr lang="ru-RU" altLang="en-US" strike="noStrike" noProof="1" smtClean="0">
+              <a:latin typeface="+mn-lt"/>
+              <a:ea typeface="+mn-ea"/>
+              <a:cs typeface="+mn-cs"/>
+            </a:endParaRPr>
+          </a:p>
+        </p:txBody>
+      </p:sp>
+      <p:sp>
+        <p:nvSpPr>
+          <p:cNvPr id="5" name="Замещающий нижний колонтитул 4"/>
           <p:cNvSpPr>
             <a:spLocks noGrp="1"/>
           </p:cNvSpPr>
@@ -631,19 +745,23 @@
         <p:spPr/>
         <p:txBody>
           <a:bodyPr/>
-          <a:lstStyle/>
-          <a:p>
-            <a:r>
-              <a:rPr lang="ru-RU"/>
+          <a:p>
+            <a:pPr fontAlgn="auto"/>
+            <a:r>
+              <a:rPr lang="ru-RU" strike="noStrike" noProof="1">
+                <a:latin typeface="+mn-lt"/>
+                <a:ea typeface="+mn-ea"/>
+                <a:cs typeface="+mn-cs"/>
+              </a:rPr>
               <a:t>https://github.com/nevoroman/ml-dotnet</a:t>
             </a:r>
-            <a:endParaRPr lang="ru-RU"/>
-          </a:p>
-        </p:txBody>
-      </p:sp>
-      <p:sp>
-        <p:nvSpPr>
-          <p:cNvPr id="6" name="Номер слайда 5"/>
+            <a:endParaRPr lang="ru-RU" strike="noStrike" noProof="1"/>
+          </a:p>
+        </p:txBody>
+      </p:sp>
+      <p:sp>
+        <p:nvSpPr>
+          <p:cNvPr id="6" name="Замещающий номер слайда 5"/>
           <p:cNvSpPr>
             <a:spLocks noGrp="1"/>
           </p:cNvSpPr>
@@ -654,12 +772,16 @@
         <p:spPr/>
         <p:txBody>
           <a:bodyPr/>
-          <a:lstStyle/>
-          <a:p>
+          <a:p>
+            <a:pPr fontAlgn="auto"/>
             <a:fld id="{3E82897F-7A41-40D7-BC9E-F666B07C585D}" type="slidenum">
-              <a:rPr lang="ru-RU" smtClean="0"/>
+              <a:rPr lang="ru-RU" strike="noStrike" noProof="1" smtClean="0">
+                <a:latin typeface="+mn-lt"/>
+                <a:ea typeface="+mn-ea"/>
+                <a:cs typeface="+mn-cs"/>
+              </a:rPr>
             </a:fld>
-            <a:endParaRPr lang="ru-RU"/>
+            <a:endParaRPr lang="ru-RU" strike="noStrike" noProof="1"/>
           </a:p>
         </p:txBody>
       </p:sp>
@@ -704,11 +826,12 @@
           <a:bodyPr/>
           <a:lstStyle/>
           <a:p>
-            <a:r>
-              <a:rPr lang="ru-RU" smtClean="0"/>
+            <a:pPr fontAlgn="auto"/>
+            <a:r>
+              <a:rPr lang="ru-RU" strike="noStrike" noProof="1" smtClean="0"/>
               <a:t>Образец заголовка</a:t>
             </a:r>
-            <a:endParaRPr lang="ru-RU"/>
+            <a:endParaRPr lang="ru-RU" strike="noStrike" noProof="1"/>
           </a:p>
         </p:txBody>
       </p:sp>
@@ -727,50 +850,50 @@
           <a:bodyPr vert="eaVert"/>
           <a:lstStyle/>
           <a:p>
-            <a:pPr lvl="0"/>
-            <a:r>
-              <a:rPr lang="ru-RU" smtClean="0"/>
+            <a:pPr lvl="0" fontAlgn="auto"/>
+            <a:r>
+              <a:rPr lang="ru-RU" strike="noStrike" noProof="1" smtClean="0"/>
               <a:t>Образец текста</a:t>
             </a:r>
-            <a:endParaRPr lang="ru-RU" smtClean="0"/>
-          </a:p>
-          <a:p>
-            <a:pPr lvl="1"/>
-            <a:r>
-              <a:rPr lang="ru-RU" smtClean="0"/>
+            <a:endParaRPr lang="ru-RU" strike="noStrike" noProof="1" smtClean="0"/>
+          </a:p>
+          <a:p>
+            <a:pPr lvl="1" fontAlgn="auto"/>
+            <a:r>
+              <a:rPr lang="ru-RU" strike="noStrike" noProof="1" smtClean="0"/>
               <a:t>Второй уровень</a:t>
             </a:r>
-            <a:endParaRPr lang="ru-RU" smtClean="0"/>
-          </a:p>
-          <a:p>
-            <a:pPr lvl="2"/>
-            <a:r>
-              <a:rPr lang="ru-RU" smtClean="0"/>
+            <a:endParaRPr lang="ru-RU" strike="noStrike" noProof="1" smtClean="0"/>
+          </a:p>
+          <a:p>
+            <a:pPr lvl="2" fontAlgn="auto"/>
+            <a:r>
+              <a:rPr lang="ru-RU" strike="noStrike" noProof="1" smtClean="0"/>
               <a:t>Третий уровень</a:t>
             </a:r>
-            <a:endParaRPr lang="ru-RU" smtClean="0"/>
-          </a:p>
-          <a:p>
-            <a:pPr lvl="3"/>
-            <a:r>
-              <a:rPr lang="ru-RU" smtClean="0"/>
+            <a:endParaRPr lang="ru-RU" strike="noStrike" noProof="1" smtClean="0"/>
+          </a:p>
+          <a:p>
+            <a:pPr lvl="3" fontAlgn="auto"/>
+            <a:r>
+              <a:rPr lang="ru-RU" strike="noStrike" noProof="1" smtClean="0"/>
               <a:t>Четвертый уровень</a:t>
             </a:r>
-            <a:endParaRPr lang="ru-RU" smtClean="0"/>
-          </a:p>
-          <a:p>
-            <a:pPr lvl="4"/>
-            <a:r>
-              <a:rPr lang="ru-RU" smtClean="0"/>
+            <a:endParaRPr lang="ru-RU" strike="noStrike" noProof="1" smtClean="0"/>
+          </a:p>
+          <a:p>
+            <a:pPr lvl="4" fontAlgn="auto"/>
+            <a:r>
+              <a:rPr lang="ru-RU" strike="noStrike" noProof="1" smtClean="0"/>
               <a:t>Пятый уровень</a:t>
             </a:r>
-            <a:endParaRPr lang="ru-RU"/>
-          </a:p>
-        </p:txBody>
-      </p:sp>
-      <p:sp>
-        <p:nvSpPr>
-          <p:cNvPr id="4" name="Дата 3"/>
+            <a:endParaRPr lang="ru-RU" strike="noStrike" noProof="1"/>
+          </a:p>
+        </p:txBody>
+      </p:sp>
+      <p:sp>
+        <p:nvSpPr>
+          <p:cNvPr id="4" name="Замещающая дата 3"/>
           <p:cNvSpPr>
             <a:spLocks noGrp="1"/>
           </p:cNvSpPr>
@@ -781,18 +904,26 @@
         <p:spPr/>
         <p:txBody>
           <a:bodyPr/>
-          <a:lstStyle/>
-          <a:p>
+          <a:p>
+            <a:pPr fontAlgn="auto"/>
             <a:fld id="{CB24468F-6682-48AA-B5F4-BEF8E7F9833C}" type="datetimeFigureOut">
-              <a:rPr lang="ru-RU" smtClean="0"/>
+              <a:rPr lang="ru-RU" altLang="en-US" strike="noStrike" noProof="1" smtClean="0">
+                <a:latin typeface="+mn-lt"/>
+                <a:ea typeface="+mn-ea"/>
+                <a:cs typeface="+mn-cs"/>
+              </a:rPr>
             </a:fld>
-            <a:endParaRPr lang="ru-RU"/>
-          </a:p>
-        </p:txBody>
-      </p:sp>
-      <p:sp>
-        <p:nvSpPr>
-          <p:cNvPr id="5" name="Нижний колонтитул 4"/>
+            <a:endParaRPr lang="ru-RU" altLang="en-US" strike="noStrike" noProof="1" smtClean="0">
+              <a:latin typeface="+mn-lt"/>
+              <a:ea typeface="+mn-ea"/>
+              <a:cs typeface="+mn-cs"/>
+            </a:endParaRPr>
+          </a:p>
+        </p:txBody>
+      </p:sp>
+      <p:sp>
+        <p:nvSpPr>
+          <p:cNvPr id="5" name="Замещающий нижний колонтитул 4"/>
           <p:cNvSpPr>
             <a:spLocks noGrp="1"/>
           </p:cNvSpPr>
@@ -803,19 +934,23 @@
         <p:spPr/>
         <p:txBody>
           <a:bodyPr/>
-          <a:lstStyle/>
-          <a:p>
-            <a:r>
-              <a:rPr lang="ru-RU"/>
+          <a:p>
+            <a:pPr fontAlgn="auto"/>
+            <a:r>
+              <a:rPr lang="ru-RU" strike="noStrike" noProof="1">
+                <a:latin typeface="+mn-lt"/>
+                <a:ea typeface="+mn-ea"/>
+                <a:cs typeface="+mn-cs"/>
+              </a:rPr>
               <a:t>https://github.com/nevoroman/ml-dotnet</a:t>
             </a:r>
-            <a:endParaRPr lang="ru-RU"/>
-          </a:p>
-        </p:txBody>
-      </p:sp>
-      <p:sp>
-        <p:nvSpPr>
-          <p:cNvPr id="6" name="Номер слайда 5"/>
+            <a:endParaRPr lang="ru-RU" strike="noStrike" noProof="1"/>
+          </a:p>
+        </p:txBody>
+      </p:sp>
+      <p:sp>
+        <p:nvSpPr>
+          <p:cNvPr id="6" name="Замещающий номер слайда 5"/>
           <p:cNvSpPr>
             <a:spLocks noGrp="1"/>
           </p:cNvSpPr>
@@ -826,12 +961,16 @@
         <p:spPr/>
         <p:txBody>
           <a:bodyPr/>
-          <a:lstStyle/>
-          <a:p>
+          <a:p>
+            <a:pPr fontAlgn="auto"/>
             <a:fld id="{3E82897F-7A41-40D7-BC9E-F666B07C585D}" type="slidenum">
-              <a:rPr lang="ru-RU" smtClean="0"/>
+              <a:rPr lang="ru-RU" strike="noStrike" noProof="1" smtClean="0">
+                <a:latin typeface="+mn-lt"/>
+                <a:ea typeface="+mn-ea"/>
+                <a:cs typeface="+mn-cs"/>
+              </a:rPr>
             </a:fld>
-            <a:endParaRPr lang="ru-RU"/>
+            <a:endParaRPr lang="ru-RU" strike="noStrike" noProof="1"/>
           </a:p>
         </p:txBody>
       </p:sp>
@@ -881,11 +1020,12 @@
           <a:bodyPr vert="eaVert"/>
           <a:lstStyle/>
           <a:p>
-            <a:r>
-              <a:rPr lang="ru-RU" smtClean="0"/>
+            <a:pPr fontAlgn="auto"/>
+            <a:r>
+              <a:rPr lang="ru-RU" strike="noStrike" noProof="1" smtClean="0"/>
               <a:t>Образец заголовка</a:t>
             </a:r>
-            <a:endParaRPr lang="ru-RU"/>
+            <a:endParaRPr lang="ru-RU" strike="noStrike" noProof="1"/>
           </a:p>
         </p:txBody>
       </p:sp>
@@ -909,50 +1049,50 @@
           <a:bodyPr vert="eaVert"/>
           <a:lstStyle/>
           <a:p>
-            <a:pPr lvl="0"/>
-            <a:r>
-              <a:rPr lang="ru-RU" smtClean="0"/>
+            <a:pPr lvl="0" fontAlgn="auto"/>
+            <a:r>
+              <a:rPr lang="ru-RU" strike="noStrike" noProof="1" smtClean="0"/>
               <a:t>Образец текста</a:t>
             </a:r>
-            <a:endParaRPr lang="ru-RU" smtClean="0"/>
-          </a:p>
-          <a:p>
-            <a:pPr lvl="1"/>
-            <a:r>
-              <a:rPr lang="ru-RU" smtClean="0"/>
+            <a:endParaRPr lang="ru-RU" strike="noStrike" noProof="1" smtClean="0"/>
+          </a:p>
+          <a:p>
+            <a:pPr lvl="1" fontAlgn="auto"/>
+            <a:r>
+              <a:rPr lang="ru-RU" strike="noStrike" noProof="1" smtClean="0"/>
               <a:t>Второй уровень</a:t>
             </a:r>
-            <a:endParaRPr lang="ru-RU" smtClean="0"/>
-          </a:p>
-          <a:p>
-            <a:pPr lvl="2"/>
-            <a:r>
-              <a:rPr lang="ru-RU" smtClean="0"/>
+            <a:endParaRPr lang="ru-RU" strike="noStrike" noProof="1" smtClean="0"/>
+          </a:p>
+          <a:p>
+            <a:pPr lvl="2" fontAlgn="auto"/>
+            <a:r>
+              <a:rPr lang="ru-RU" strike="noStrike" noProof="1" smtClean="0"/>
               <a:t>Третий уровень</a:t>
             </a:r>
-            <a:endParaRPr lang="ru-RU" smtClean="0"/>
-          </a:p>
-          <a:p>
-            <a:pPr lvl="3"/>
-            <a:r>
-              <a:rPr lang="ru-RU" smtClean="0"/>
+            <a:endParaRPr lang="ru-RU" strike="noStrike" noProof="1" smtClean="0"/>
+          </a:p>
+          <a:p>
+            <a:pPr lvl="3" fontAlgn="auto"/>
+            <a:r>
+              <a:rPr lang="ru-RU" strike="noStrike" noProof="1" smtClean="0"/>
               <a:t>Четвертый уровень</a:t>
             </a:r>
-            <a:endParaRPr lang="ru-RU" smtClean="0"/>
-          </a:p>
-          <a:p>
-            <a:pPr lvl="4"/>
-            <a:r>
-              <a:rPr lang="ru-RU" smtClean="0"/>
+            <a:endParaRPr lang="ru-RU" strike="noStrike" noProof="1" smtClean="0"/>
+          </a:p>
+          <a:p>
+            <a:pPr lvl="4" fontAlgn="auto"/>
+            <a:r>
+              <a:rPr lang="ru-RU" strike="noStrike" noProof="1" smtClean="0"/>
               <a:t>Пятый уровень</a:t>
             </a:r>
-            <a:endParaRPr lang="ru-RU"/>
-          </a:p>
-        </p:txBody>
-      </p:sp>
-      <p:sp>
-        <p:nvSpPr>
-          <p:cNvPr id="4" name="Дата 3"/>
+            <a:endParaRPr lang="ru-RU" strike="noStrike" noProof="1"/>
+          </a:p>
+        </p:txBody>
+      </p:sp>
+      <p:sp>
+        <p:nvSpPr>
+          <p:cNvPr id="4" name="Замещающая дата 3"/>
           <p:cNvSpPr>
             <a:spLocks noGrp="1"/>
           </p:cNvSpPr>
@@ -963,18 +1103,26 @@
         <p:spPr/>
         <p:txBody>
           <a:bodyPr/>
-          <a:lstStyle/>
-          <a:p>
+          <a:p>
+            <a:pPr fontAlgn="auto"/>
             <a:fld id="{CB24468F-6682-48AA-B5F4-BEF8E7F9833C}" type="datetimeFigureOut">
-              <a:rPr lang="ru-RU" smtClean="0"/>
+              <a:rPr lang="ru-RU" altLang="en-US" strike="noStrike" noProof="1" smtClean="0">
+                <a:latin typeface="+mn-lt"/>
+                <a:ea typeface="+mn-ea"/>
+                <a:cs typeface="+mn-cs"/>
+              </a:rPr>
             </a:fld>
-            <a:endParaRPr lang="ru-RU"/>
-          </a:p>
-        </p:txBody>
-      </p:sp>
-      <p:sp>
-        <p:nvSpPr>
-          <p:cNvPr id="5" name="Нижний колонтитул 4"/>
+            <a:endParaRPr lang="ru-RU" altLang="en-US" strike="noStrike" noProof="1" smtClean="0">
+              <a:latin typeface="+mn-lt"/>
+              <a:ea typeface="+mn-ea"/>
+              <a:cs typeface="+mn-cs"/>
+            </a:endParaRPr>
+          </a:p>
+        </p:txBody>
+      </p:sp>
+      <p:sp>
+        <p:nvSpPr>
+          <p:cNvPr id="5" name="Замещающий нижний колонтитул 4"/>
           <p:cNvSpPr>
             <a:spLocks noGrp="1"/>
           </p:cNvSpPr>
@@ -985,19 +1133,23 @@
         <p:spPr/>
         <p:txBody>
           <a:bodyPr/>
-          <a:lstStyle/>
-          <a:p>
-            <a:r>
-              <a:rPr lang="ru-RU"/>
+          <a:p>
+            <a:pPr fontAlgn="auto"/>
+            <a:r>
+              <a:rPr lang="ru-RU" strike="noStrike" noProof="1">
+                <a:latin typeface="+mn-lt"/>
+                <a:ea typeface="+mn-ea"/>
+                <a:cs typeface="+mn-cs"/>
+              </a:rPr>
               <a:t>https://github.com/nevoroman/ml-dotnet</a:t>
             </a:r>
-            <a:endParaRPr lang="ru-RU"/>
-          </a:p>
-        </p:txBody>
-      </p:sp>
-      <p:sp>
-        <p:nvSpPr>
-          <p:cNvPr id="6" name="Номер слайда 5"/>
+            <a:endParaRPr lang="ru-RU" strike="noStrike" noProof="1"/>
+          </a:p>
+        </p:txBody>
+      </p:sp>
+      <p:sp>
+        <p:nvSpPr>
+          <p:cNvPr id="6" name="Замещающий номер слайда 5"/>
           <p:cNvSpPr>
             <a:spLocks noGrp="1"/>
           </p:cNvSpPr>
@@ -1008,12 +1160,16 @@
         <p:spPr/>
         <p:txBody>
           <a:bodyPr/>
-          <a:lstStyle/>
-          <a:p>
+          <a:p>
+            <a:pPr fontAlgn="auto"/>
             <a:fld id="{3E82897F-7A41-40D7-BC9E-F666B07C585D}" type="slidenum">
-              <a:rPr lang="ru-RU" smtClean="0"/>
+              <a:rPr lang="ru-RU" strike="noStrike" noProof="1" smtClean="0">
+                <a:latin typeface="+mn-lt"/>
+                <a:ea typeface="+mn-ea"/>
+                <a:cs typeface="+mn-cs"/>
+              </a:rPr>
             </a:fld>
-            <a:endParaRPr lang="ru-RU"/>
+            <a:endParaRPr lang="ru-RU" strike="noStrike" noProof="1"/>
           </a:p>
         </p:txBody>
       </p:sp>
@@ -1058,11 +1214,12 @@
           <a:bodyPr/>
           <a:lstStyle/>
           <a:p>
-            <a:r>
-              <a:rPr lang="ru-RU" smtClean="0"/>
+            <a:pPr fontAlgn="auto"/>
+            <a:r>
+              <a:rPr lang="ru-RU" strike="noStrike" noProof="1" smtClean="0"/>
               <a:t>Образец заголовка</a:t>
             </a:r>
-            <a:endParaRPr lang="ru-RU"/>
+            <a:endParaRPr lang="ru-RU" strike="noStrike" noProof="1"/>
           </a:p>
         </p:txBody>
       </p:sp>
@@ -1081,50 +1238,50 @@
           <a:bodyPr/>
           <a:lstStyle/>
           <a:p>
-            <a:pPr lvl="0"/>
-            <a:r>
-              <a:rPr lang="ru-RU" smtClean="0"/>
+            <a:pPr lvl="0" fontAlgn="auto"/>
+            <a:r>
+              <a:rPr lang="ru-RU" strike="noStrike" noProof="1" smtClean="0"/>
               <a:t>Образец текста</a:t>
             </a:r>
-            <a:endParaRPr lang="ru-RU" smtClean="0"/>
-          </a:p>
-          <a:p>
-            <a:pPr lvl="1"/>
-            <a:r>
-              <a:rPr lang="ru-RU" smtClean="0"/>
+            <a:endParaRPr lang="ru-RU" strike="noStrike" noProof="1" smtClean="0"/>
+          </a:p>
+          <a:p>
+            <a:pPr lvl="1" fontAlgn="auto"/>
+            <a:r>
+              <a:rPr lang="ru-RU" strike="noStrike" noProof="1" smtClean="0"/>
               <a:t>Второй уровень</a:t>
             </a:r>
-            <a:endParaRPr lang="ru-RU" smtClean="0"/>
-          </a:p>
-          <a:p>
-            <a:pPr lvl="2"/>
-            <a:r>
-              <a:rPr lang="ru-RU" smtClean="0"/>
+            <a:endParaRPr lang="ru-RU" strike="noStrike" noProof="1" smtClean="0"/>
+          </a:p>
+          <a:p>
+            <a:pPr lvl="2" fontAlgn="auto"/>
+            <a:r>
+              <a:rPr lang="ru-RU" strike="noStrike" noProof="1" smtClean="0"/>
               <a:t>Третий уровень</a:t>
             </a:r>
-            <a:endParaRPr lang="ru-RU" smtClean="0"/>
-          </a:p>
-          <a:p>
-            <a:pPr lvl="3"/>
-            <a:r>
-              <a:rPr lang="ru-RU" smtClean="0"/>
+            <a:endParaRPr lang="ru-RU" strike="noStrike" noProof="1" smtClean="0"/>
+          </a:p>
+          <a:p>
+            <a:pPr lvl="3" fontAlgn="auto"/>
+            <a:r>
+              <a:rPr lang="ru-RU" strike="noStrike" noProof="1" smtClean="0"/>
               <a:t>Четвертый уровень</a:t>
             </a:r>
-            <a:endParaRPr lang="ru-RU" smtClean="0"/>
-          </a:p>
-          <a:p>
-            <a:pPr lvl="4"/>
-            <a:r>
-              <a:rPr lang="ru-RU" smtClean="0"/>
+            <a:endParaRPr lang="ru-RU" strike="noStrike" noProof="1" smtClean="0"/>
+          </a:p>
+          <a:p>
+            <a:pPr lvl="4" fontAlgn="auto"/>
+            <a:r>
+              <a:rPr lang="ru-RU" strike="noStrike" noProof="1" smtClean="0"/>
               <a:t>Пятый уровень</a:t>
             </a:r>
-            <a:endParaRPr lang="ru-RU"/>
-          </a:p>
-        </p:txBody>
-      </p:sp>
-      <p:sp>
-        <p:nvSpPr>
-          <p:cNvPr id="4" name="Дата 3"/>
+            <a:endParaRPr lang="ru-RU" strike="noStrike" noProof="1"/>
+          </a:p>
+        </p:txBody>
+      </p:sp>
+      <p:sp>
+        <p:nvSpPr>
+          <p:cNvPr id="4" name="Замещающая дата 3"/>
           <p:cNvSpPr>
             <a:spLocks noGrp="1"/>
           </p:cNvSpPr>
@@ -1135,18 +1292,26 @@
         <p:spPr/>
         <p:txBody>
           <a:bodyPr/>
-          <a:lstStyle/>
-          <a:p>
+          <a:p>
+            <a:pPr fontAlgn="auto"/>
             <a:fld id="{CB24468F-6682-48AA-B5F4-BEF8E7F9833C}" type="datetimeFigureOut">
-              <a:rPr lang="ru-RU" smtClean="0"/>
+              <a:rPr lang="ru-RU" altLang="en-US" strike="noStrike" noProof="1" smtClean="0">
+                <a:latin typeface="+mn-lt"/>
+                <a:ea typeface="+mn-ea"/>
+                <a:cs typeface="+mn-cs"/>
+              </a:rPr>
             </a:fld>
-            <a:endParaRPr lang="ru-RU"/>
-          </a:p>
-        </p:txBody>
-      </p:sp>
-      <p:sp>
-        <p:nvSpPr>
-          <p:cNvPr id="5" name="Нижний колонтитул 4"/>
+            <a:endParaRPr lang="ru-RU" altLang="en-US" strike="noStrike" noProof="1" smtClean="0">
+              <a:latin typeface="+mn-lt"/>
+              <a:ea typeface="+mn-ea"/>
+              <a:cs typeface="+mn-cs"/>
+            </a:endParaRPr>
+          </a:p>
+        </p:txBody>
+      </p:sp>
+      <p:sp>
+        <p:nvSpPr>
+          <p:cNvPr id="5" name="Замещающий нижний колонтитул 4"/>
           <p:cNvSpPr>
             <a:spLocks noGrp="1"/>
           </p:cNvSpPr>
@@ -1157,19 +1322,23 @@
         <p:spPr/>
         <p:txBody>
           <a:bodyPr/>
-          <a:lstStyle/>
-          <a:p>
-            <a:r>
-              <a:rPr lang="ru-RU"/>
+          <a:p>
+            <a:pPr fontAlgn="auto"/>
+            <a:r>
+              <a:rPr lang="ru-RU" strike="noStrike" noProof="1">
+                <a:latin typeface="+mn-lt"/>
+                <a:ea typeface="+mn-ea"/>
+                <a:cs typeface="+mn-cs"/>
+              </a:rPr>
               <a:t>https://github.com/nevoroman/ml-dotnet</a:t>
             </a:r>
-            <a:endParaRPr lang="ru-RU"/>
-          </a:p>
-        </p:txBody>
-      </p:sp>
-      <p:sp>
-        <p:nvSpPr>
-          <p:cNvPr id="6" name="Номер слайда 5"/>
+            <a:endParaRPr lang="ru-RU" strike="noStrike" noProof="1"/>
+          </a:p>
+        </p:txBody>
+      </p:sp>
+      <p:sp>
+        <p:nvSpPr>
+          <p:cNvPr id="6" name="Замещающий номер слайда 5"/>
           <p:cNvSpPr>
             <a:spLocks noGrp="1"/>
           </p:cNvSpPr>
@@ -1180,12 +1349,16 @@
         <p:spPr/>
         <p:txBody>
           <a:bodyPr/>
-          <a:lstStyle/>
-          <a:p>
+          <a:p>
+            <a:pPr fontAlgn="auto"/>
             <a:fld id="{3E82897F-7A41-40D7-BC9E-F666B07C585D}" type="slidenum">
-              <a:rPr lang="ru-RU" smtClean="0"/>
+              <a:rPr lang="ru-RU" strike="noStrike" noProof="1" smtClean="0">
+                <a:latin typeface="+mn-lt"/>
+                <a:ea typeface="+mn-ea"/>
+                <a:cs typeface="+mn-cs"/>
+              </a:rPr>
             </a:fld>
-            <a:endParaRPr lang="ru-RU"/>
+            <a:endParaRPr lang="ru-RU" strike="noStrike" noProof="1"/>
           </a:p>
         </p:txBody>
       </p:sp>
@@ -1239,11 +1412,12 @@
             </a:lvl1pPr>
           </a:lstStyle>
           <a:p>
-            <a:r>
-              <a:rPr lang="ru-RU" smtClean="0"/>
+            <a:pPr fontAlgn="auto"/>
+            <a:r>
+              <a:rPr lang="ru-RU" strike="noStrike" noProof="1" smtClean="0"/>
               <a:t>Образец заголовка</a:t>
             </a:r>
-            <a:endParaRPr lang="ru-RU"/>
+            <a:endParaRPr lang="ru-RU" strike="noStrike" noProof="1"/>
           </a:p>
         </p:txBody>
       </p:sp>
@@ -1358,9 +1532,9 @@
             </a:lvl9pPr>
           </a:lstStyle>
           <a:p>
-            <a:pPr lvl="0"/>
-            <a:r>
-              <a:rPr lang="ru-RU" smtClean="0"/>
+            <a:pPr lvl="0" fontAlgn="auto"/>
+            <a:r>
+              <a:rPr lang="ru-RU" strike="noStrike" noProof="1" smtClean="0"/>
               <a:t>Образец текста</a:t>
             </a:r>
           </a:p>
@@ -1368,7 +1542,7 @@
       </p:sp>
       <p:sp>
         <p:nvSpPr>
-          <p:cNvPr id="4" name="Дата 3"/>
+          <p:cNvPr id="4" name="Замещающая дата 3"/>
           <p:cNvSpPr>
             <a:spLocks noGrp="1"/>
           </p:cNvSpPr>
@@ -1379,18 +1553,26 @@
         <p:spPr/>
         <p:txBody>
           <a:bodyPr/>
-          <a:lstStyle/>
-          <a:p>
+          <a:p>
+            <a:pPr fontAlgn="auto"/>
             <a:fld id="{CB24468F-6682-48AA-B5F4-BEF8E7F9833C}" type="datetimeFigureOut">
-              <a:rPr lang="ru-RU" smtClean="0"/>
+              <a:rPr lang="ru-RU" altLang="en-US" strike="noStrike" noProof="1" smtClean="0">
+                <a:latin typeface="+mn-lt"/>
+                <a:ea typeface="+mn-ea"/>
+                <a:cs typeface="+mn-cs"/>
+              </a:rPr>
             </a:fld>
-            <a:endParaRPr lang="ru-RU"/>
-          </a:p>
-        </p:txBody>
-      </p:sp>
-      <p:sp>
-        <p:nvSpPr>
-          <p:cNvPr id="5" name="Нижний колонтитул 4"/>
+            <a:endParaRPr lang="ru-RU" altLang="en-US" strike="noStrike" noProof="1" smtClean="0">
+              <a:latin typeface="+mn-lt"/>
+              <a:ea typeface="+mn-ea"/>
+              <a:cs typeface="+mn-cs"/>
+            </a:endParaRPr>
+          </a:p>
+        </p:txBody>
+      </p:sp>
+      <p:sp>
+        <p:nvSpPr>
+          <p:cNvPr id="5" name="Замещающий нижний колонтитул 4"/>
           <p:cNvSpPr>
             <a:spLocks noGrp="1"/>
           </p:cNvSpPr>
@@ -1401,19 +1583,23 @@
         <p:spPr/>
         <p:txBody>
           <a:bodyPr/>
-          <a:lstStyle/>
-          <a:p>
-            <a:r>
-              <a:rPr lang="ru-RU"/>
+          <a:p>
+            <a:pPr fontAlgn="auto"/>
+            <a:r>
+              <a:rPr lang="ru-RU" strike="noStrike" noProof="1">
+                <a:latin typeface="+mn-lt"/>
+                <a:ea typeface="+mn-ea"/>
+                <a:cs typeface="+mn-cs"/>
+              </a:rPr>
               <a:t>https://github.com/nevoroman/ml-dotnet</a:t>
             </a:r>
-            <a:endParaRPr lang="ru-RU"/>
-          </a:p>
-        </p:txBody>
-      </p:sp>
-      <p:sp>
-        <p:nvSpPr>
-          <p:cNvPr id="6" name="Номер слайда 5"/>
+            <a:endParaRPr lang="ru-RU" strike="noStrike" noProof="1"/>
+          </a:p>
+        </p:txBody>
+      </p:sp>
+      <p:sp>
+        <p:nvSpPr>
+          <p:cNvPr id="6" name="Замещающий номер слайда 5"/>
           <p:cNvSpPr>
             <a:spLocks noGrp="1"/>
           </p:cNvSpPr>
@@ -1424,12 +1610,16 @@
         <p:spPr/>
         <p:txBody>
           <a:bodyPr/>
-          <a:lstStyle/>
-          <a:p>
+          <a:p>
+            <a:pPr fontAlgn="auto"/>
             <a:fld id="{3E82897F-7A41-40D7-BC9E-F666B07C585D}" type="slidenum">
-              <a:rPr lang="ru-RU" smtClean="0"/>
+              <a:rPr lang="ru-RU" strike="noStrike" noProof="1" smtClean="0">
+                <a:latin typeface="+mn-lt"/>
+                <a:ea typeface="+mn-ea"/>
+                <a:cs typeface="+mn-cs"/>
+              </a:rPr>
             </a:fld>
-            <a:endParaRPr lang="ru-RU"/>
+            <a:endParaRPr lang="ru-RU" strike="noStrike" noProof="1"/>
           </a:p>
         </p:txBody>
       </p:sp>
@@ -1474,11 +1664,12 @@
           <a:bodyPr/>
           <a:lstStyle/>
           <a:p>
-            <a:r>
-              <a:rPr lang="ru-RU" smtClean="0"/>
+            <a:pPr fontAlgn="auto"/>
+            <a:r>
+              <a:rPr lang="ru-RU" strike="noStrike" noProof="1" smtClean="0"/>
               <a:t>Образец заголовка</a:t>
             </a:r>
-            <a:endParaRPr lang="ru-RU"/>
+            <a:endParaRPr lang="ru-RU" strike="noStrike" noProof="1"/>
           </a:p>
         </p:txBody>
       </p:sp>
@@ -1502,44 +1693,44 @@
           <a:bodyPr/>
           <a:lstStyle/>
           <a:p>
-            <a:pPr lvl="0"/>
-            <a:r>
-              <a:rPr lang="ru-RU" smtClean="0"/>
+            <a:pPr lvl="0" fontAlgn="auto"/>
+            <a:r>
+              <a:rPr lang="ru-RU" strike="noStrike" noProof="1" smtClean="0"/>
               <a:t>Образец текста</a:t>
             </a:r>
-            <a:endParaRPr lang="ru-RU" smtClean="0"/>
-          </a:p>
-          <a:p>
-            <a:pPr lvl="1"/>
-            <a:r>
-              <a:rPr lang="ru-RU" smtClean="0"/>
+            <a:endParaRPr lang="ru-RU" strike="noStrike" noProof="1" smtClean="0"/>
+          </a:p>
+          <a:p>
+            <a:pPr lvl="1" fontAlgn="auto"/>
+            <a:r>
+              <a:rPr lang="ru-RU" strike="noStrike" noProof="1" smtClean="0"/>
               <a:t>Второй уровень</a:t>
             </a:r>
-            <a:endParaRPr lang="ru-RU" smtClean="0"/>
-          </a:p>
-          <a:p>
-            <a:pPr lvl="2"/>
-            <a:r>
-              <a:rPr lang="ru-RU" smtClean="0"/>
+            <a:endParaRPr lang="ru-RU" strike="noStrike" noProof="1" smtClean="0"/>
+          </a:p>
+          <a:p>
+            <a:pPr lvl="2" fontAlgn="auto"/>
+            <a:r>
+              <a:rPr lang="ru-RU" strike="noStrike" noProof="1" smtClean="0"/>
               <a:t>Третий уровень</a:t>
             </a:r>
-            <a:endParaRPr lang="ru-RU" smtClean="0"/>
-          </a:p>
-          <a:p>
-            <a:pPr lvl="3"/>
-            <a:r>
-              <a:rPr lang="ru-RU" smtClean="0"/>
+            <a:endParaRPr lang="ru-RU" strike="noStrike" noProof="1" smtClean="0"/>
+          </a:p>
+          <a:p>
+            <a:pPr lvl="3" fontAlgn="auto"/>
+            <a:r>
+              <a:rPr lang="ru-RU" strike="noStrike" noProof="1" smtClean="0"/>
               <a:t>Четвертый уровень</a:t>
             </a:r>
-            <a:endParaRPr lang="ru-RU" smtClean="0"/>
-          </a:p>
-          <a:p>
-            <a:pPr lvl="4"/>
-            <a:r>
-              <a:rPr lang="ru-RU" smtClean="0"/>
+            <a:endParaRPr lang="ru-RU" strike="noStrike" noProof="1" smtClean="0"/>
+          </a:p>
+          <a:p>
+            <a:pPr lvl="4" fontAlgn="auto"/>
+            <a:r>
+              <a:rPr lang="ru-RU" strike="noStrike" noProof="1" smtClean="0"/>
               <a:t>Пятый уровень</a:t>
             </a:r>
-            <a:endParaRPr lang="ru-RU"/>
+            <a:endParaRPr lang="ru-RU" strike="noStrike" noProof="1"/>
           </a:p>
         </p:txBody>
       </p:sp>
@@ -1563,50 +1754,50 @@
           <a:bodyPr/>
           <a:lstStyle/>
           <a:p>
-            <a:pPr lvl="0"/>
-            <a:r>
-              <a:rPr lang="ru-RU" smtClean="0"/>
+            <a:pPr lvl="0" fontAlgn="auto"/>
+            <a:r>
+              <a:rPr lang="ru-RU" strike="noStrike" noProof="1" smtClean="0"/>
               <a:t>Образец текста</a:t>
             </a:r>
-            <a:endParaRPr lang="ru-RU" smtClean="0"/>
-          </a:p>
-          <a:p>
-            <a:pPr lvl="1"/>
-            <a:r>
-              <a:rPr lang="ru-RU" smtClean="0"/>
+            <a:endParaRPr lang="ru-RU" strike="noStrike" noProof="1" smtClean="0"/>
+          </a:p>
+          <a:p>
+            <a:pPr lvl="1" fontAlgn="auto"/>
+            <a:r>
+              <a:rPr lang="ru-RU" strike="noStrike" noProof="1" smtClean="0"/>
               <a:t>Второй уровень</a:t>
             </a:r>
-            <a:endParaRPr lang="ru-RU" smtClean="0"/>
-          </a:p>
-          <a:p>
-            <a:pPr lvl="2"/>
-            <a:r>
-              <a:rPr lang="ru-RU" smtClean="0"/>
+            <a:endParaRPr lang="ru-RU" strike="noStrike" noProof="1" smtClean="0"/>
+          </a:p>
+          <a:p>
+            <a:pPr lvl="2" fontAlgn="auto"/>
+            <a:r>
+              <a:rPr lang="ru-RU" strike="noStrike" noProof="1" smtClean="0"/>
               <a:t>Третий уровень</a:t>
             </a:r>
-            <a:endParaRPr lang="ru-RU" smtClean="0"/>
-          </a:p>
-          <a:p>
-            <a:pPr lvl="3"/>
-            <a:r>
-              <a:rPr lang="ru-RU" smtClean="0"/>
+            <a:endParaRPr lang="ru-RU" strike="noStrike" noProof="1" smtClean="0"/>
+          </a:p>
+          <a:p>
+            <a:pPr lvl="3" fontAlgn="auto"/>
+            <a:r>
+              <a:rPr lang="ru-RU" strike="noStrike" noProof="1" smtClean="0"/>
               <a:t>Четвертый уровень</a:t>
             </a:r>
-            <a:endParaRPr lang="ru-RU" smtClean="0"/>
-          </a:p>
-          <a:p>
-            <a:pPr lvl="4"/>
-            <a:r>
-              <a:rPr lang="ru-RU" smtClean="0"/>
+            <a:endParaRPr lang="ru-RU" strike="noStrike" noProof="1" smtClean="0"/>
+          </a:p>
+          <a:p>
+            <a:pPr lvl="4" fontAlgn="auto"/>
+            <a:r>
+              <a:rPr lang="ru-RU" strike="noStrike" noProof="1" smtClean="0"/>
               <a:t>Пятый уровень</a:t>
             </a:r>
-            <a:endParaRPr lang="ru-RU"/>
-          </a:p>
-        </p:txBody>
-      </p:sp>
-      <p:sp>
-        <p:nvSpPr>
-          <p:cNvPr id="5" name="Дата 4"/>
+            <a:endParaRPr lang="ru-RU" strike="noStrike" noProof="1"/>
+          </a:p>
+        </p:txBody>
+      </p:sp>
+      <p:sp>
+        <p:nvSpPr>
+          <p:cNvPr id="5" name="Замещающая дата 4"/>
           <p:cNvSpPr>
             <a:spLocks noGrp="1"/>
           </p:cNvSpPr>
@@ -1617,18 +1808,26 @@
         <p:spPr/>
         <p:txBody>
           <a:bodyPr/>
-          <a:lstStyle/>
-          <a:p>
+          <a:p>
+            <a:pPr fontAlgn="auto"/>
             <a:fld id="{CB24468F-6682-48AA-B5F4-BEF8E7F9833C}" type="datetimeFigureOut">
-              <a:rPr lang="ru-RU" smtClean="0"/>
+              <a:rPr lang="ru-RU" altLang="en-US" strike="noStrike" noProof="1" smtClean="0">
+                <a:latin typeface="+mn-lt"/>
+                <a:ea typeface="+mn-ea"/>
+                <a:cs typeface="+mn-cs"/>
+              </a:rPr>
             </a:fld>
-            <a:endParaRPr lang="ru-RU"/>
-          </a:p>
-        </p:txBody>
-      </p:sp>
-      <p:sp>
-        <p:nvSpPr>
-          <p:cNvPr id="6" name="Нижний колонтитул 5"/>
+            <a:endParaRPr lang="ru-RU" altLang="en-US" strike="noStrike" noProof="1" smtClean="0">
+              <a:latin typeface="+mn-lt"/>
+              <a:ea typeface="+mn-ea"/>
+              <a:cs typeface="+mn-cs"/>
+            </a:endParaRPr>
+          </a:p>
+        </p:txBody>
+      </p:sp>
+      <p:sp>
+        <p:nvSpPr>
+          <p:cNvPr id="6" name="Замещающий нижний колонтитул 5"/>
           <p:cNvSpPr>
             <a:spLocks noGrp="1"/>
           </p:cNvSpPr>
@@ -1639,19 +1838,23 @@
         <p:spPr/>
         <p:txBody>
           <a:bodyPr/>
-          <a:lstStyle/>
-          <a:p>
-            <a:r>
-              <a:rPr lang="ru-RU"/>
+          <a:p>
+            <a:pPr fontAlgn="auto"/>
+            <a:r>
+              <a:rPr lang="ru-RU" strike="noStrike" noProof="1">
+                <a:latin typeface="+mn-lt"/>
+                <a:ea typeface="+mn-ea"/>
+                <a:cs typeface="+mn-cs"/>
+              </a:rPr>
               <a:t>https://github.com/nevoroman/ml-dotnet</a:t>
             </a:r>
-            <a:endParaRPr lang="ru-RU"/>
-          </a:p>
-        </p:txBody>
-      </p:sp>
-      <p:sp>
-        <p:nvSpPr>
-          <p:cNvPr id="7" name="Номер слайда 6"/>
+            <a:endParaRPr lang="ru-RU" strike="noStrike" noProof="1"/>
+          </a:p>
+        </p:txBody>
+      </p:sp>
+      <p:sp>
+        <p:nvSpPr>
+          <p:cNvPr id="7" name="Замещающий номер слайда 6"/>
           <p:cNvSpPr>
             <a:spLocks noGrp="1"/>
           </p:cNvSpPr>
@@ -1662,12 +1865,16 @@
         <p:spPr/>
         <p:txBody>
           <a:bodyPr/>
-          <a:lstStyle/>
-          <a:p>
+          <a:p>
+            <a:pPr fontAlgn="auto"/>
             <a:fld id="{3E82897F-7A41-40D7-BC9E-F666B07C585D}" type="slidenum">
-              <a:rPr lang="ru-RU" smtClean="0"/>
+              <a:rPr lang="ru-RU" strike="noStrike" noProof="1" smtClean="0">
+                <a:latin typeface="+mn-lt"/>
+                <a:ea typeface="+mn-ea"/>
+                <a:cs typeface="+mn-cs"/>
+              </a:rPr>
             </a:fld>
-            <a:endParaRPr lang="ru-RU"/>
+            <a:endParaRPr lang="ru-RU" strike="noStrike" noProof="1"/>
           </a:p>
         </p:txBody>
       </p:sp>
@@ -1717,11 +1924,12 @@
           <a:bodyPr/>
           <a:lstStyle/>
           <a:p>
-            <a:r>
-              <a:rPr lang="ru-RU" smtClean="0"/>
+            <a:pPr fontAlgn="auto"/>
+            <a:r>
+              <a:rPr lang="ru-RU" strike="noStrike" noProof="1" smtClean="0"/>
               <a:t>Образец заголовка</a:t>
             </a:r>
-            <a:endParaRPr lang="ru-RU"/>
+            <a:endParaRPr lang="ru-RU" strike="noStrike" noProof="1"/>
           </a:p>
         </p:txBody>
       </p:sp>
@@ -1782,9 +1990,9 @@
             </a:lvl9pPr>
           </a:lstStyle>
           <a:p>
-            <a:pPr lvl="0"/>
-            <a:r>
-              <a:rPr lang="ru-RU" smtClean="0"/>
+            <a:pPr lvl="0" fontAlgn="auto"/>
+            <a:r>
+              <a:rPr lang="ru-RU" strike="noStrike" noProof="1" smtClean="0"/>
               <a:t>Образец текста</a:t>
             </a:r>
           </a:p>
@@ -1810,44 +2018,44 @@
           <a:bodyPr/>
           <a:lstStyle/>
           <a:p>
-            <a:pPr lvl="0"/>
-            <a:r>
-              <a:rPr lang="ru-RU" smtClean="0"/>
+            <a:pPr lvl="0" fontAlgn="auto"/>
+            <a:r>
+              <a:rPr lang="ru-RU" strike="noStrike" noProof="1" smtClean="0"/>
               <a:t>Образец текста</a:t>
             </a:r>
-            <a:endParaRPr lang="ru-RU" smtClean="0"/>
-          </a:p>
-          <a:p>
-            <a:pPr lvl="1"/>
-            <a:r>
-              <a:rPr lang="ru-RU" smtClean="0"/>
+            <a:endParaRPr lang="ru-RU" strike="noStrike" noProof="1" smtClean="0"/>
+          </a:p>
+          <a:p>
+            <a:pPr lvl="1" fontAlgn="auto"/>
+            <a:r>
+              <a:rPr lang="ru-RU" strike="noStrike" noProof="1" smtClean="0"/>
               <a:t>Второй уровень</a:t>
             </a:r>
-            <a:endParaRPr lang="ru-RU" smtClean="0"/>
-          </a:p>
-          <a:p>
-            <a:pPr lvl="2"/>
-            <a:r>
-              <a:rPr lang="ru-RU" smtClean="0"/>
+            <a:endParaRPr lang="ru-RU" strike="noStrike" noProof="1" smtClean="0"/>
+          </a:p>
+          <a:p>
+            <a:pPr lvl="2" fontAlgn="auto"/>
+            <a:r>
+              <a:rPr lang="ru-RU" strike="noStrike" noProof="1" smtClean="0"/>
               <a:t>Третий уровень</a:t>
             </a:r>
-            <a:endParaRPr lang="ru-RU" smtClean="0"/>
-          </a:p>
-          <a:p>
-            <a:pPr lvl="3"/>
-            <a:r>
-              <a:rPr lang="ru-RU" smtClean="0"/>
+            <a:endParaRPr lang="ru-RU" strike="noStrike" noProof="1" smtClean="0"/>
+          </a:p>
+          <a:p>
+            <a:pPr lvl="3" fontAlgn="auto"/>
+            <a:r>
+              <a:rPr lang="ru-RU" strike="noStrike" noProof="1" smtClean="0"/>
               <a:t>Четвертый уровень</a:t>
             </a:r>
-            <a:endParaRPr lang="ru-RU" smtClean="0"/>
-          </a:p>
-          <a:p>
-            <a:pPr lvl="4"/>
-            <a:r>
-              <a:rPr lang="ru-RU" smtClean="0"/>
+            <a:endParaRPr lang="ru-RU" strike="noStrike" noProof="1" smtClean="0"/>
+          </a:p>
+          <a:p>
+            <a:pPr lvl="4" fontAlgn="auto"/>
+            <a:r>
+              <a:rPr lang="ru-RU" strike="noStrike" noProof="1" smtClean="0"/>
               <a:t>Пятый уровень</a:t>
             </a:r>
-            <a:endParaRPr lang="ru-RU"/>
+            <a:endParaRPr lang="ru-RU" strike="noStrike" noProof="1"/>
           </a:p>
         </p:txBody>
       </p:sp>
@@ -1908,9 +2116,9 @@
             </a:lvl9pPr>
           </a:lstStyle>
           <a:p>
-            <a:pPr lvl="0"/>
-            <a:r>
-              <a:rPr lang="ru-RU" smtClean="0"/>
+            <a:pPr lvl="0" fontAlgn="auto"/>
+            <a:r>
+              <a:rPr lang="ru-RU" strike="noStrike" noProof="1" smtClean="0"/>
               <a:t>Образец текста</a:t>
             </a:r>
           </a:p>
@@ -1936,50 +2144,50 @@
           <a:bodyPr/>
           <a:lstStyle/>
           <a:p>
-            <a:pPr lvl="0"/>
-            <a:r>
-              <a:rPr lang="ru-RU" smtClean="0"/>
+            <a:pPr lvl="0" fontAlgn="auto"/>
+            <a:r>
+              <a:rPr lang="ru-RU" strike="noStrike" noProof="1" smtClean="0"/>
               <a:t>Образец текста</a:t>
             </a:r>
-            <a:endParaRPr lang="ru-RU" smtClean="0"/>
-          </a:p>
-          <a:p>
-            <a:pPr lvl="1"/>
-            <a:r>
-              <a:rPr lang="ru-RU" smtClean="0"/>
+            <a:endParaRPr lang="ru-RU" strike="noStrike" noProof="1" smtClean="0"/>
+          </a:p>
+          <a:p>
+            <a:pPr lvl="1" fontAlgn="auto"/>
+            <a:r>
+              <a:rPr lang="ru-RU" strike="noStrike" noProof="1" smtClean="0"/>
               <a:t>Второй уровень</a:t>
             </a:r>
-            <a:endParaRPr lang="ru-RU" smtClean="0"/>
-          </a:p>
-          <a:p>
-            <a:pPr lvl="2"/>
-            <a:r>
-              <a:rPr lang="ru-RU" smtClean="0"/>
+            <a:endParaRPr lang="ru-RU" strike="noStrike" noProof="1" smtClean="0"/>
+          </a:p>
+          <a:p>
+            <a:pPr lvl="2" fontAlgn="auto"/>
+            <a:r>
+              <a:rPr lang="ru-RU" strike="noStrike" noProof="1" smtClean="0"/>
               <a:t>Третий уровень</a:t>
             </a:r>
-            <a:endParaRPr lang="ru-RU" smtClean="0"/>
-          </a:p>
-          <a:p>
-            <a:pPr lvl="3"/>
-            <a:r>
-              <a:rPr lang="ru-RU" smtClean="0"/>
+            <a:endParaRPr lang="ru-RU" strike="noStrike" noProof="1" smtClean="0"/>
+          </a:p>
+          <a:p>
+            <a:pPr lvl="3" fontAlgn="auto"/>
+            <a:r>
+              <a:rPr lang="ru-RU" strike="noStrike" noProof="1" smtClean="0"/>
               <a:t>Четвертый уровень</a:t>
             </a:r>
-            <a:endParaRPr lang="ru-RU" smtClean="0"/>
-          </a:p>
-          <a:p>
-            <a:pPr lvl="4"/>
-            <a:r>
-              <a:rPr lang="ru-RU" smtClean="0"/>
+            <a:endParaRPr lang="ru-RU" strike="noStrike" noProof="1" smtClean="0"/>
+          </a:p>
+          <a:p>
+            <a:pPr lvl="4" fontAlgn="auto"/>
+            <a:r>
+              <a:rPr lang="ru-RU" strike="noStrike" noProof="1" smtClean="0"/>
               <a:t>Пятый уровень</a:t>
             </a:r>
-            <a:endParaRPr lang="ru-RU"/>
-          </a:p>
-        </p:txBody>
-      </p:sp>
-      <p:sp>
-        <p:nvSpPr>
-          <p:cNvPr id="7" name="Дата 6"/>
+            <a:endParaRPr lang="ru-RU" strike="noStrike" noProof="1"/>
+          </a:p>
+        </p:txBody>
+      </p:sp>
+      <p:sp>
+        <p:nvSpPr>
+          <p:cNvPr id="7" name="Замещающая дата 6"/>
           <p:cNvSpPr>
             <a:spLocks noGrp="1"/>
           </p:cNvSpPr>
@@ -1990,18 +2198,26 @@
         <p:spPr/>
         <p:txBody>
           <a:bodyPr/>
-          <a:lstStyle/>
-          <a:p>
+          <a:p>
+            <a:pPr fontAlgn="auto"/>
             <a:fld id="{CB24468F-6682-48AA-B5F4-BEF8E7F9833C}" type="datetimeFigureOut">
-              <a:rPr lang="ru-RU" smtClean="0"/>
+              <a:rPr lang="ru-RU" altLang="en-US" strike="noStrike" noProof="1" smtClean="0">
+                <a:latin typeface="+mn-lt"/>
+                <a:ea typeface="+mn-ea"/>
+                <a:cs typeface="+mn-cs"/>
+              </a:rPr>
             </a:fld>
-            <a:endParaRPr lang="ru-RU"/>
-          </a:p>
-        </p:txBody>
-      </p:sp>
-      <p:sp>
-        <p:nvSpPr>
-          <p:cNvPr id="8" name="Нижний колонтитул 7"/>
+            <a:endParaRPr lang="ru-RU" altLang="en-US" strike="noStrike" noProof="1" smtClean="0">
+              <a:latin typeface="+mn-lt"/>
+              <a:ea typeface="+mn-ea"/>
+              <a:cs typeface="+mn-cs"/>
+            </a:endParaRPr>
+          </a:p>
+        </p:txBody>
+      </p:sp>
+      <p:sp>
+        <p:nvSpPr>
+          <p:cNvPr id="8" name="Замещающий нижний колонтитул 7"/>
           <p:cNvSpPr>
             <a:spLocks noGrp="1"/>
           </p:cNvSpPr>
@@ -2012,19 +2228,23 @@
         <p:spPr/>
         <p:txBody>
           <a:bodyPr/>
-          <a:lstStyle/>
-          <a:p>
-            <a:r>
-              <a:rPr lang="ru-RU"/>
+          <a:p>
+            <a:pPr fontAlgn="auto"/>
+            <a:r>
+              <a:rPr lang="ru-RU" strike="noStrike" noProof="1">
+                <a:latin typeface="+mn-lt"/>
+                <a:ea typeface="+mn-ea"/>
+                <a:cs typeface="+mn-cs"/>
+              </a:rPr>
               <a:t>https://github.com/nevoroman/ml-dotnet</a:t>
             </a:r>
-            <a:endParaRPr lang="ru-RU"/>
-          </a:p>
-        </p:txBody>
-      </p:sp>
-      <p:sp>
-        <p:nvSpPr>
-          <p:cNvPr id="9" name="Номер слайда 8"/>
+            <a:endParaRPr lang="ru-RU" strike="noStrike" noProof="1"/>
+          </a:p>
+        </p:txBody>
+      </p:sp>
+      <p:sp>
+        <p:nvSpPr>
+          <p:cNvPr id="9" name="Замещающий номер слайда 8"/>
           <p:cNvSpPr>
             <a:spLocks noGrp="1"/>
           </p:cNvSpPr>
@@ -2035,12 +2255,16 @@
         <p:spPr/>
         <p:txBody>
           <a:bodyPr/>
-          <a:lstStyle/>
-          <a:p>
+          <a:p>
+            <a:pPr fontAlgn="auto"/>
             <a:fld id="{3E82897F-7A41-40D7-BC9E-F666B07C585D}" type="slidenum">
-              <a:rPr lang="ru-RU" smtClean="0"/>
+              <a:rPr lang="ru-RU" strike="noStrike" noProof="1" smtClean="0">
+                <a:latin typeface="+mn-lt"/>
+                <a:ea typeface="+mn-ea"/>
+                <a:cs typeface="+mn-cs"/>
+              </a:rPr>
             </a:fld>
-            <a:endParaRPr lang="ru-RU"/>
+            <a:endParaRPr lang="ru-RU" strike="noStrike" noProof="1"/>
           </a:p>
         </p:txBody>
       </p:sp>
@@ -2085,17 +2309,18 @@
           <a:bodyPr/>
           <a:lstStyle/>
           <a:p>
-            <a:r>
-              <a:rPr lang="ru-RU" smtClean="0"/>
+            <a:pPr fontAlgn="auto"/>
+            <a:r>
+              <a:rPr lang="ru-RU" strike="noStrike" noProof="1" smtClean="0"/>
               <a:t>Образец заголовка</a:t>
             </a:r>
-            <a:endParaRPr lang="ru-RU"/>
-          </a:p>
-        </p:txBody>
-      </p:sp>
-      <p:sp>
-        <p:nvSpPr>
-          <p:cNvPr id="3" name="Дата 2"/>
+            <a:endParaRPr lang="ru-RU" strike="noStrike" noProof="1"/>
+          </a:p>
+        </p:txBody>
+      </p:sp>
+      <p:sp>
+        <p:nvSpPr>
+          <p:cNvPr id="3" name="Замещающая дата 2"/>
           <p:cNvSpPr>
             <a:spLocks noGrp="1"/>
           </p:cNvSpPr>
@@ -2106,18 +2331,26 @@
         <p:spPr/>
         <p:txBody>
           <a:bodyPr/>
-          <a:lstStyle/>
-          <a:p>
+          <a:p>
+            <a:pPr fontAlgn="auto"/>
             <a:fld id="{CB24468F-6682-48AA-B5F4-BEF8E7F9833C}" type="datetimeFigureOut">
-              <a:rPr lang="ru-RU" smtClean="0"/>
+              <a:rPr lang="ru-RU" altLang="en-US" strike="noStrike" noProof="1" smtClean="0">
+                <a:latin typeface="+mn-lt"/>
+                <a:ea typeface="+mn-ea"/>
+                <a:cs typeface="+mn-cs"/>
+              </a:rPr>
             </a:fld>
-            <a:endParaRPr lang="ru-RU"/>
-          </a:p>
-        </p:txBody>
-      </p:sp>
-      <p:sp>
-        <p:nvSpPr>
-          <p:cNvPr id="4" name="Нижний колонтитул 3"/>
+            <a:endParaRPr lang="ru-RU" altLang="en-US" strike="noStrike" noProof="1" smtClean="0">
+              <a:latin typeface="+mn-lt"/>
+              <a:ea typeface="+mn-ea"/>
+              <a:cs typeface="+mn-cs"/>
+            </a:endParaRPr>
+          </a:p>
+        </p:txBody>
+      </p:sp>
+      <p:sp>
+        <p:nvSpPr>
+          <p:cNvPr id="4" name="Замещающий нижний колонтитул 3"/>
           <p:cNvSpPr>
             <a:spLocks noGrp="1"/>
           </p:cNvSpPr>
@@ -2128,19 +2361,23 @@
         <p:spPr/>
         <p:txBody>
           <a:bodyPr/>
-          <a:lstStyle/>
-          <a:p>
-            <a:r>
-              <a:rPr lang="ru-RU"/>
+          <a:p>
+            <a:pPr fontAlgn="auto"/>
+            <a:r>
+              <a:rPr lang="ru-RU" strike="noStrike" noProof="1">
+                <a:latin typeface="+mn-lt"/>
+                <a:ea typeface="+mn-ea"/>
+                <a:cs typeface="+mn-cs"/>
+              </a:rPr>
               <a:t>https://github.com/nevoroman/ml-dotnet</a:t>
             </a:r>
-            <a:endParaRPr lang="ru-RU"/>
-          </a:p>
-        </p:txBody>
-      </p:sp>
-      <p:sp>
-        <p:nvSpPr>
-          <p:cNvPr id="5" name="Номер слайда 4"/>
+            <a:endParaRPr lang="ru-RU" strike="noStrike" noProof="1"/>
+          </a:p>
+        </p:txBody>
+      </p:sp>
+      <p:sp>
+        <p:nvSpPr>
+          <p:cNvPr id="5" name="Замещающий номер слайда 4"/>
           <p:cNvSpPr>
             <a:spLocks noGrp="1"/>
           </p:cNvSpPr>
@@ -2151,12 +2388,16 @@
         <p:spPr/>
         <p:txBody>
           <a:bodyPr/>
-          <a:lstStyle/>
-          <a:p>
+          <a:p>
+            <a:pPr fontAlgn="auto"/>
             <a:fld id="{3E82897F-7A41-40D7-BC9E-F666B07C585D}" type="slidenum">
-              <a:rPr lang="ru-RU" smtClean="0"/>
+              <a:rPr lang="ru-RU" strike="noStrike" noProof="1" smtClean="0">
+                <a:latin typeface="+mn-lt"/>
+                <a:ea typeface="+mn-ea"/>
+                <a:cs typeface="+mn-cs"/>
+              </a:rPr>
             </a:fld>
-            <a:endParaRPr lang="ru-RU"/>
+            <a:endParaRPr lang="ru-RU" strike="noStrike" noProof="1"/>
           </a:p>
         </p:txBody>
       </p:sp>
@@ -2188,7 +2429,7 @@
       </p:grpSpPr>
       <p:sp>
         <p:nvSpPr>
-          <p:cNvPr id="2" name="Дата 1"/>
+          <p:cNvPr id="2" name="Замещающая дата 1"/>
           <p:cNvSpPr>
             <a:spLocks noGrp="1"/>
           </p:cNvSpPr>
@@ -2199,18 +2440,26 @@
         <p:spPr/>
         <p:txBody>
           <a:bodyPr/>
-          <a:lstStyle/>
-          <a:p>
+          <a:p>
+            <a:pPr fontAlgn="auto"/>
             <a:fld id="{CB24468F-6682-48AA-B5F4-BEF8E7F9833C}" type="datetimeFigureOut">
-              <a:rPr lang="ru-RU" smtClean="0"/>
+              <a:rPr lang="ru-RU" altLang="en-US" strike="noStrike" noProof="1" smtClean="0">
+                <a:latin typeface="+mn-lt"/>
+                <a:ea typeface="+mn-ea"/>
+                <a:cs typeface="+mn-cs"/>
+              </a:rPr>
             </a:fld>
-            <a:endParaRPr lang="ru-RU"/>
-          </a:p>
-        </p:txBody>
-      </p:sp>
-      <p:sp>
-        <p:nvSpPr>
-          <p:cNvPr id="3" name="Нижний колонтитул 2"/>
+            <a:endParaRPr lang="ru-RU" altLang="en-US" strike="noStrike" noProof="1" smtClean="0">
+              <a:latin typeface="+mn-lt"/>
+              <a:ea typeface="+mn-ea"/>
+              <a:cs typeface="+mn-cs"/>
+            </a:endParaRPr>
+          </a:p>
+        </p:txBody>
+      </p:sp>
+      <p:sp>
+        <p:nvSpPr>
+          <p:cNvPr id="3" name="Замещающий нижний колонтитул 2"/>
           <p:cNvSpPr>
             <a:spLocks noGrp="1"/>
           </p:cNvSpPr>
@@ -2221,19 +2470,23 @@
         <p:spPr/>
         <p:txBody>
           <a:bodyPr/>
-          <a:lstStyle/>
-          <a:p>
-            <a:r>
-              <a:rPr lang="ru-RU"/>
+          <a:p>
+            <a:pPr fontAlgn="auto"/>
+            <a:r>
+              <a:rPr lang="ru-RU" strike="noStrike" noProof="1">
+                <a:latin typeface="+mn-lt"/>
+                <a:ea typeface="+mn-ea"/>
+                <a:cs typeface="+mn-cs"/>
+              </a:rPr>
               <a:t>https://github.com/nevoroman/ml-dotnet</a:t>
             </a:r>
-            <a:endParaRPr lang="ru-RU"/>
-          </a:p>
-        </p:txBody>
-      </p:sp>
-      <p:sp>
-        <p:nvSpPr>
-          <p:cNvPr id="4" name="Номер слайда 3"/>
+            <a:endParaRPr lang="ru-RU" strike="noStrike" noProof="1"/>
+          </a:p>
+        </p:txBody>
+      </p:sp>
+      <p:sp>
+        <p:nvSpPr>
+          <p:cNvPr id="4" name="Замещающий номер слайда 3"/>
           <p:cNvSpPr>
             <a:spLocks noGrp="1"/>
           </p:cNvSpPr>
@@ -2244,12 +2497,16 @@
         <p:spPr/>
         <p:txBody>
           <a:bodyPr/>
-          <a:lstStyle/>
-          <a:p>
+          <a:p>
+            <a:pPr fontAlgn="auto"/>
             <a:fld id="{3E82897F-7A41-40D7-BC9E-F666B07C585D}" type="slidenum">
-              <a:rPr lang="ru-RU" smtClean="0"/>
+              <a:rPr lang="ru-RU" strike="noStrike" noProof="1" smtClean="0">
+                <a:latin typeface="+mn-lt"/>
+                <a:ea typeface="+mn-ea"/>
+                <a:cs typeface="+mn-cs"/>
+              </a:rPr>
             </a:fld>
-            <a:endParaRPr lang="ru-RU"/>
+            <a:endParaRPr lang="ru-RU" strike="noStrike" noProof="1"/>
           </a:p>
         </p:txBody>
       </p:sp>
@@ -2303,11 +2560,12 @@
             </a:lvl1pPr>
           </a:lstStyle>
           <a:p>
-            <a:r>
-              <a:rPr lang="ru-RU" smtClean="0"/>
+            <a:pPr fontAlgn="auto"/>
+            <a:r>
+              <a:rPr lang="ru-RU" strike="noStrike" noProof="1" smtClean="0"/>
               <a:t>Образец заголовка</a:t>
             </a:r>
-            <a:endParaRPr lang="ru-RU"/>
+            <a:endParaRPr lang="ru-RU" strike="noStrike" noProof="1"/>
           </a:p>
         </p:txBody>
       </p:sp>
@@ -2359,44 +2617,44 @@
             </a:lvl9pPr>
           </a:lstStyle>
           <a:p>
-            <a:pPr lvl="0"/>
-            <a:r>
-              <a:rPr lang="ru-RU" smtClean="0"/>
+            <a:pPr lvl="0" fontAlgn="auto"/>
+            <a:r>
+              <a:rPr lang="ru-RU" strike="noStrike" noProof="1" smtClean="0"/>
               <a:t>Образец текста</a:t>
             </a:r>
-            <a:endParaRPr lang="ru-RU" smtClean="0"/>
-          </a:p>
-          <a:p>
-            <a:pPr lvl="1"/>
-            <a:r>
-              <a:rPr lang="ru-RU" smtClean="0"/>
+            <a:endParaRPr lang="ru-RU" strike="noStrike" noProof="1" smtClean="0"/>
+          </a:p>
+          <a:p>
+            <a:pPr lvl="1" fontAlgn="auto"/>
+            <a:r>
+              <a:rPr lang="ru-RU" strike="noStrike" noProof="1" smtClean="0"/>
               <a:t>Второй уровень</a:t>
             </a:r>
-            <a:endParaRPr lang="ru-RU" smtClean="0"/>
-          </a:p>
-          <a:p>
-            <a:pPr lvl="2"/>
-            <a:r>
-              <a:rPr lang="ru-RU" smtClean="0"/>
+            <a:endParaRPr lang="ru-RU" strike="noStrike" noProof="1" smtClean="0"/>
+          </a:p>
+          <a:p>
+            <a:pPr lvl="2" fontAlgn="auto"/>
+            <a:r>
+              <a:rPr lang="ru-RU" strike="noStrike" noProof="1" smtClean="0"/>
               <a:t>Третий уровень</a:t>
             </a:r>
-            <a:endParaRPr lang="ru-RU" smtClean="0"/>
-          </a:p>
-          <a:p>
-            <a:pPr lvl="3"/>
-            <a:r>
-              <a:rPr lang="ru-RU" smtClean="0"/>
+            <a:endParaRPr lang="ru-RU" strike="noStrike" noProof="1" smtClean="0"/>
+          </a:p>
+          <a:p>
+            <a:pPr lvl="3" fontAlgn="auto"/>
+            <a:r>
+              <a:rPr lang="ru-RU" strike="noStrike" noProof="1" smtClean="0"/>
               <a:t>Четвертый уровень</a:t>
             </a:r>
-            <a:endParaRPr lang="ru-RU" smtClean="0"/>
-          </a:p>
-          <a:p>
-            <a:pPr lvl="4"/>
-            <a:r>
-              <a:rPr lang="ru-RU" smtClean="0"/>
+            <a:endParaRPr lang="ru-RU" strike="noStrike" noProof="1" smtClean="0"/>
+          </a:p>
+          <a:p>
+            <a:pPr lvl="4" fontAlgn="auto"/>
+            <a:r>
+              <a:rPr lang="ru-RU" strike="noStrike" noProof="1" smtClean="0"/>
               <a:t>Пятый уровень</a:t>
             </a:r>
-            <a:endParaRPr lang="ru-RU"/>
+            <a:endParaRPr lang="ru-RU" strike="noStrike" noProof="1"/>
           </a:p>
         </p:txBody>
       </p:sp>
@@ -2457,9 +2715,9 @@
             </a:lvl9pPr>
           </a:lstStyle>
           <a:p>
-            <a:pPr lvl="0"/>
-            <a:r>
-              <a:rPr lang="ru-RU" smtClean="0"/>
+            <a:pPr lvl="0" fontAlgn="auto"/>
+            <a:r>
+              <a:rPr lang="ru-RU" strike="noStrike" noProof="1" smtClean="0"/>
               <a:t>Образец текста</a:t>
             </a:r>
           </a:p>
@@ -2467,7 +2725,7 @@
       </p:sp>
       <p:sp>
         <p:nvSpPr>
-          <p:cNvPr id="5" name="Дата 4"/>
+          <p:cNvPr id="5" name="Замещающая дата 4"/>
           <p:cNvSpPr>
             <a:spLocks noGrp="1"/>
           </p:cNvSpPr>
@@ -2478,18 +2736,26 @@
         <p:spPr/>
         <p:txBody>
           <a:bodyPr/>
-          <a:lstStyle/>
-          <a:p>
+          <a:p>
+            <a:pPr fontAlgn="auto"/>
             <a:fld id="{CB24468F-6682-48AA-B5F4-BEF8E7F9833C}" type="datetimeFigureOut">
-              <a:rPr lang="ru-RU" smtClean="0"/>
+              <a:rPr lang="ru-RU" altLang="en-US" strike="noStrike" noProof="1" smtClean="0">
+                <a:latin typeface="+mn-lt"/>
+                <a:ea typeface="+mn-ea"/>
+                <a:cs typeface="+mn-cs"/>
+              </a:rPr>
             </a:fld>
-            <a:endParaRPr lang="ru-RU"/>
-          </a:p>
-        </p:txBody>
-      </p:sp>
-      <p:sp>
-        <p:nvSpPr>
-          <p:cNvPr id="6" name="Нижний колонтитул 5"/>
+            <a:endParaRPr lang="ru-RU" altLang="en-US" strike="noStrike" noProof="1" smtClean="0">
+              <a:latin typeface="+mn-lt"/>
+              <a:ea typeface="+mn-ea"/>
+              <a:cs typeface="+mn-cs"/>
+            </a:endParaRPr>
+          </a:p>
+        </p:txBody>
+      </p:sp>
+      <p:sp>
+        <p:nvSpPr>
+          <p:cNvPr id="6" name="Замещающий нижний колонтитул 5"/>
           <p:cNvSpPr>
             <a:spLocks noGrp="1"/>
           </p:cNvSpPr>
@@ -2500,19 +2766,23 @@
         <p:spPr/>
         <p:txBody>
           <a:bodyPr/>
-          <a:lstStyle/>
-          <a:p>
-            <a:r>
-              <a:rPr lang="ru-RU"/>
+          <a:p>
+            <a:pPr fontAlgn="auto"/>
+            <a:r>
+              <a:rPr lang="ru-RU" strike="noStrike" noProof="1">
+                <a:latin typeface="+mn-lt"/>
+                <a:ea typeface="+mn-ea"/>
+                <a:cs typeface="+mn-cs"/>
+              </a:rPr>
               <a:t>https://github.com/nevoroman/ml-dotnet</a:t>
             </a:r>
-            <a:endParaRPr lang="ru-RU"/>
-          </a:p>
-        </p:txBody>
-      </p:sp>
-      <p:sp>
-        <p:nvSpPr>
-          <p:cNvPr id="7" name="Номер слайда 6"/>
+            <a:endParaRPr lang="ru-RU" strike="noStrike" noProof="1"/>
+          </a:p>
+        </p:txBody>
+      </p:sp>
+      <p:sp>
+        <p:nvSpPr>
+          <p:cNvPr id="7" name="Замещающий номер слайда 6"/>
           <p:cNvSpPr>
             <a:spLocks noGrp="1"/>
           </p:cNvSpPr>
@@ -2523,12 +2793,16 @@
         <p:spPr/>
         <p:txBody>
           <a:bodyPr/>
-          <a:lstStyle/>
-          <a:p>
+          <a:p>
+            <a:pPr fontAlgn="auto"/>
             <a:fld id="{3E82897F-7A41-40D7-BC9E-F666B07C585D}" type="slidenum">
-              <a:rPr lang="ru-RU" smtClean="0"/>
+              <a:rPr lang="ru-RU" strike="noStrike" noProof="1" smtClean="0">
+                <a:latin typeface="+mn-lt"/>
+                <a:ea typeface="+mn-ea"/>
+                <a:cs typeface="+mn-cs"/>
+              </a:rPr>
             </a:fld>
-            <a:endParaRPr lang="ru-RU"/>
+            <a:endParaRPr lang="ru-RU" strike="noStrike" noProof="1"/>
           </a:p>
         </p:txBody>
       </p:sp>
@@ -2582,11 +2856,12 @@
             </a:lvl1pPr>
           </a:lstStyle>
           <a:p>
-            <a:r>
-              <a:rPr lang="ru-RU" smtClean="0"/>
+            <a:pPr fontAlgn="auto"/>
+            <a:r>
+              <a:rPr lang="ru-RU" strike="noStrike" noProof="1" smtClean="0"/>
               <a:t>Образец заголовка</a:t>
             </a:r>
-            <a:endParaRPr lang="ru-RU"/>
+            <a:endParaRPr lang="ru-RU" strike="noStrike" noProof="1"/>
           </a:p>
         </p:txBody>
       </p:sp>
@@ -2647,7 +2922,8 @@
             </a:lvl9pPr>
           </a:lstStyle>
           <a:p>
-            <a:endParaRPr lang="ru-RU"/>
+            <a:pPr fontAlgn="auto"/>
+            <a:endParaRPr lang="ru-RU" strike="noStrike" noProof="1"/>
           </a:p>
         </p:txBody>
       </p:sp>
@@ -2708,9 +2984,9 @@
             </a:lvl9pPr>
           </a:lstStyle>
           <a:p>
-            <a:pPr lvl="0"/>
-            <a:r>
-              <a:rPr lang="ru-RU" smtClean="0"/>
+            <a:pPr lvl="0" fontAlgn="auto"/>
+            <a:r>
+              <a:rPr lang="ru-RU" strike="noStrike" noProof="1" smtClean="0"/>
               <a:t>Образец текста</a:t>
             </a:r>
           </a:p>
@@ -2718,7 +2994,7 @@
       </p:sp>
       <p:sp>
         <p:nvSpPr>
-          <p:cNvPr id="5" name="Дата 4"/>
+          <p:cNvPr id="5" name="Замещающая дата 4"/>
           <p:cNvSpPr>
             <a:spLocks noGrp="1"/>
           </p:cNvSpPr>
@@ -2729,18 +3005,26 @@
         <p:spPr/>
         <p:txBody>
           <a:bodyPr/>
-          <a:lstStyle/>
-          <a:p>
+          <a:p>
+            <a:pPr fontAlgn="auto"/>
             <a:fld id="{CB24468F-6682-48AA-B5F4-BEF8E7F9833C}" type="datetimeFigureOut">
-              <a:rPr lang="ru-RU" smtClean="0"/>
+              <a:rPr lang="ru-RU" altLang="en-US" strike="noStrike" noProof="1" smtClean="0">
+                <a:latin typeface="+mn-lt"/>
+                <a:ea typeface="+mn-ea"/>
+                <a:cs typeface="+mn-cs"/>
+              </a:rPr>
             </a:fld>
-            <a:endParaRPr lang="ru-RU"/>
-          </a:p>
-        </p:txBody>
-      </p:sp>
-      <p:sp>
-        <p:nvSpPr>
-          <p:cNvPr id="6" name="Нижний колонтитул 5"/>
+            <a:endParaRPr lang="ru-RU" altLang="en-US" strike="noStrike" noProof="1" smtClean="0">
+              <a:latin typeface="+mn-lt"/>
+              <a:ea typeface="+mn-ea"/>
+              <a:cs typeface="+mn-cs"/>
+            </a:endParaRPr>
+          </a:p>
+        </p:txBody>
+      </p:sp>
+      <p:sp>
+        <p:nvSpPr>
+          <p:cNvPr id="6" name="Замещающий нижний колонтитул 5"/>
           <p:cNvSpPr>
             <a:spLocks noGrp="1"/>
           </p:cNvSpPr>
@@ -2751,19 +3035,23 @@
         <p:spPr/>
         <p:txBody>
           <a:bodyPr/>
-          <a:lstStyle/>
-          <a:p>
-            <a:r>
-              <a:rPr lang="ru-RU"/>
+          <a:p>
+            <a:pPr fontAlgn="auto"/>
+            <a:r>
+              <a:rPr lang="ru-RU" strike="noStrike" noProof="1">
+                <a:latin typeface="+mn-lt"/>
+                <a:ea typeface="+mn-ea"/>
+                <a:cs typeface="+mn-cs"/>
+              </a:rPr>
               <a:t>https://github.com/nevoroman/ml-dotnet</a:t>
             </a:r>
-            <a:endParaRPr lang="ru-RU"/>
-          </a:p>
-        </p:txBody>
-      </p:sp>
-      <p:sp>
-        <p:nvSpPr>
-          <p:cNvPr id="7" name="Номер слайда 6"/>
+            <a:endParaRPr lang="ru-RU" strike="noStrike" noProof="1"/>
+          </a:p>
+        </p:txBody>
+      </p:sp>
+      <p:sp>
+        <p:nvSpPr>
+          <p:cNvPr id="7" name="Замещающий номер слайда 6"/>
           <p:cNvSpPr>
             <a:spLocks noGrp="1"/>
           </p:cNvSpPr>
@@ -2774,12 +3062,16 @@
         <p:spPr/>
         <p:txBody>
           <a:bodyPr/>
-          <a:lstStyle/>
-          <a:p>
+          <a:p>
+            <a:pPr fontAlgn="auto"/>
             <a:fld id="{3E82897F-7A41-40D7-BC9E-F666B07C585D}" type="slidenum">
-              <a:rPr lang="ru-RU" smtClean="0"/>
+              <a:rPr lang="ru-RU" strike="noStrike" noProof="1" smtClean="0">
+                <a:latin typeface="+mn-lt"/>
+                <a:ea typeface="+mn-ea"/>
+                <a:cs typeface="+mn-cs"/>
+              </a:rPr>
             </a:fld>
-            <a:endParaRPr lang="ru-RU"/>
+            <a:endParaRPr lang="ru-RU" strike="noStrike" noProof="1"/>
           </a:p>
         </p:txBody>
       </p:sp>
@@ -2796,9 +3088,12 @@
 <p:sldMaster xmlns:a="http://schemas.openxmlformats.org/drawingml/2006/main" xmlns:r="http://schemas.openxmlformats.org/officeDocument/2006/relationships" xmlns:p="http://schemas.openxmlformats.org/presentationml/2006/main">
   <p:cSld>
     <p:bg>
-      <p:bgRef idx="1001">
-        <a:schemeClr val="bg1"/>
-      </p:bgRef>
+      <p:bgPr>
+        <a:solidFill>
+          <a:schemeClr val="bg1"/>
+        </a:solidFill>
+        <a:effectLst/>
+      </p:bgPr>
     </p:bg>
     <p:spTree>
       <p:nvGrpSpPr>
@@ -2806,17 +3101,10 @@
         <p:cNvGrpSpPr/>
         <p:nvPr/>
       </p:nvGrpSpPr>
-      <p:grpSpPr>
-        <a:xfrm>
-          <a:off x="0" y="0"/>
-          <a:ext cx="0" cy="0"/>
-          <a:chOff x="0" y="0"/>
-          <a:chExt cx="0" cy="0"/>
-        </a:xfrm>
-      </p:grpSpPr>
-      <p:sp>
-        <p:nvSpPr>
-          <p:cNvPr id="2" name="Заголовок 1"/>
+      <p:grpSpPr/>
+      <p:sp>
+        <p:nvSpPr>
+          <p:cNvPr id="1026" name="Заголовок 1"/>
           <p:cNvSpPr>
             <a:spLocks noGrp="1"/>
           </p:cNvSpPr>
@@ -2832,29 +3120,32 @@
           <a:prstGeom prst="rect">
             <a:avLst/>
           </a:prstGeom>
+          <a:noFill/>
+          <a:ln w="9525">
+            <a:noFill/>
+            <a:miter/>
+          </a:ln>
         </p:spPr>
         <p:txBody>
-          <a:bodyPr vert="horz" lIns="91440" tIns="45720" rIns="91440" bIns="45720" rtlCol="0" anchor="ctr">
-            <a:normAutofit/>
-          </a:bodyPr>
-          <a:lstStyle/>
-          <a:p>
-            <a:r>
-              <a:rPr lang="ru-RU" smtClean="0"/>
+          <a:bodyPr lIns="91440" tIns="45720" rIns="91440" bIns="45720" anchor="ctr"/>
+          <a:p>
+            <a:pPr lvl="0"/>
+            <a:r>
+              <a:rPr lang="ru-RU" altLang="en-US"/>
               <a:t>Образец заголовка</a:t>
             </a:r>
-            <a:endParaRPr lang="ru-RU"/>
-          </a:p>
-        </p:txBody>
-      </p:sp>
-      <p:sp>
-        <p:nvSpPr>
-          <p:cNvPr id="3" name="Текст 2"/>
-          <p:cNvSpPr>
-            <a:spLocks noGrp="1"/>
-          </p:cNvSpPr>
-          <p:nvPr>
-            <p:ph type="body" idx="1"/>
+            <a:endParaRPr lang="ru-RU" altLang="en-US"/>
+          </a:p>
+        </p:txBody>
+      </p:sp>
+      <p:sp>
+        <p:nvSpPr>
+          <p:cNvPr id="1027" name="Текст 2"/>
+          <p:cNvSpPr>
+            <a:spLocks noGrp="1"/>
+          </p:cNvSpPr>
+          <p:nvPr>
+            <p:ph type="body"/>
           </p:nvPr>
         </p:nvSpPr>
         <p:spPr>
@@ -2865,51 +3156,53 @@
           <a:prstGeom prst="rect">
             <a:avLst/>
           </a:prstGeom>
+          <a:noFill/>
+          <a:ln w="9525">
+            <a:noFill/>
+            <a:miter/>
+          </a:ln>
         </p:spPr>
         <p:txBody>
-          <a:bodyPr vert="horz" lIns="91440" tIns="45720" rIns="91440" bIns="45720" rtlCol="0">
-            <a:normAutofit/>
-          </a:bodyPr>
-          <a:lstStyle/>
+          <a:bodyPr lIns="91440" tIns="45720" rIns="91440" bIns="45720" anchor="t"/>
           <a:p>
             <a:pPr lvl="0"/>
             <a:r>
-              <a:rPr lang="ru-RU" smtClean="0"/>
+              <a:rPr lang="ru-RU" altLang="en-US"/>
               <a:t>Образец текста</a:t>
             </a:r>
-            <a:endParaRPr lang="ru-RU" smtClean="0"/>
-          </a:p>
-          <a:p>
-            <a:pPr lvl="1"/>
-            <a:r>
-              <a:rPr lang="ru-RU" smtClean="0"/>
+            <a:endParaRPr lang="ru-RU" altLang="en-US"/>
+          </a:p>
+          <a:p>
+            <a:pPr lvl="1" indent="-228600"/>
+            <a:r>
+              <a:rPr lang="ru-RU" altLang="en-US"/>
               <a:t>Второй уровень</a:t>
             </a:r>
-            <a:endParaRPr lang="ru-RU" smtClean="0"/>
-          </a:p>
-          <a:p>
-            <a:pPr lvl="2"/>
-            <a:r>
-              <a:rPr lang="ru-RU" smtClean="0"/>
+            <a:endParaRPr lang="ru-RU" altLang="en-US"/>
+          </a:p>
+          <a:p>
+            <a:pPr lvl="2" indent="-228600"/>
+            <a:r>
+              <a:rPr lang="ru-RU" altLang="en-US"/>
               <a:t>Третий уровень</a:t>
             </a:r>
-            <a:endParaRPr lang="ru-RU" smtClean="0"/>
-          </a:p>
-          <a:p>
-            <a:pPr lvl="3"/>
-            <a:r>
-              <a:rPr lang="ru-RU" smtClean="0"/>
+            <a:endParaRPr lang="ru-RU" altLang="en-US"/>
+          </a:p>
+          <a:p>
+            <a:pPr lvl="3" indent="-228600"/>
+            <a:r>
+              <a:rPr lang="ru-RU" altLang="en-US"/>
               <a:t>Четвертый уровень</a:t>
             </a:r>
-            <a:endParaRPr lang="ru-RU" smtClean="0"/>
-          </a:p>
-          <a:p>
-            <a:pPr lvl="4"/>
-            <a:r>
-              <a:rPr lang="ru-RU" smtClean="0"/>
+            <a:endParaRPr lang="ru-RU" altLang="en-US"/>
+          </a:p>
+          <a:p>
+            <a:pPr lvl="4" indent="-228600"/>
+            <a:r>
+              <a:rPr lang="ru-RU" altLang="en-US"/>
               <a:t>Пятый уровень</a:t>
             </a:r>
-            <a:endParaRPr lang="ru-RU"/>
+            <a:endParaRPr lang="ru-RU" altLang="en-US"/>
           </a:p>
         </p:txBody>
       </p:sp>
@@ -2946,10 +3239,19 @@
             </a:lvl1pPr>
           </a:lstStyle>
           <a:p>
+            <a:pPr fontAlgn="auto"/>
             <a:fld id="{CB24468F-6682-48AA-B5F4-BEF8E7F9833C}" type="datetimeFigureOut">
-              <a:rPr lang="ru-RU" smtClean="0"/>
+              <a:rPr lang="ru-RU" altLang="en-US" strike="noStrike" noProof="1" smtClean="0">
+                <a:latin typeface="+mn-lt"/>
+                <a:ea typeface="+mn-ea"/>
+                <a:cs typeface="+mn-cs"/>
+              </a:rPr>
             </a:fld>
-            <a:endParaRPr lang="ru-RU"/>
+            <a:endParaRPr lang="ru-RU" altLang="en-US" strike="noStrike" noProof="1" smtClean="0">
+              <a:latin typeface="+mn-lt"/>
+              <a:ea typeface="+mn-ea"/>
+              <a:cs typeface="+mn-cs"/>
+            </a:endParaRPr>
           </a:p>
         </p:txBody>
       </p:sp>
@@ -2986,11 +3288,16 @@
             </a:lvl1pPr>
           </a:lstStyle>
           <a:p>
-            <a:r>
-              <a:rPr lang="ru-RU"/>
+            <a:pPr fontAlgn="auto"/>
+            <a:r>
+              <a:rPr lang="ru-RU" strike="noStrike" noProof="1">
+                <a:latin typeface="+mn-lt"/>
+                <a:ea typeface="+mn-ea"/>
+                <a:cs typeface="+mn-cs"/>
+              </a:rPr>
               <a:t>https://github.com/nevoroman/ml-dotnet</a:t>
             </a:r>
-            <a:endParaRPr lang="ru-RU"/>
+            <a:endParaRPr lang="ru-RU" strike="noStrike" noProof="1"/>
           </a:p>
         </p:txBody>
       </p:sp>
@@ -3027,10 +3334,15 @@
             </a:lvl1pPr>
           </a:lstStyle>
           <a:p>
+            <a:pPr fontAlgn="auto"/>
             <a:fld id="{3E82897F-7A41-40D7-BC9E-F666B07C585D}" type="slidenum">
-              <a:rPr lang="ru-RU" smtClean="0"/>
+              <a:rPr lang="ru-RU" strike="noStrike" noProof="1" smtClean="0">
+                <a:latin typeface="+mn-lt"/>
+                <a:ea typeface="+mn-ea"/>
+                <a:cs typeface="+mn-cs"/>
+              </a:rPr>
             </a:fld>
-            <a:endParaRPr lang="ru-RU"/>
+            <a:endParaRPr lang="ru-RU" strike="noStrike" noProof="1"/>
           </a:p>
         </p:txBody>
       </p:sp>
@@ -3050,7 +3362,7 @@
     <p:sldLayoutId id="2147483658" r:id="rId10"/>
     <p:sldLayoutId id="2147483659" r:id="rId11"/>
   </p:sldLayoutIdLst>
-  <p:hf hdr="0" dt="0"/>
+  <p:hf sldNum="0" hdr="0" ftr="0" dt="0"/>
   <p:txStyles>
     <p:titleStyle>
       <a:lvl1pPr algn="l" defTabSz="914400" rtl="0" eaLnBrk="1" latinLnBrk="0" hangingPunct="1">
@@ -3356,34 +3668,35 @@
         </p:nvSpPr>
         <p:spPr>
           <a:xfrm>
-            <a:off x="876300" y="1769745"/>
-            <a:ext cx="8815705" cy="1755140"/>
+            <a:off x="876300" y="1770063"/>
+            <a:ext cx="8815388" cy="1754188"/>
           </a:xfrm>
-          <a:ln>
+          <a:ln w="9525">
             <a:noFill/>
+            <a:miter/>
           </a:ln>
         </p:spPr>
         <p:txBody>
-          <a:bodyPr>
+          <a:bodyPr vert="horz" lIns="91440" tIns="45720" rIns="91440" bIns="45720" rtlCol="0" anchor="b">
             <a:normAutofit fontScale="90000"/>
           </a:bodyPr>
           <a:p>
-            <a:pPr algn="l"/>
-            <a:r>
-              <a:rPr lang="ru-RU" altLang="en-US"/>
+            <a:pPr algn="l" fontAlgn="auto"/>
+            <a:r>
+              <a:rPr lang="ru-RU" altLang="en-US" strike="noStrike" noProof="1"/>
               <a:t>Машинное обучение на платформе </a:t>
             </a:r>
             <a:r>
-              <a:rPr lang="en-US" altLang="ru-RU"/>
+              <a:rPr lang="en-US" altLang="ru-RU" strike="noStrike" noProof="1"/>
               <a:t>.NET</a:t>
             </a:r>
-            <a:endParaRPr lang="en-US" altLang="ru-RU"/>
+            <a:endParaRPr lang="en-US" altLang="ru-RU" strike="noStrike" noProof="1"/>
           </a:p>
         </p:txBody>
       </p:sp>
       <p:pic>
         <p:nvPicPr>
-          <p:cNvPr id="6" name="Изображение 5" descr="logo-waveaccess[1]"/>
+          <p:cNvPr id="3074" name="Изображение 5" descr="logo-waveaccess[1]"/>
           <p:cNvPicPr>
             <a:picLocks noChangeAspect="1"/>
           </p:cNvPicPr>
@@ -3397,73 +3710,124 @@
         </p:blipFill>
         <p:spPr>
           <a:xfrm>
-            <a:off x="398145" y="247015"/>
-            <a:ext cx="2561590" cy="628650"/>
+            <a:off x="398463" y="247650"/>
+            <a:ext cx="2560637" cy="628650"/>
           </a:xfrm>
           <a:prstGeom prst="rect">
             <a:avLst/>
           </a:prstGeom>
+          <a:noFill/>
+          <a:ln w="9525">
+            <a:noFill/>
+            <a:miter/>
+          </a:ln>
         </p:spPr>
       </p:pic>
       <p:sp>
         <p:nvSpPr>
-          <p:cNvPr id="7" name="Подзаголовок 6"/>
-          <p:cNvSpPr/>
+          <p:cNvPr id="3075" name="Подзаголовок 6"/>
+          <p:cNvSpPr>
+            <a:spLocks noGrp="1"/>
+          </p:cNvSpPr>
           <p:nvPr>
             <p:ph type="subTitle" idx="1"/>
           </p:nvPr>
         </p:nvSpPr>
         <p:spPr>
           <a:xfrm>
-            <a:off x="1442720" y="4191635"/>
-            <a:ext cx="6040755" cy="1774190"/>
+            <a:off x="1443038" y="4191000"/>
+            <a:ext cx="6040437" cy="1774825"/>
           </a:xfrm>
+          <a:ln w="9525">
+            <a:noFill/>
+            <a:miter/>
+          </a:ln>
         </p:spPr>
         <p:txBody>
-          <a:bodyPr>
-            <a:noAutofit/>
-          </a:bodyPr>
-          <a:p>
-            <a:pPr algn="l"/>
-            <a:r>
-              <a:rPr lang="ru-RU" sz="2800"/>
+          <a:bodyPr lIns="91440" tIns="45720" rIns="91440" bIns="45720" anchor="t"/>
+          <a:p>
+            <a:pPr algn="l" defTabSz="914400">
+              <a:buFont typeface="Arial" pitchFamily="34" charset="0"/>
+              <a:buNone/>
+            </a:pPr>
+            <a:r>
+              <a:rPr lang="ru-RU" altLang="en-US" sz="2800" kern="1200">
+                <a:latin typeface="+mn-lt"/>
+                <a:ea typeface="+mn-ea"/>
+                <a:cs typeface="+mn-cs"/>
+              </a:rPr>
               <a:t>Неволин Роман</a:t>
             </a:r>
-            <a:endParaRPr lang="ru-RU" sz="2800"/>
-          </a:p>
-          <a:p>
-            <a:pPr algn="l"/>
-            <a:r>
-              <a:rPr lang="en-US" altLang="ru-RU" sz="2800">
-                <a:sym typeface="+mn-ea"/>
+            <a:endParaRPr lang="ru-RU" altLang="en-US" sz="2800" kern="1200">
+              <a:latin typeface="+mn-lt"/>
+              <a:ea typeface="+mn-ea"/>
+              <a:cs typeface="+mn-cs"/>
+            </a:endParaRPr>
+          </a:p>
+          <a:p>
+            <a:pPr algn="l" defTabSz="914400">
+              <a:buFont typeface="Arial" pitchFamily="34" charset="0"/>
+              <a:buNone/>
+            </a:pPr>
+            <a:r>
+              <a:rPr lang="en-US" altLang="ru-RU" sz="2800" kern="1200">
+                <a:latin typeface="+mn-lt"/>
+                <a:ea typeface="+mn-ea"/>
+                <a:cs typeface="+mn-cs"/>
+                <a:sym typeface="Arial" charset="0"/>
               </a:rPr>
               <a:t>roman.nevolin@waveaccess.ru</a:t>
             </a:r>
-            <a:endParaRPr lang="en-US" altLang="ru-RU" sz="2800">
-              <a:sym typeface="+mn-ea"/>
+            <a:endParaRPr lang="en-US" altLang="ru-RU" sz="2800" kern="1200">
+              <a:latin typeface="+mn-lt"/>
+              <a:ea typeface="+mn-ea"/>
+              <a:cs typeface="+mn-cs"/>
+              <a:sym typeface="Arial" charset="0"/>
             </a:endParaRPr>
           </a:p>
           <a:p>
-            <a:pPr algn="l"/>
-            <a:r>
-              <a:rPr lang="en-US" altLang="ru-RU" sz="2800"/>
+            <a:pPr algn="l" defTabSz="914400">
+              <a:buFont typeface="Arial" pitchFamily="34" charset="0"/>
+              <a:buNone/>
+            </a:pPr>
+            <a:r>
+              <a:rPr lang="en-US" altLang="ru-RU" sz="2800" kern="1200">
+                <a:latin typeface="+mn-lt"/>
+                <a:ea typeface="+mn-ea"/>
+                <a:cs typeface="+mn-cs"/>
+              </a:rPr>
               <a:t>nevoroman</a:t>
             </a:r>
-            <a:endParaRPr lang="en-US" altLang="ru-RU" sz="2800"/>
-          </a:p>
-          <a:p>
-            <a:pPr algn="l"/>
-            <a:r>
-              <a:rPr lang="en-US" altLang="ru-RU" sz="2800"/>
+            <a:endParaRPr lang="en-US" altLang="ru-RU" sz="2800" kern="1200">
+              <a:latin typeface="+mn-lt"/>
+              <a:ea typeface="+mn-ea"/>
+              <a:cs typeface="+mn-cs"/>
+            </a:endParaRPr>
+          </a:p>
+          <a:p>
+            <a:pPr algn="l" defTabSz="914400">
+              <a:buFont typeface="Arial" pitchFamily="34" charset="0"/>
+              <a:buNone/>
+            </a:pPr>
+            <a:r>
+              <a:rPr lang="en-US" altLang="ru-RU" sz="2800" kern="1200">
+                <a:latin typeface="+mn-lt"/>
+                <a:ea typeface="+mn-ea"/>
+                <a:cs typeface="+mn-cs"/>
+              </a:rPr>
               <a:t>nevoroman/ml-dotnet</a:t>
             </a:r>
-            <a:endParaRPr lang="en-US" altLang="ru-RU" sz="2800"/>
+            <a:endParaRPr lang="en-US" altLang="ru-RU" sz="2800" kern="1200">
+              <a:latin typeface="+mn-lt"/>
+              <a:ea typeface="+mn-ea"/>
+              <a:cs typeface="+mn-cs"/>
+            </a:endParaRPr>
           </a:p>
         </p:txBody>
       </p:sp>
       <p:pic>
         <p:nvPicPr>
-          <p:cNvPr id="11" name="Изображение 10" descr="black"/>
+          <p:cNvPr id="3076" name="Изображение 10" descr="black"/>
           <p:cNvPicPr>
             <a:picLocks noChangeAspect="1"/>
           </p:cNvPicPr>
@@ -3477,17 +3841,22 @@
         </p:blipFill>
         <p:spPr>
           <a:xfrm>
-            <a:off x="1024255" y="4289425"/>
-            <a:ext cx="309245" cy="309245"/>
+            <a:off x="1023938" y="4289425"/>
+            <a:ext cx="309562" cy="309563"/>
           </a:xfrm>
           <a:prstGeom prst="rect">
             <a:avLst/>
           </a:prstGeom>
+          <a:noFill/>
+          <a:ln w="9525">
+            <a:noFill/>
+            <a:miter/>
+          </a:ln>
         </p:spPr>
       </p:pic>
       <p:pic>
         <p:nvPicPr>
-          <p:cNvPr id="12" name="Изображение 11" descr="web"/>
+          <p:cNvPr id="3077" name="Изображение 11" descr="web"/>
           <p:cNvPicPr>
             <a:picLocks noChangeAspect="1"/>
           </p:cNvPicPr>
@@ -3501,17 +3870,22 @@
         </p:blipFill>
         <p:spPr>
           <a:xfrm>
-            <a:off x="1033145" y="4815205"/>
-            <a:ext cx="309600" cy="309600"/>
+            <a:off x="1033463" y="4814888"/>
+            <a:ext cx="309562" cy="309562"/>
           </a:xfrm>
           <a:prstGeom prst="rect">
             <a:avLst/>
           </a:prstGeom>
+          <a:noFill/>
+          <a:ln w="9525">
+            <a:noFill/>
+            <a:miter/>
+          </a:ln>
         </p:spPr>
       </p:pic>
       <p:pic>
         <p:nvPicPr>
-          <p:cNvPr id="14" name="Изображение 13" descr="social-media(1)"/>
+          <p:cNvPr id="3078" name="Изображение 13" descr="social-media(1)"/>
           <p:cNvPicPr/>
           <p:nvPr/>
         </p:nvPicPr>
@@ -3523,17 +3897,22 @@
         </p:blipFill>
         <p:spPr>
           <a:xfrm>
-            <a:off x="1048385" y="5336540"/>
-            <a:ext cx="309600" cy="309600"/>
+            <a:off x="1047750" y="5337175"/>
+            <a:ext cx="309563" cy="309563"/>
           </a:xfrm>
           <a:prstGeom prst="rect">
             <a:avLst/>
           </a:prstGeom>
+          <a:noFill/>
+          <a:ln w="9525">
+            <a:noFill/>
+            <a:miter/>
+          </a:ln>
         </p:spPr>
       </p:pic>
       <p:pic>
         <p:nvPicPr>
-          <p:cNvPr id="15" name="Изображение 14" descr="circle"/>
+          <p:cNvPr id="3079" name="Изображение 14" descr="circle"/>
           <p:cNvPicPr>
             <a:picLocks noChangeAspect="1"/>
           </p:cNvPicPr>
@@ -3547,12 +3926,17 @@
         </p:blipFill>
         <p:spPr>
           <a:xfrm>
-            <a:off x="1049655" y="5850255"/>
-            <a:ext cx="309600" cy="309600"/>
+            <a:off x="1049338" y="5849938"/>
+            <a:ext cx="309562" cy="309562"/>
           </a:xfrm>
           <a:prstGeom prst="rect">
             <a:avLst/>
           </a:prstGeom>
+          <a:noFill/>
+          <a:ln w="9525">
+            <a:noFill/>
+            <a:miter/>
+          </a:ln>
         </p:spPr>
       </p:pic>
     </p:spTree>
@@ -3575,7 +3959,7 @@
       <p:grpSpPr/>
       <p:sp>
         <p:nvSpPr>
-          <p:cNvPr id="2" name="Заголовок 1"/>
+          <p:cNvPr id="12289" name="Заголовок 1"/>
           <p:cNvSpPr>
             <a:spLocks noGrp="1"/>
           </p:cNvSpPr>
@@ -3585,108 +3969,87 @@
         </p:nvSpPr>
         <p:spPr/>
         <p:txBody>
-          <a:bodyPr/>
-          <a:p>
-            <a:r>
-              <a:rPr lang="en-US">
-                <a:sym typeface="+mn-ea"/>
+          <a:bodyPr lIns="91440" tIns="45720" rIns="91440" bIns="45720" anchor="ctr"/>
+          <a:p>
+            <a:r>
+              <a:rPr lang="en-US" altLang="en-US">
+                <a:sym typeface="等线" charset="0"/>
               </a:rPr>
               <a:t>ML </a:t>
             </a:r>
             <a:r>
               <a:rPr lang="ru-RU" altLang="en-US">
-                <a:sym typeface="+mn-ea"/>
+                <a:sym typeface="等线" charset="0"/>
               </a:rPr>
               <a:t>и </a:t>
             </a:r>
             <a:r>
               <a:rPr lang="en-US" altLang="ru-RU">
-                <a:sym typeface="+mn-ea"/>
+                <a:sym typeface="等线" charset="0"/>
               </a:rPr>
               <a:t>.NET</a:t>
             </a:r>
             <a:r>
               <a:rPr lang="ru-RU" altLang="en-US">
-                <a:sym typeface="+mn-ea"/>
+                <a:sym typeface="等线" charset="0"/>
               </a:rPr>
               <a:t> </a:t>
             </a:r>
             <a:r>
               <a:rPr lang="en-US" altLang="ru-RU">
-                <a:sym typeface="+mn-ea"/>
+                <a:sym typeface="等线" charset="0"/>
               </a:rPr>
               <a:t>: </a:t>
             </a:r>
             <a:r>
               <a:rPr lang="ru-RU" altLang="en-US">
-                <a:sym typeface="+mn-ea"/>
+                <a:sym typeface="等线" charset="0"/>
               </a:rPr>
               <a:t>препарируем </a:t>
             </a:r>
             <a:r>
               <a:rPr lang="en-US" altLang="ru-RU">
-                <a:sym typeface="+mn-ea"/>
+                <a:sym typeface="等线" charset="0"/>
               </a:rPr>
               <a:t>F#</a:t>
             </a:r>
             <a:endParaRPr lang="en-US" altLang="ru-RU">
-              <a:sym typeface="+mn-ea"/>
+              <a:sym typeface="等线" charset="0"/>
             </a:endParaRPr>
           </a:p>
         </p:txBody>
       </p:sp>
       <p:sp>
         <p:nvSpPr>
-          <p:cNvPr id="4" name="Замещающий нижний колонтитул 3"/>
-          <p:cNvSpPr>
-            <a:spLocks noGrp="1"/>
-          </p:cNvSpPr>
-          <p:nvPr>
-            <p:ph type="ftr" sz="quarter" idx="11"/>
+          <p:cNvPr id="5" name="Замещающий номер слайда 4"/>
+          <p:cNvSpPr>
+            <a:spLocks noGrp="1"/>
+          </p:cNvSpPr>
+          <p:nvPr>
+            <p:ph type="sldNum" sz="quarter" idx="12"/>
           </p:nvPr>
         </p:nvSpPr>
         <p:spPr/>
         <p:txBody>
-          <a:bodyPr/>
-          <a:p>
-            <a:r>
-              <a:rPr lang="ru-RU"/>
-              <a:t>https://github.com/nevoroman/ml-dotnet</a:t>
-            </a:r>
-            <a:r>
-              <a:rPr lang="en-US" altLang="ru-RU"/>
-              <a:t>/ML&amp;Dotnet</a:t>
-            </a:r>
-            <a:endParaRPr lang="en-US" altLang="ru-RU"/>
-          </a:p>
-        </p:txBody>
-      </p:sp>
-      <p:sp>
-        <p:nvSpPr>
-          <p:cNvPr id="5" name="Замещающий номер слайда 4"/>
-          <p:cNvSpPr>
-            <a:spLocks noGrp="1"/>
-          </p:cNvSpPr>
-          <p:nvPr>
-            <p:ph type="sldNum" sz="quarter" idx="12"/>
-          </p:nvPr>
-        </p:nvSpPr>
-        <p:spPr/>
-        <p:txBody>
-          <a:bodyPr/>
-          <a:p>
+          <a:bodyPr vert="horz" lIns="91440" tIns="45720" rIns="91440" bIns="45720" rtlCol="0" anchor="ctr"/>
+          <a:p>
+            <a:pPr fontAlgn="auto"/>
             <a:fld id="{3E82897F-7A41-40D7-BC9E-F666B07C585D}" type="slidenum">
-              <a:rPr lang="ru-RU" smtClean="0"/>
+              <a:rPr lang="ru-RU" strike="noStrike" noProof="1" smtClean="0">
+                <a:latin typeface="+mn-lt"/>
+                <a:ea typeface="+mn-ea"/>
+                <a:cs typeface="+mn-cs"/>
+              </a:rPr>
             </a:fld>
-            <a:endParaRPr lang="ru-RU"/>
+            <a:endParaRPr lang="ru-RU" strike="noStrike" noProof="1"/>
           </a:p>
         </p:txBody>
       </p:sp>
       <p:pic>
         <p:nvPicPr>
-          <p:cNvPr id="8" name="Замещающее содержимое 7"/>
+          <p:cNvPr id="12292" name="Замещающее содержимое 7"/>
           <p:cNvPicPr>
-            <a:picLocks noChangeAspect="1"/>
+            <a:picLocks noGrp="1" noChangeAspect="1"/>
           </p:cNvPicPr>
           <p:nvPr>
             <p:ph idx="1"/>
@@ -3700,14 +4063,47 @@
         </p:blipFill>
         <p:spPr>
           <a:xfrm>
-            <a:off x="1107440" y="1779905"/>
-            <a:ext cx="10498455" cy="3947160"/>
+            <a:off x="1108075" y="1779588"/>
+            <a:ext cx="10498138" cy="3948112"/>
           </a:xfrm>
-          <a:prstGeom prst="rect">
-            <a:avLst/>
-          </a:prstGeom>
         </p:spPr>
       </p:pic>
+      <p:sp>
+        <p:nvSpPr>
+          <p:cNvPr id="3" name="Замещающий нижний колонтитул 2"/>
+          <p:cNvSpPr>
+            <a:spLocks noGrp="1"/>
+          </p:cNvSpPr>
+          <p:nvPr>
+            <p:ph type="ftr" sz="quarter" idx="11"/>
+          </p:nvPr>
+        </p:nvSpPr>
+        <p:spPr>
+          <a:xfrm>
+            <a:off x="2819400" y="6357620"/>
+            <a:ext cx="6629400" cy="365125"/>
+          </a:xfrm>
+        </p:spPr>
+        <p:txBody>
+          <a:bodyPr/>
+          <a:p>
+            <a:pPr fontAlgn="auto"/>
+            <a:r>
+              <a:rPr lang="ru-RU" strike="noStrike" noProof="1">
+                <a:latin typeface="+mn-lt"/>
+                <a:ea typeface="+mn-ea"/>
+                <a:cs typeface="+mn-cs"/>
+              </a:rPr>
+              <a:t>https://github.com/nevoroman/ml-dotnet/tree/master/ML&amp;Dotnet</a:t>
+            </a:r>
+            <a:endParaRPr lang="ru-RU" strike="noStrike" noProof="1">
+              <a:latin typeface="+mn-lt"/>
+              <a:ea typeface="+mn-ea"/>
+              <a:cs typeface="+mn-cs"/>
+            </a:endParaRPr>
+          </a:p>
+        </p:txBody>
+      </p:sp>
     </p:spTree>
   </p:cSld>
   <p:clrMapOvr>
@@ -3728,7 +4124,7 @@
       <p:grpSpPr/>
       <p:sp>
         <p:nvSpPr>
-          <p:cNvPr id="2" name="Заголовок 1"/>
+          <p:cNvPr id="13313" name="Заголовок 1"/>
           <p:cNvSpPr>
             <a:spLocks noGrp="1"/>
           </p:cNvSpPr>
@@ -3738,47 +4134,47 @@
         </p:nvSpPr>
         <p:spPr/>
         <p:txBody>
-          <a:bodyPr/>
-          <a:p>
-            <a:r>
-              <a:rPr lang="en-US">
-                <a:sym typeface="+mn-ea"/>
+          <a:bodyPr lIns="91440" tIns="45720" rIns="91440" bIns="45720" anchor="ctr"/>
+          <a:p>
+            <a:r>
+              <a:rPr lang="en-US" altLang="en-US">
+                <a:sym typeface="等线" charset="0"/>
               </a:rPr>
               <a:t>ML </a:t>
             </a:r>
             <a:r>
               <a:rPr lang="ru-RU" altLang="en-US">
-                <a:sym typeface="+mn-ea"/>
+                <a:sym typeface="等线" charset="0"/>
               </a:rPr>
               <a:t>и </a:t>
             </a:r>
             <a:r>
               <a:rPr lang="en-US" altLang="ru-RU">
-                <a:sym typeface="+mn-ea"/>
+                <a:sym typeface="等线" charset="0"/>
               </a:rPr>
               <a:t>.NET</a:t>
             </a:r>
             <a:r>
               <a:rPr lang="ru-RU" altLang="en-US">
-                <a:sym typeface="+mn-ea"/>
+                <a:sym typeface="等线" charset="0"/>
               </a:rPr>
               <a:t> </a:t>
             </a:r>
             <a:r>
               <a:rPr lang="en-US" altLang="ru-RU">
-                <a:sym typeface="+mn-ea"/>
+                <a:sym typeface="等线" charset="0"/>
               </a:rPr>
               <a:t>: </a:t>
             </a:r>
             <a:r>
               <a:rPr lang="ru-RU" altLang="en-US">
-                <a:sym typeface="+mn-ea"/>
+                <a:sym typeface="等线" charset="0"/>
               </a:rPr>
               <a:t>препарируем </a:t>
             </a:r>
             <a:r>
               <a:rPr lang="en-US" altLang="ru-RU">
-                <a:sym typeface="+mn-ea"/>
+                <a:sym typeface="等线" charset="0"/>
               </a:rPr>
               <a:t>F#</a:t>
             </a:r>
@@ -3788,9 +4184,9 @@
       </p:sp>
       <p:pic>
         <p:nvPicPr>
-          <p:cNvPr id="6" name="Замещающее содержимое 5" descr="haskell[1]"/>
+          <p:cNvPr id="13314" name="Замещающее содержимое 5" descr="haskell[1]"/>
           <p:cNvPicPr>
-            <a:picLocks noChangeAspect="1"/>
+            <a:picLocks noGrp="1" noChangeAspect="1"/>
           </p:cNvPicPr>
           <p:nvPr>
             <p:ph idx="1"/>
@@ -3804,17 +4200,40 @@
         </p:blipFill>
         <p:spPr>
           <a:xfrm>
-            <a:off x="4809490" y="1938020"/>
-            <a:ext cx="2571750" cy="3669030"/>
+            <a:off x="4810125" y="1938338"/>
+            <a:ext cx="2571750" cy="3668712"/>
           </a:xfrm>
-          <a:prstGeom prst="rect">
-            <a:avLst/>
-          </a:prstGeom>
         </p:spPr>
       </p:pic>
       <p:sp>
         <p:nvSpPr>
-          <p:cNvPr id="4" name="Замещающий нижний колонтитул 3"/>
+          <p:cNvPr id="5" name="Замещающий номер слайда 4"/>
+          <p:cNvSpPr>
+            <a:spLocks noGrp="1"/>
+          </p:cNvSpPr>
+          <p:nvPr>
+            <p:ph type="sldNum" sz="quarter" idx="12"/>
+          </p:nvPr>
+        </p:nvSpPr>
+        <p:spPr/>
+        <p:txBody>
+          <a:bodyPr vert="horz" lIns="91440" tIns="45720" rIns="91440" bIns="45720" rtlCol="0" anchor="ctr"/>
+          <a:p>
+            <a:pPr fontAlgn="auto"/>
+            <a:fld id="{3E82897F-7A41-40D7-BC9E-F666B07C585D}" type="slidenum">
+              <a:rPr lang="ru-RU" strike="noStrike" noProof="1" smtClean="0">
+                <a:latin typeface="+mn-lt"/>
+                <a:ea typeface="+mn-ea"/>
+                <a:cs typeface="+mn-cs"/>
+              </a:rPr>
+            </a:fld>
+            <a:endParaRPr lang="ru-RU" strike="noStrike" noProof="1"/>
+          </a:p>
+        </p:txBody>
+      </p:sp>
+      <p:sp>
+        <p:nvSpPr>
+          <p:cNvPr id="3" name="Замещающий нижний колонтитул 2"/>
           <p:cNvSpPr>
             <a:spLocks noGrp="1"/>
           </p:cNvSpPr>
@@ -3822,40 +4241,29 @@
             <p:ph type="ftr" sz="quarter" idx="11"/>
           </p:nvPr>
         </p:nvSpPr>
-        <p:spPr/>
+        <p:spPr>
+          <a:xfrm>
+            <a:off x="2819400" y="6357620"/>
+            <a:ext cx="6629400" cy="365125"/>
+          </a:xfrm>
+        </p:spPr>
         <p:txBody>
           <a:bodyPr/>
           <a:p>
-            <a:r>
-              <a:rPr lang="ru-RU"/>
-              <a:t>https://github.com/nevoroman/ml-dotnet</a:t>
-            </a:r>
-            <a:r>
-              <a:rPr lang="en-US" altLang="ru-RU"/>
-              <a:t>/ML&amp;Dotnet</a:t>
-            </a:r>
-            <a:endParaRPr lang="en-US" altLang="ru-RU"/>
-          </a:p>
-        </p:txBody>
-      </p:sp>
-      <p:sp>
-        <p:nvSpPr>
-          <p:cNvPr id="5" name="Замещающий номер слайда 4"/>
-          <p:cNvSpPr>
-            <a:spLocks noGrp="1"/>
-          </p:cNvSpPr>
-          <p:nvPr>
-            <p:ph type="sldNum" sz="quarter" idx="12"/>
-          </p:nvPr>
-        </p:nvSpPr>
-        <p:spPr/>
-        <p:txBody>
-          <a:bodyPr/>
-          <a:p>
-            <a:fld id="{3E82897F-7A41-40D7-BC9E-F666B07C585D}" type="slidenum">
-              <a:rPr lang="ru-RU" smtClean="0"/>
-            </a:fld>
-            <a:endParaRPr lang="ru-RU"/>
+            <a:pPr fontAlgn="auto"/>
+            <a:r>
+              <a:rPr lang="ru-RU" strike="noStrike" noProof="1">
+                <a:latin typeface="+mn-lt"/>
+                <a:ea typeface="+mn-ea"/>
+                <a:cs typeface="+mn-cs"/>
+              </a:rPr>
+              <a:t>https://github.com/nevoroman/ml-dotnet/tree/master/ML&amp;Dotnet</a:t>
+            </a:r>
+            <a:endParaRPr lang="ru-RU" strike="noStrike" noProof="1">
+              <a:latin typeface="+mn-lt"/>
+              <a:ea typeface="+mn-ea"/>
+              <a:cs typeface="+mn-cs"/>
+            </a:endParaRPr>
           </a:p>
         </p:txBody>
       </p:sp>
@@ -3879,7 +4287,7 @@
       <p:grpSpPr/>
       <p:sp>
         <p:nvSpPr>
-          <p:cNvPr id="2" name="Заголовок 1"/>
+          <p:cNvPr id="14337" name="Заголовок 1"/>
           <p:cNvSpPr>
             <a:spLocks noGrp="1"/>
           </p:cNvSpPr>
@@ -3889,47 +4297,47 @@
         </p:nvSpPr>
         <p:spPr/>
         <p:txBody>
-          <a:bodyPr/>
-          <a:p>
-            <a:r>
-              <a:rPr lang="en-US">
-                <a:sym typeface="+mn-ea"/>
+          <a:bodyPr lIns="91440" tIns="45720" rIns="91440" bIns="45720" anchor="ctr"/>
+          <a:p>
+            <a:r>
+              <a:rPr lang="en-US" altLang="en-US">
+                <a:sym typeface="等线" charset="0"/>
               </a:rPr>
               <a:t>ML </a:t>
             </a:r>
             <a:r>
               <a:rPr lang="ru-RU" altLang="en-US">
-                <a:sym typeface="+mn-ea"/>
+                <a:sym typeface="等线" charset="0"/>
               </a:rPr>
               <a:t>и </a:t>
             </a:r>
             <a:r>
               <a:rPr lang="en-US" altLang="ru-RU">
-                <a:sym typeface="+mn-ea"/>
+                <a:sym typeface="等线" charset="0"/>
               </a:rPr>
               <a:t>.NET</a:t>
             </a:r>
             <a:r>
               <a:rPr lang="ru-RU" altLang="en-US">
-                <a:sym typeface="+mn-ea"/>
+                <a:sym typeface="等线" charset="0"/>
               </a:rPr>
               <a:t> </a:t>
             </a:r>
             <a:r>
               <a:rPr lang="en-US" altLang="ru-RU">
-                <a:sym typeface="+mn-ea"/>
+                <a:sym typeface="等线" charset="0"/>
               </a:rPr>
               <a:t>: </a:t>
             </a:r>
             <a:r>
               <a:rPr lang="ru-RU" altLang="en-US">
-                <a:sym typeface="+mn-ea"/>
+                <a:sym typeface="等线" charset="0"/>
               </a:rPr>
               <a:t>препарируем </a:t>
             </a:r>
             <a:r>
               <a:rPr lang="en-US" altLang="ru-RU">
-                <a:sym typeface="+mn-ea"/>
+                <a:sym typeface="等线" charset="0"/>
               </a:rPr>
               <a:t>F#</a:t>
             </a:r>
@@ -3939,56 +4347,35 @@
       </p:sp>
       <p:sp>
         <p:nvSpPr>
-          <p:cNvPr id="4" name="Замещающий нижний колонтитул 3"/>
-          <p:cNvSpPr>
-            <a:spLocks noGrp="1"/>
-          </p:cNvSpPr>
-          <p:nvPr>
-            <p:ph type="ftr" sz="quarter" idx="11"/>
+          <p:cNvPr id="5" name="Замещающий номер слайда 4"/>
+          <p:cNvSpPr>
+            <a:spLocks noGrp="1"/>
+          </p:cNvSpPr>
+          <p:nvPr>
+            <p:ph type="sldNum" sz="quarter" idx="12"/>
           </p:nvPr>
         </p:nvSpPr>
         <p:spPr/>
         <p:txBody>
-          <a:bodyPr/>
-          <a:p>
-            <a:r>
-              <a:rPr lang="ru-RU"/>
-              <a:t>https://github.com/nevoroman/ml-dotnet</a:t>
-            </a:r>
-            <a:r>
-              <a:rPr lang="en-US" altLang="ru-RU"/>
-              <a:t>/ML&amp;Dotnet</a:t>
-            </a:r>
-            <a:endParaRPr lang="en-US" altLang="ru-RU"/>
-          </a:p>
-        </p:txBody>
-      </p:sp>
-      <p:sp>
-        <p:nvSpPr>
-          <p:cNvPr id="5" name="Замещающий номер слайда 4"/>
-          <p:cNvSpPr>
-            <a:spLocks noGrp="1"/>
-          </p:cNvSpPr>
-          <p:nvPr>
-            <p:ph type="sldNum" sz="quarter" idx="12"/>
-          </p:nvPr>
-        </p:nvSpPr>
-        <p:spPr/>
-        <p:txBody>
-          <a:bodyPr/>
-          <a:p>
+          <a:bodyPr vert="horz" lIns="91440" tIns="45720" rIns="91440" bIns="45720" rtlCol="0" anchor="ctr"/>
+          <a:p>
+            <a:pPr fontAlgn="auto"/>
             <a:fld id="{3E82897F-7A41-40D7-BC9E-F666B07C585D}" type="slidenum">
-              <a:rPr lang="ru-RU" smtClean="0"/>
+              <a:rPr lang="ru-RU" strike="noStrike" noProof="1" smtClean="0">
+                <a:latin typeface="+mn-lt"/>
+                <a:ea typeface="+mn-ea"/>
+                <a:cs typeface="+mn-cs"/>
+              </a:rPr>
             </a:fld>
-            <a:endParaRPr lang="ru-RU"/>
+            <a:endParaRPr lang="ru-RU" strike="noStrike" noProof="1"/>
           </a:p>
         </p:txBody>
       </p:sp>
       <p:pic>
         <p:nvPicPr>
-          <p:cNvPr id="7" name="Замещающее содержимое 6"/>
+          <p:cNvPr id="14340" name="Замещающее содержимое 6"/>
           <p:cNvPicPr>
-            <a:picLocks noChangeAspect="1"/>
+            <a:picLocks noGrp="1" noChangeAspect="1"/>
           </p:cNvPicPr>
           <p:nvPr>
             <p:ph idx="1"/>
@@ -4002,40 +4389,84 @@
         </p:blipFill>
         <p:spPr>
           <a:xfrm>
-            <a:off x="992505" y="2162175"/>
-            <a:ext cx="13609320" cy="1621155"/>
+            <a:off x="992188" y="2162175"/>
+            <a:ext cx="13609637" cy="1620838"/>
           </a:xfrm>
-          <a:prstGeom prst="rect">
-            <a:avLst/>
-          </a:prstGeom>
         </p:spPr>
       </p:pic>
       <p:sp>
         <p:nvSpPr>
-          <p:cNvPr id="8" name="Текстовое поле 7"/>
+          <p:cNvPr id="14341" name="Текстовое поле 7"/>
           <p:cNvSpPr txBox="1"/>
           <p:nvPr/>
         </p:nvSpPr>
         <p:spPr>
           <a:xfrm>
-            <a:off x="842645" y="5076825"/>
-            <a:ext cx="10553700" cy="491490"/>
+            <a:off x="842963" y="5076825"/>
+            <a:ext cx="10553700" cy="492125"/>
           </a:xfrm>
           <a:prstGeom prst="rect">
             <a:avLst/>
           </a:prstGeom>
           <a:noFill/>
+          <a:ln w="9525">
+            <a:noFill/>
+            <a:miter/>
+          </a:ln>
         </p:spPr>
         <p:txBody>
-          <a:bodyPr wrap="square" rtlCol="0">
+          <a:bodyPr wrap="square" anchor="t">
             <a:spAutoFit/>
           </a:bodyPr>
           <a:p>
-            <a:r>
-              <a:rPr lang="ru-RU" altLang="en-US" sz="2600"/>
+            <a:pPr lvl="0"/>
+            <a:r>
+              <a:rPr lang="ru-RU" altLang="en-US" sz="2600">
+                <a:latin typeface="Calibri" charset="0"/>
+                <a:ea typeface="等线" charset="0"/>
+              </a:rPr>
               <a:t>Функциональное программирование - это просто!</a:t>
             </a:r>
-            <a:endParaRPr lang="ru-RU" altLang="en-US" sz="2600"/>
+            <a:endParaRPr lang="ru-RU" altLang="en-US" sz="2600">
+              <a:latin typeface="Calibri" charset="0"/>
+              <a:ea typeface="等线" charset="0"/>
+            </a:endParaRPr>
+          </a:p>
+        </p:txBody>
+      </p:sp>
+      <p:sp>
+        <p:nvSpPr>
+          <p:cNvPr id="3" name="Замещающий нижний колонтитул 2"/>
+          <p:cNvSpPr>
+            <a:spLocks noGrp="1"/>
+          </p:cNvSpPr>
+          <p:nvPr>
+            <p:ph type="ftr" sz="quarter" idx="11"/>
+          </p:nvPr>
+        </p:nvSpPr>
+        <p:spPr>
+          <a:xfrm>
+            <a:off x="2819400" y="6357620"/>
+            <a:ext cx="6629400" cy="365125"/>
+          </a:xfrm>
+        </p:spPr>
+        <p:txBody>
+          <a:bodyPr/>
+          <a:p>
+            <a:pPr fontAlgn="auto"/>
+            <a:r>
+              <a:rPr lang="ru-RU" strike="noStrike" noProof="1">
+                <a:latin typeface="+mn-lt"/>
+                <a:ea typeface="+mn-ea"/>
+                <a:cs typeface="+mn-cs"/>
+              </a:rPr>
+              <a:t>https://github.com/nevoroman/ml-dotnet/tree/master/ML&amp;Dotnet</a:t>
+            </a:r>
+            <a:endParaRPr lang="ru-RU" strike="noStrike" noProof="1">
+              <a:latin typeface="+mn-lt"/>
+              <a:ea typeface="+mn-ea"/>
+              <a:cs typeface="+mn-cs"/>
+            </a:endParaRPr>
           </a:p>
         </p:txBody>
       </p:sp>
@@ -4059,7 +4490,7 @@
       <p:grpSpPr/>
       <p:sp>
         <p:nvSpPr>
-          <p:cNvPr id="2" name="Заголовок 1"/>
+          <p:cNvPr id="15361" name="Заголовок 1"/>
           <p:cNvSpPr>
             <a:spLocks noGrp="1"/>
           </p:cNvSpPr>
@@ -4069,47 +4500,47 @@
         </p:nvSpPr>
         <p:spPr/>
         <p:txBody>
-          <a:bodyPr/>
-          <a:p>
-            <a:r>
-              <a:rPr lang="en-US">
-                <a:sym typeface="+mn-ea"/>
+          <a:bodyPr lIns="91440" tIns="45720" rIns="91440" bIns="45720" anchor="ctr"/>
+          <a:p>
+            <a:r>
+              <a:rPr lang="en-US" altLang="en-US">
+                <a:sym typeface="等线" charset="0"/>
               </a:rPr>
               <a:t>ML </a:t>
             </a:r>
             <a:r>
               <a:rPr lang="ru-RU" altLang="en-US">
-                <a:sym typeface="+mn-ea"/>
+                <a:sym typeface="等线" charset="0"/>
               </a:rPr>
               <a:t>и </a:t>
             </a:r>
             <a:r>
               <a:rPr lang="en-US" altLang="ru-RU">
-                <a:sym typeface="+mn-ea"/>
+                <a:sym typeface="等线" charset="0"/>
               </a:rPr>
               <a:t>.NET</a:t>
             </a:r>
             <a:r>
               <a:rPr lang="ru-RU" altLang="en-US">
-                <a:sym typeface="+mn-ea"/>
+                <a:sym typeface="等线" charset="0"/>
               </a:rPr>
               <a:t> </a:t>
             </a:r>
             <a:r>
               <a:rPr lang="en-US" altLang="ru-RU">
-                <a:sym typeface="+mn-ea"/>
+                <a:sym typeface="等线" charset="0"/>
               </a:rPr>
               <a:t>: </a:t>
             </a:r>
             <a:r>
               <a:rPr lang="ru-RU" altLang="en-US">
-                <a:sym typeface="+mn-ea"/>
+                <a:sym typeface="等线" charset="0"/>
               </a:rPr>
               <a:t>препарируем </a:t>
             </a:r>
             <a:r>
               <a:rPr lang="en-US" altLang="ru-RU">
-                <a:sym typeface="+mn-ea"/>
+                <a:sym typeface="等线" charset="0"/>
               </a:rPr>
               <a:t>F#</a:t>
             </a:r>
@@ -4119,56 +4550,35 @@
       </p:sp>
       <p:sp>
         <p:nvSpPr>
-          <p:cNvPr id="4" name="Замещающий нижний колонтитул 3"/>
-          <p:cNvSpPr>
-            <a:spLocks noGrp="1"/>
-          </p:cNvSpPr>
-          <p:nvPr>
-            <p:ph type="ftr" sz="quarter" idx="11"/>
+          <p:cNvPr id="5" name="Замещающий номер слайда 4"/>
+          <p:cNvSpPr>
+            <a:spLocks noGrp="1"/>
+          </p:cNvSpPr>
+          <p:nvPr>
+            <p:ph type="sldNum" sz="quarter" idx="12"/>
           </p:nvPr>
         </p:nvSpPr>
         <p:spPr/>
         <p:txBody>
-          <a:bodyPr/>
-          <a:p>
-            <a:r>
-              <a:rPr lang="ru-RU"/>
-              <a:t>https://github.com/nevoroman/ml-dotnet</a:t>
-            </a:r>
-            <a:r>
-              <a:rPr lang="en-US" altLang="ru-RU"/>
-              <a:t>/ML&amp;Dotnet</a:t>
-            </a:r>
-            <a:endParaRPr lang="en-US" altLang="ru-RU"/>
-          </a:p>
-        </p:txBody>
-      </p:sp>
-      <p:sp>
-        <p:nvSpPr>
-          <p:cNvPr id="5" name="Замещающий номер слайда 4"/>
-          <p:cNvSpPr>
-            <a:spLocks noGrp="1"/>
-          </p:cNvSpPr>
-          <p:nvPr>
-            <p:ph type="sldNum" sz="quarter" idx="12"/>
-          </p:nvPr>
-        </p:nvSpPr>
-        <p:spPr/>
-        <p:txBody>
-          <a:bodyPr/>
-          <a:p>
+          <a:bodyPr vert="horz" lIns="91440" tIns="45720" rIns="91440" bIns="45720" rtlCol="0" anchor="ctr"/>
+          <a:p>
+            <a:pPr fontAlgn="auto"/>
             <a:fld id="{3E82897F-7A41-40D7-BC9E-F666B07C585D}" type="slidenum">
-              <a:rPr lang="ru-RU" smtClean="0"/>
+              <a:rPr lang="ru-RU" strike="noStrike" noProof="1" smtClean="0">
+                <a:latin typeface="+mn-lt"/>
+                <a:ea typeface="+mn-ea"/>
+                <a:cs typeface="+mn-cs"/>
+              </a:rPr>
             </a:fld>
-            <a:endParaRPr lang="ru-RU"/>
+            <a:endParaRPr lang="ru-RU" strike="noStrike" noProof="1"/>
           </a:p>
         </p:txBody>
       </p:sp>
       <p:pic>
         <p:nvPicPr>
-          <p:cNvPr id="9" name="Замещающее содержимое 8"/>
+          <p:cNvPr id="15364" name="Замещающее содержимое 8"/>
           <p:cNvPicPr>
-            <a:picLocks noChangeAspect="1"/>
+            <a:picLocks noGrp="1" noChangeAspect="1"/>
           </p:cNvPicPr>
           <p:nvPr>
             <p:ph idx="1"/>
@@ -4182,14 +4592,47 @@
         </p:blipFill>
         <p:spPr>
           <a:xfrm>
-            <a:off x="1031240" y="1791970"/>
-            <a:ext cx="10014585" cy="3338830"/>
+            <a:off x="1031875" y="1792288"/>
+            <a:ext cx="10013950" cy="3338512"/>
           </a:xfrm>
-          <a:prstGeom prst="rect">
-            <a:avLst/>
-          </a:prstGeom>
         </p:spPr>
       </p:pic>
+      <p:sp>
+        <p:nvSpPr>
+          <p:cNvPr id="3" name="Замещающий нижний колонтитул 2"/>
+          <p:cNvSpPr>
+            <a:spLocks noGrp="1"/>
+          </p:cNvSpPr>
+          <p:nvPr>
+            <p:ph type="ftr" sz="quarter" idx="11"/>
+          </p:nvPr>
+        </p:nvSpPr>
+        <p:spPr>
+          <a:xfrm>
+            <a:off x="2819400" y="6357620"/>
+            <a:ext cx="6629400" cy="365125"/>
+          </a:xfrm>
+        </p:spPr>
+        <p:txBody>
+          <a:bodyPr/>
+          <a:p>
+            <a:pPr fontAlgn="auto"/>
+            <a:r>
+              <a:rPr lang="ru-RU" strike="noStrike" noProof="1">
+                <a:latin typeface="+mn-lt"/>
+                <a:ea typeface="+mn-ea"/>
+                <a:cs typeface="+mn-cs"/>
+              </a:rPr>
+              <a:t>https://github.com/nevoroman/ml-dotnet/tree/master/ML&amp;Dotnet</a:t>
+            </a:r>
+            <a:endParaRPr lang="ru-RU" strike="noStrike" noProof="1">
+              <a:latin typeface="+mn-lt"/>
+              <a:ea typeface="+mn-ea"/>
+              <a:cs typeface="+mn-cs"/>
+            </a:endParaRPr>
+          </a:p>
+        </p:txBody>
+      </p:sp>
     </p:spTree>
   </p:cSld>
   <p:clrMapOvr>
@@ -4210,7 +4653,7 @@
       <p:grpSpPr/>
       <p:sp>
         <p:nvSpPr>
-          <p:cNvPr id="2" name="Заголовок 1"/>
+          <p:cNvPr id="16385" name="Заголовок 1"/>
           <p:cNvSpPr>
             <a:spLocks noGrp="1"/>
           </p:cNvSpPr>
@@ -4220,102 +4663,81 @@
         </p:nvSpPr>
         <p:spPr/>
         <p:txBody>
-          <a:bodyPr/>
-          <a:p>
-            <a:r>
-              <a:rPr lang="en-US">
-                <a:sym typeface="+mn-ea"/>
+          <a:bodyPr lIns="91440" tIns="45720" rIns="91440" bIns="45720" anchor="ctr"/>
+          <a:p>
+            <a:r>
+              <a:rPr lang="en-US" altLang="en-US">
+                <a:sym typeface="等线" charset="0"/>
               </a:rPr>
               <a:t>ML </a:t>
             </a:r>
             <a:r>
               <a:rPr lang="ru-RU" altLang="en-US">
-                <a:sym typeface="+mn-ea"/>
+                <a:sym typeface="等线" charset="0"/>
               </a:rPr>
               <a:t>и </a:t>
             </a:r>
             <a:r>
               <a:rPr lang="en-US" altLang="ru-RU">
-                <a:sym typeface="+mn-ea"/>
+                <a:sym typeface="等线" charset="0"/>
               </a:rPr>
               <a:t>.NET</a:t>
             </a:r>
             <a:r>
               <a:rPr lang="ru-RU" altLang="en-US">
-                <a:sym typeface="+mn-ea"/>
+                <a:sym typeface="等线" charset="0"/>
               </a:rPr>
               <a:t> </a:t>
             </a:r>
             <a:r>
               <a:rPr lang="en-US" altLang="ru-RU">
-                <a:sym typeface="+mn-ea"/>
+                <a:sym typeface="等线" charset="0"/>
               </a:rPr>
               <a:t>: </a:t>
             </a:r>
             <a:r>
               <a:rPr lang="ru-RU" altLang="en-US">
-                <a:sym typeface="+mn-ea"/>
+                <a:sym typeface="等线" charset="0"/>
               </a:rPr>
               <a:t>немного уличной магии</a:t>
             </a:r>
             <a:endParaRPr lang="ru-RU" altLang="en-US">
-              <a:sym typeface="+mn-ea"/>
+              <a:sym typeface="等线" charset="0"/>
             </a:endParaRPr>
           </a:p>
         </p:txBody>
       </p:sp>
       <p:sp>
         <p:nvSpPr>
-          <p:cNvPr id="4" name="Замещающий нижний колонтитул 3"/>
-          <p:cNvSpPr>
-            <a:spLocks noGrp="1"/>
-          </p:cNvSpPr>
-          <p:nvPr>
-            <p:ph type="ftr" sz="quarter" idx="11"/>
+          <p:cNvPr id="5" name="Замещающий номер слайда 4"/>
+          <p:cNvSpPr>
+            <a:spLocks noGrp="1"/>
+          </p:cNvSpPr>
+          <p:nvPr>
+            <p:ph type="sldNum" sz="quarter" idx="12"/>
           </p:nvPr>
         </p:nvSpPr>
         <p:spPr/>
         <p:txBody>
-          <a:bodyPr/>
-          <a:p>
-            <a:r>
-              <a:rPr lang="ru-RU"/>
-              <a:t>https://github.com/nevoroman/ml-dotnet</a:t>
-            </a:r>
-            <a:r>
-              <a:rPr lang="en-US" altLang="ru-RU"/>
-              <a:t>/ML&amp;Dotnet</a:t>
-            </a:r>
-            <a:endParaRPr lang="en-US" altLang="ru-RU"/>
-          </a:p>
-        </p:txBody>
-      </p:sp>
-      <p:sp>
-        <p:nvSpPr>
-          <p:cNvPr id="5" name="Замещающий номер слайда 4"/>
-          <p:cNvSpPr>
-            <a:spLocks noGrp="1"/>
-          </p:cNvSpPr>
-          <p:nvPr>
-            <p:ph type="sldNum" sz="quarter" idx="12"/>
-          </p:nvPr>
-        </p:nvSpPr>
-        <p:spPr/>
-        <p:txBody>
-          <a:bodyPr/>
-          <a:p>
+          <a:bodyPr vert="horz" lIns="91440" tIns="45720" rIns="91440" bIns="45720" rtlCol="0" anchor="ctr"/>
+          <a:p>
+            <a:pPr fontAlgn="auto"/>
             <a:fld id="{3E82897F-7A41-40D7-BC9E-F666B07C585D}" type="slidenum">
-              <a:rPr lang="ru-RU" smtClean="0"/>
+              <a:rPr lang="ru-RU" strike="noStrike" noProof="1" smtClean="0">
+                <a:latin typeface="+mn-lt"/>
+                <a:ea typeface="+mn-ea"/>
+                <a:cs typeface="+mn-cs"/>
+              </a:rPr>
             </a:fld>
-            <a:endParaRPr lang="ru-RU"/>
+            <a:endParaRPr lang="ru-RU" strike="noStrike" noProof="1"/>
           </a:p>
         </p:txBody>
       </p:sp>
       <p:pic>
         <p:nvPicPr>
-          <p:cNvPr id="8" name="Замещающее содержимое 7"/>
+          <p:cNvPr id="16388" name="Замещающее содержимое 7"/>
           <p:cNvPicPr>
-            <a:picLocks noChangeAspect="1"/>
+            <a:picLocks noGrp="1" noChangeAspect="1"/>
           </p:cNvPicPr>
           <p:nvPr>
             <p:ph idx="1"/>
@@ -4329,14 +4751,47 @@
         </p:blipFill>
         <p:spPr>
           <a:xfrm>
-            <a:off x="993140" y="1716405"/>
-            <a:ext cx="10394315" cy="3465830"/>
+            <a:off x="993775" y="1716088"/>
+            <a:ext cx="10393363" cy="3465512"/>
           </a:xfrm>
-          <a:prstGeom prst="rect">
-            <a:avLst/>
-          </a:prstGeom>
         </p:spPr>
       </p:pic>
+      <p:sp>
+        <p:nvSpPr>
+          <p:cNvPr id="3" name="Замещающий нижний колонтитул 2"/>
+          <p:cNvSpPr>
+            <a:spLocks noGrp="1"/>
+          </p:cNvSpPr>
+          <p:nvPr>
+            <p:ph type="ftr" sz="quarter" idx="11"/>
+          </p:nvPr>
+        </p:nvSpPr>
+        <p:spPr>
+          <a:xfrm>
+            <a:off x="2819400" y="6357620"/>
+            <a:ext cx="6629400" cy="365125"/>
+          </a:xfrm>
+        </p:spPr>
+        <p:txBody>
+          <a:bodyPr/>
+          <a:p>
+            <a:pPr fontAlgn="auto"/>
+            <a:r>
+              <a:rPr lang="ru-RU" strike="noStrike" noProof="1">
+                <a:latin typeface="+mn-lt"/>
+                <a:ea typeface="+mn-ea"/>
+                <a:cs typeface="+mn-cs"/>
+              </a:rPr>
+              <a:t>https://github.com/nevoroman/ml-dotnet/tree/master/ML&amp;Dotnet</a:t>
+            </a:r>
+            <a:endParaRPr lang="ru-RU" strike="noStrike" noProof="1">
+              <a:latin typeface="+mn-lt"/>
+              <a:ea typeface="+mn-ea"/>
+              <a:cs typeface="+mn-cs"/>
+            </a:endParaRPr>
+          </a:p>
+        </p:txBody>
+      </p:sp>
     </p:spTree>
   </p:cSld>
   <p:clrMapOvr>
@@ -4357,7 +4812,7 @@
       <p:grpSpPr/>
       <p:sp>
         <p:nvSpPr>
-          <p:cNvPr id="2" name="Заголовок 1"/>
+          <p:cNvPr id="17409" name="Заголовок 1"/>
           <p:cNvSpPr>
             <a:spLocks noGrp="1"/>
           </p:cNvSpPr>
@@ -4367,53 +4822,53 @@
         </p:nvSpPr>
         <p:spPr/>
         <p:txBody>
-          <a:bodyPr/>
-          <a:p>
-            <a:r>
-              <a:rPr lang="en-US">
-                <a:sym typeface="+mn-ea"/>
+          <a:bodyPr lIns="91440" tIns="45720" rIns="91440" bIns="45720" anchor="ctr"/>
+          <a:p>
+            <a:r>
+              <a:rPr lang="en-US" altLang="en-US">
+                <a:sym typeface="等线" charset="0"/>
               </a:rPr>
               <a:t>ML </a:t>
             </a:r>
             <a:r>
               <a:rPr lang="ru-RU" altLang="en-US">
-                <a:sym typeface="+mn-ea"/>
+                <a:sym typeface="等线" charset="0"/>
               </a:rPr>
               <a:t>и </a:t>
             </a:r>
             <a:r>
               <a:rPr lang="en-US" altLang="ru-RU">
-                <a:sym typeface="+mn-ea"/>
+                <a:sym typeface="等线" charset="0"/>
               </a:rPr>
               <a:t>.NET</a:t>
             </a:r>
             <a:r>
               <a:rPr lang="ru-RU" altLang="en-US">
-                <a:sym typeface="+mn-ea"/>
+                <a:sym typeface="等线" charset="0"/>
               </a:rPr>
               <a:t> </a:t>
             </a:r>
             <a:r>
               <a:rPr lang="en-US" altLang="ru-RU">
-                <a:sym typeface="+mn-ea"/>
+                <a:sym typeface="等线" charset="0"/>
               </a:rPr>
               <a:t>: </a:t>
             </a:r>
             <a:r>
               <a:rPr lang="ru-RU" altLang="en-US">
-                <a:sym typeface="+mn-ea"/>
+                <a:sym typeface="等线" charset="0"/>
               </a:rPr>
               <a:t>ближе к делу</a:t>
             </a:r>
             <a:endParaRPr lang="ru-RU" altLang="en-US">
-              <a:sym typeface="+mn-ea"/>
+              <a:sym typeface="等线" charset="0"/>
             </a:endParaRPr>
           </a:p>
         </p:txBody>
       </p:sp>
       <p:sp>
         <p:nvSpPr>
-          <p:cNvPr id="3" name="Замещающее содержимое 2"/>
+          <p:cNvPr id="17410" name="Замещающее содержимое 2"/>
           <p:cNvSpPr>
             <a:spLocks noGrp="1"/>
           </p:cNvSpPr>
@@ -4423,7 +4878,7 @@
         </p:nvSpPr>
         <p:spPr/>
         <p:txBody>
-          <a:bodyPr/>
+          <a:bodyPr lIns="91440" tIns="45720" rIns="91440" bIns="45720" anchor="t"/>
           <a:p>
             <a:pPr marL="0" indent="0">
               <a:buNone/>
@@ -4486,7 +4941,33 @@
       </p:sp>
       <p:sp>
         <p:nvSpPr>
-          <p:cNvPr id="4" name="Замещающий нижний колонтитул 3"/>
+          <p:cNvPr id="5" name="Замещающий номер слайда 4"/>
+          <p:cNvSpPr>
+            <a:spLocks noGrp="1"/>
+          </p:cNvSpPr>
+          <p:nvPr>
+            <p:ph type="sldNum" sz="quarter" idx="12"/>
+          </p:nvPr>
+        </p:nvSpPr>
+        <p:spPr/>
+        <p:txBody>
+          <a:bodyPr vert="horz" lIns="91440" tIns="45720" rIns="91440" bIns="45720" rtlCol="0" anchor="ctr"/>
+          <a:p>
+            <a:pPr fontAlgn="auto"/>
+            <a:fld id="{3E82897F-7A41-40D7-BC9E-F666B07C585D}" type="slidenum">
+              <a:rPr lang="ru-RU" strike="noStrike" noProof="1" smtClean="0">
+                <a:latin typeface="+mn-lt"/>
+                <a:ea typeface="+mn-ea"/>
+                <a:cs typeface="+mn-cs"/>
+              </a:rPr>
+            </a:fld>
+            <a:endParaRPr lang="ru-RU" strike="noStrike" noProof="1"/>
+          </a:p>
+        </p:txBody>
+      </p:sp>
+      <p:sp>
+        <p:nvSpPr>
+          <p:cNvPr id="3" name="Замещающий нижний колонтитул 2"/>
           <p:cNvSpPr>
             <a:spLocks noGrp="1"/>
           </p:cNvSpPr>
@@ -4494,40 +4975,29 @@
             <p:ph type="ftr" sz="quarter" idx="11"/>
           </p:nvPr>
         </p:nvSpPr>
-        <p:spPr/>
+        <p:spPr>
+          <a:xfrm>
+            <a:off x="2819400" y="6357620"/>
+            <a:ext cx="6629400" cy="365125"/>
+          </a:xfrm>
+        </p:spPr>
         <p:txBody>
           <a:bodyPr/>
           <a:p>
-            <a:r>
-              <a:rPr lang="ru-RU"/>
-              <a:t>https://github.com/nevoroman/ml-dotnet</a:t>
-            </a:r>
-            <a:r>
-              <a:rPr lang="en-US" altLang="ru-RU"/>
-              <a:t>/ML&amp;Dotnet</a:t>
-            </a:r>
-            <a:endParaRPr lang="en-US" altLang="ru-RU"/>
-          </a:p>
-        </p:txBody>
-      </p:sp>
-      <p:sp>
-        <p:nvSpPr>
-          <p:cNvPr id="5" name="Замещающий номер слайда 4"/>
-          <p:cNvSpPr>
-            <a:spLocks noGrp="1"/>
-          </p:cNvSpPr>
-          <p:nvPr>
-            <p:ph type="sldNum" sz="quarter" idx="12"/>
-          </p:nvPr>
-        </p:nvSpPr>
-        <p:spPr/>
-        <p:txBody>
-          <a:bodyPr/>
-          <a:p>
-            <a:fld id="{3E82897F-7A41-40D7-BC9E-F666B07C585D}" type="slidenum">
-              <a:rPr lang="ru-RU" smtClean="0"/>
-            </a:fld>
-            <a:endParaRPr lang="ru-RU"/>
+            <a:pPr fontAlgn="auto"/>
+            <a:r>
+              <a:rPr lang="ru-RU" strike="noStrike" noProof="1">
+                <a:latin typeface="+mn-lt"/>
+                <a:ea typeface="+mn-ea"/>
+                <a:cs typeface="+mn-cs"/>
+              </a:rPr>
+              <a:t>https://github.com/nevoroman/ml-dotnet/tree/master/ML&amp;Dotnet</a:t>
+            </a:r>
+            <a:endParaRPr lang="ru-RU" strike="noStrike" noProof="1">
+              <a:latin typeface="+mn-lt"/>
+              <a:ea typeface="+mn-ea"/>
+              <a:cs typeface="+mn-cs"/>
+            </a:endParaRPr>
           </a:p>
         </p:txBody>
       </p:sp>
@@ -4551,7 +5021,7 @@
       <p:grpSpPr/>
       <p:sp>
         <p:nvSpPr>
-          <p:cNvPr id="2" name="Заголовок 1"/>
+          <p:cNvPr id="18433" name="Заголовок 1"/>
           <p:cNvSpPr>
             <a:spLocks noGrp="1"/>
           </p:cNvSpPr>
@@ -4561,53 +5031,53 @@
         </p:nvSpPr>
         <p:spPr/>
         <p:txBody>
-          <a:bodyPr/>
-          <a:p>
-            <a:r>
-              <a:rPr lang="en-US">
-                <a:sym typeface="+mn-ea"/>
+          <a:bodyPr lIns="91440" tIns="45720" rIns="91440" bIns="45720" anchor="ctr"/>
+          <a:p>
+            <a:r>
+              <a:rPr lang="en-US" altLang="en-US">
+                <a:sym typeface="等线" charset="0"/>
               </a:rPr>
               <a:t>ML </a:t>
             </a:r>
             <a:r>
               <a:rPr lang="ru-RU" altLang="en-US">
-                <a:sym typeface="+mn-ea"/>
+                <a:sym typeface="等线" charset="0"/>
               </a:rPr>
               <a:t>и </a:t>
             </a:r>
             <a:r>
               <a:rPr lang="en-US" altLang="ru-RU">
-                <a:sym typeface="+mn-ea"/>
+                <a:sym typeface="等线" charset="0"/>
               </a:rPr>
               <a:t>.NET</a:t>
             </a:r>
             <a:r>
               <a:rPr lang="ru-RU" altLang="en-US">
-                <a:sym typeface="+mn-ea"/>
+                <a:sym typeface="等线" charset="0"/>
               </a:rPr>
               <a:t> </a:t>
             </a:r>
             <a:r>
               <a:rPr lang="en-US" altLang="ru-RU">
-                <a:sym typeface="+mn-ea"/>
+                <a:sym typeface="等线" charset="0"/>
               </a:rPr>
               <a:t>: </a:t>
             </a:r>
             <a:r>
               <a:rPr lang="ru-RU" altLang="en-US">
-                <a:sym typeface="+mn-ea"/>
+                <a:sym typeface="等线" charset="0"/>
               </a:rPr>
               <a:t>что за классификатор?</a:t>
             </a:r>
             <a:endParaRPr lang="ru-RU" altLang="en-US">
-              <a:sym typeface="+mn-ea"/>
+              <a:sym typeface="等线" charset="0"/>
             </a:endParaRPr>
           </a:p>
         </p:txBody>
       </p:sp>
       <p:sp>
         <p:nvSpPr>
-          <p:cNvPr id="3" name="Замещающее содержимое 2"/>
+          <p:cNvPr id="18434" name="Замещающее содержимое 2"/>
           <p:cNvSpPr>
             <a:spLocks noGrp="1"/>
           </p:cNvSpPr>
@@ -4617,76 +5087,55 @@
         </p:nvSpPr>
         <p:spPr>
           <a:xfrm>
-            <a:off x="839470" y="1826895"/>
-            <a:ext cx="10934065" cy="4351655"/>
+            <a:off x="839788" y="1827213"/>
+            <a:ext cx="10933112" cy="4351337"/>
           </a:xfrm>
         </p:spPr>
         <p:txBody>
-          <a:bodyPr/>
+          <a:bodyPr lIns="91440" tIns="45720" rIns="91440" bIns="45720" anchor="t"/>
           <a:p>
             <a:pPr marL="0" indent="0">
               <a:buNone/>
             </a:pPr>
             <a:r>
-              <a:rPr lang="ru-RU" altLang="en-US"/>
+              <a:rPr lang="ru-RU" altLang="en-US" kern="1200"/>
               <a:t>Наивный байесовский классификатор - простой вероятностный классификатор, основанный на применении теоремы Байеса.</a:t>
             </a:r>
-            <a:endParaRPr lang="ru-RU" altLang="en-US"/>
-          </a:p>
-        </p:txBody>
-      </p:sp>
-      <p:sp>
-        <p:nvSpPr>
-          <p:cNvPr id="4" name="Замещающий нижний колонтитул 3"/>
-          <p:cNvSpPr>
-            <a:spLocks noGrp="1"/>
-          </p:cNvSpPr>
-          <p:nvPr>
-            <p:ph type="ftr" sz="quarter" idx="11"/>
+            <a:endParaRPr lang="ru-RU" altLang="en-US" kern="1200"/>
+          </a:p>
+        </p:txBody>
+      </p:sp>
+      <p:sp>
+        <p:nvSpPr>
+          <p:cNvPr id="5" name="Замещающий номер слайда 4"/>
+          <p:cNvSpPr>
+            <a:spLocks noGrp="1"/>
+          </p:cNvSpPr>
+          <p:nvPr>
+            <p:ph type="sldNum" sz="quarter" idx="12"/>
           </p:nvPr>
         </p:nvSpPr>
         <p:spPr/>
         <p:txBody>
-          <a:bodyPr/>
-          <a:p>
-            <a:r>
-              <a:rPr lang="ru-RU"/>
-              <a:t>https://github.com/nevoroman/ml-dotnet</a:t>
-            </a:r>
-            <a:r>
-              <a:rPr lang="en-US" altLang="ru-RU"/>
-              <a:t>/ML&amp;Dotnet</a:t>
-            </a:r>
-            <a:endParaRPr lang="en-US" altLang="ru-RU"/>
-          </a:p>
-        </p:txBody>
-      </p:sp>
-      <p:sp>
-        <p:nvSpPr>
-          <p:cNvPr id="5" name="Замещающий номер слайда 4"/>
-          <p:cNvSpPr>
-            <a:spLocks noGrp="1"/>
-          </p:cNvSpPr>
-          <p:nvPr>
-            <p:ph type="sldNum" sz="quarter" idx="12"/>
-          </p:nvPr>
-        </p:nvSpPr>
-        <p:spPr/>
-        <p:txBody>
-          <a:bodyPr/>
-          <a:p>
+          <a:bodyPr vert="horz" lIns="91440" tIns="45720" rIns="91440" bIns="45720" rtlCol="0" anchor="ctr"/>
+          <a:p>
+            <a:pPr fontAlgn="auto"/>
             <a:fld id="{3E82897F-7A41-40D7-BC9E-F666B07C585D}" type="slidenum">
-              <a:rPr lang="ru-RU" smtClean="0"/>
+              <a:rPr lang="ru-RU" strike="noStrike" noProof="1" smtClean="0">
+                <a:latin typeface="+mn-lt"/>
+                <a:ea typeface="+mn-ea"/>
+                <a:cs typeface="+mn-cs"/>
+              </a:rPr>
             </a:fld>
-            <a:endParaRPr lang="ru-RU"/>
+            <a:endParaRPr lang="ru-RU" strike="noStrike" noProof="1"/>
           </a:p>
         </p:txBody>
       </p:sp>
       <p:pic>
         <p:nvPicPr>
-          <p:cNvPr id="9" name="Замещающее содержимое 8" descr="images[1]"/>
+          <p:cNvPr id="18437" name="Замещающее содержимое 8" descr="images[1]"/>
           <p:cNvPicPr>
-            <a:picLocks noChangeAspect="1"/>
+            <a:picLocks noGrp="1" noChangeAspect="1"/>
           </p:cNvPicPr>
           <p:nvPr>
             <p:ph sz="half" idx="2"/>
@@ -4700,14 +5149,47 @@
         </p:blipFill>
         <p:spPr>
           <a:xfrm>
-            <a:off x="3190240" y="3682365"/>
-            <a:ext cx="5135880" cy="1743075"/>
+            <a:off x="3190875" y="3683000"/>
+            <a:ext cx="5135563" cy="1743075"/>
           </a:xfrm>
-          <a:prstGeom prst="rect">
-            <a:avLst/>
-          </a:prstGeom>
         </p:spPr>
       </p:pic>
+      <p:sp>
+        <p:nvSpPr>
+          <p:cNvPr id="3" name="Замещающий нижний колонтитул 2"/>
+          <p:cNvSpPr>
+            <a:spLocks noGrp="1"/>
+          </p:cNvSpPr>
+          <p:nvPr>
+            <p:ph type="ftr" sz="quarter" idx="11"/>
+          </p:nvPr>
+        </p:nvSpPr>
+        <p:spPr>
+          <a:xfrm>
+            <a:off x="2819400" y="6357620"/>
+            <a:ext cx="6629400" cy="365125"/>
+          </a:xfrm>
+        </p:spPr>
+        <p:txBody>
+          <a:bodyPr/>
+          <a:p>
+            <a:pPr fontAlgn="auto"/>
+            <a:r>
+              <a:rPr lang="ru-RU" strike="noStrike" noProof="1">
+                <a:latin typeface="+mn-lt"/>
+                <a:ea typeface="+mn-ea"/>
+                <a:cs typeface="+mn-cs"/>
+              </a:rPr>
+              <a:t>https://github.com/nevoroman/ml-dotnet/tree/master/ML&amp;Dotnet</a:t>
+            </a:r>
+            <a:endParaRPr lang="ru-RU" strike="noStrike" noProof="1">
+              <a:latin typeface="+mn-lt"/>
+              <a:ea typeface="+mn-ea"/>
+              <a:cs typeface="+mn-cs"/>
+            </a:endParaRPr>
+          </a:p>
+        </p:txBody>
+      </p:sp>
     </p:spTree>
   </p:cSld>
   <p:clrMapOvr>
@@ -4728,7 +5210,7 @@
       <p:grpSpPr/>
       <p:sp>
         <p:nvSpPr>
-          <p:cNvPr id="2" name="Заголовок 1"/>
+          <p:cNvPr id="19457" name="Заголовок 1"/>
           <p:cNvSpPr>
             <a:spLocks noGrp="1"/>
           </p:cNvSpPr>
@@ -4738,20 +5220,22 @@
         </p:nvSpPr>
         <p:spPr>
           <a:xfrm>
-            <a:off x="756285" y="1971040"/>
+            <a:off x="755650" y="1971675"/>
             <a:ext cx="10515600" cy="1325563"/>
           </a:xfrm>
+          <a:ln w="9525">
+            <a:noFill/>
+            <a:miter/>
+          </a:ln>
         </p:spPr>
         <p:txBody>
-          <a:bodyPr>
-            <a:normAutofit/>
-          </a:bodyPr>
-          <a:p>
-            <a:r>
-              <a:rPr lang="ru-RU"/>
+          <a:bodyPr lIns="91440" tIns="45720" rIns="91440" bIns="45720" anchor="ctr"/>
+          <a:p>
+            <a:r>
+              <a:rPr lang="ru-RU" altLang="en-US"/>
               <a:t>Инструментарий</a:t>
             </a:r>
-            <a:endParaRPr lang="ru-RU"/>
+            <a:endParaRPr lang="ru-RU" altLang="en-US"/>
           </a:p>
         </p:txBody>
       </p:sp>
@@ -4775,7 +5259,7 @@
       <p:grpSpPr/>
       <p:sp>
         <p:nvSpPr>
-          <p:cNvPr id="2" name="Заголовок 1"/>
+          <p:cNvPr id="20481" name="Заголовок 1"/>
           <p:cNvSpPr>
             <a:spLocks noGrp="1"/>
           </p:cNvSpPr>
@@ -4785,29 +5269,23 @@
         </p:nvSpPr>
         <p:spPr/>
         <p:txBody>
-          <a:bodyPr/>
-          <a:p>
-            <a:r>
-              <a:rPr lang="ru-RU">
-                <a:sym typeface="+mn-ea"/>
-              </a:rPr>
-              <a:t>Инструментарий</a:t>
-            </a:r>
+          <a:bodyPr lIns="91440" tIns="45720" rIns="91440" bIns="45720" anchor="ctr"/>
+          <a:p>
             <a:r>
               <a:rPr lang="ru-RU" altLang="en-US">
-                <a:sym typeface="+mn-ea"/>
-              </a:rPr>
-              <a:t> </a:t>
+                <a:sym typeface="等线" charset="0"/>
+              </a:rPr>
+              <a:t>Инструментарий </a:t>
             </a:r>
             <a:r>
               <a:rPr lang="en-US" altLang="ru-RU">
-                <a:sym typeface="+mn-ea"/>
+                <a:sym typeface="等线" charset="0"/>
               </a:rPr>
               <a:t>: </a:t>
             </a:r>
             <a:r>
               <a:rPr lang="ru-RU" altLang="en-US">
-                <a:sym typeface="+mn-ea"/>
+                <a:sym typeface="等线" charset="0"/>
               </a:rPr>
               <a:t>чем думать будем?</a:t>
             </a:r>
@@ -4827,14 +5305,16 @@
         </p:nvSpPr>
         <p:spPr>
           <a:xfrm>
-            <a:off x="876300" y="2207260"/>
-            <a:ext cx="10515600" cy="4046855"/>
+            <a:off x="876300" y="2206625"/>
+            <a:ext cx="10515600" cy="4048125"/>
           </a:xfrm>
         </p:spPr>
         <p:txBody>
-          <a:bodyPr/>
-          <a:p>
-            <a:pPr marL="514350" indent="-514350">
+          <a:bodyPr vert="horz" lIns="91440" tIns="45720" rIns="91440" bIns="45720" rtlCol="0">
+            <a:normAutofit/>
+          </a:bodyPr>
+          <a:p>
+            <a:pPr marL="514350" indent="-514350" fontAlgn="auto">
               <a:buClr>
                 <a:srgbClr val="70AD47"/>
               </a:buClr>
@@ -4843,13 +5323,13 @@
               <a:buChar char="n"/>
             </a:pPr>
             <a:r>
-              <a:rPr lang="en-US" altLang="ru-RU"/>
+              <a:rPr lang="en-US" altLang="ru-RU" strike="noStrike" noProof="1"/>
               <a:t>Accord Framework</a:t>
             </a:r>
-            <a:endParaRPr lang="en-US" altLang="ru-RU"/>
-          </a:p>
-          <a:p>
-            <a:pPr marL="514350" indent="-514350">
+            <a:endParaRPr lang="en-US" altLang="ru-RU" strike="noStrike" noProof="1"/>
+          </a:p>
+          <a:p>
+            <a:pPr marL="514350" indent="-514350" fontAlgn="auto">
               <a:buClr>
                 <a:srgbClr val="70AD47"/>
               </a:buClr>
@@ -4858,17 +5338,17 @@
               <a:buChar char="n"/>
             </a:pPr>
             <a:r>
-              <a:rPr lang="en-US" altLang="ru-RU">
+              <a:rPr lang="en-US" altLang="ru-RU" strike="noStrike" noProof="1">
                 <a:sym typeface="+mn-ea"/>
               </a:rPr>
               <a:t>numl</a:t>
             </a:r>
-            <a:endParaRPr lang="en-US" altLang="ru-RU">
+            <a:endParaRPr lang="en-US" altLang="ru-RU" strike="noStrike" noProof="1">
               <a:sym typeface="+mn-ea"/>
             </a:endParaRPr>
           </a:p>
           <a:p>
-            <a:pPr marL="514350" indent="-514350">
+            <a:pPr marL="514350" indent="-514350" fontAlgn="auto">
               <a:buClr>
                 <a:srgbClr val="70AD47"/>
               </a:buClr>
@@ -4877,17 +5357,17 @@
               <a:buChar char="n"/>
             </a:pPr>
             <a:r>
-              <a:rPr lang="en-US" altLang="ru-RU">
+              <a:rPr lang="en-US" altLang="ru-RU" strike="noStrike" noProof="1">
                 <a:sym typeface="+mn-ea"/>
               </a:rPr>
               <a:t>Encog</a:t>
             </a:r>
-            <a:endParaRPr lang="en-US" altLang="ru-RU">
+            <a:endParaRPr lang="en-US" altLang="ru-RU" strike="noStrike" noProof="1">
               <a:sym typeface="+mn-ea"/>
             </a:endParaRPr>
           </a:p>
           <a:p>
-            <a:pPr marL="514350" indent="-514350">
+            <a:pPr marL="514350" indent="-514350" fontAlgn="auto">
               <a:buClr>
                 <a:srgbClr val="70AD47"/>
               </a:buClr>
@@ -4896,26 +5376,52 @@
               <a:buChar char="n"/>
             </a:pPr>
             <a:r>
-              <a:rPr lang="en-US" altLang="ru-RU">
+              <a:rPr lang="en-US" altLang="ru-RU" strike="noStrike" noProof="1">
                 <a:sym typeface="+mn-ea"/>
               </a:rPr>
               <a:t>Azure ML</a:t>
             </a:r>
-            <a:endParaRPr lang="en-US" altLang="ru-RU">
+            <a:endParaRPr lang="en-US" altLang="ru-RU" strike="noStrike" noProof="1">
               <a:sym typeface="+mn-ea"/>
             </a:endParaRPr>
           </a:p>
           <a:p>
-            <a:pPr marL="0" indent="0">
+            <a:pPr marL="0" indent="0" fontAlgn="auto">
               <a:buNone/>
             </a:pPr>
-            <a:endParaRPr lang="ru-RU" altLang="en-US"/>
-          </a:p>
-        </p:txBody>
-      </p:sp>
-      <p:sp>
-        <p:nvSpPr>
-          <p:cNvPr id="4" name="Замещающий нижний колонтитул 3"/>
+            <a:endParaRPr lang="ru-RU" altLang="en-US" strike="noStrike" noProof="1"/>
+          </a:p>
+        </p:txBody>
+      </p:sp>
+      <p:sp>
+        <p:nvSpPr>
+          <p:cNvPr id="5" name="Замещающий номер слайда 4"/>
+          <p:cNvSpPr>
+            <a:spLocks noGrp="1"/>
+          </p:cNvSpPr>
+          <p:nvPr>
+            <p:ph type="sldNum" sz="quarter" idx="12"/>
+          </p:nvPr>
+        </p:nvSpPr>
+        <p:spPr/>
+        <p:txBody>
+          <a:bodyPr vert="horz" lIns="91440" tIns="45720" rIns="91440" bIns="45720" rtlCol="0" anchor="ctr"/>
+          <a:p>
+            <a:pPr fontAlgn="auto"/>
+            <a:fld id="{3E82897F-7A41-40D7-BC9E-F666B07C585D}" type="slidenum">
+              <a:rPr lang="ru-RU" strike="noStrike" noProof="1" smtClean="0">
+                <a:latin typeface="+mn-lt"/>
+                <a:ea typeface="+mn-ea"/>
+                <a:cs typeface="+mn-cs"/>
+              </a:rPr>
+            </a:fld>
+            <a:endParaRPr lang="ru-RU" strike="noStrike" noProof="1"/>
+          </a:p>
+        </p:txBody>
+      </p:sp>
+      <p:sp>
+        <p:nvSpPr>
+          <p:cNvPr id="2" name="Замещающий нижний колонтитул 1"/>
           <p:cNvSpPr>
             <a:spLocks noGrp="1"/>
           </p:cNvSpPr>
@@ -4923,40 +5429,29 @@
             <p:ph type="ftr" sz="quarter" idx="11"/>
           </p:nvPr>
         </p:nvSpPr>
-        <p:spPr/>
+        <p:spPr>
+          <a:xfrm>
+            <a:off x="2819400" y="6357620"/>
+            <a:ext cx="6629400" cy="365125"/>
+          </a:xfrm>
+        </p:spPr>
         <p:txBody>
           <a:bodyPr/>
           <a:p>
-            <a:r>
-              <a:rPr lang="ru-RU"/>
-              <a:t>https://github.com/nevoroman/ml-dotnet</a:t>
-            </a:r>
-            <a:r>
-              <a:rPr lang="en-US" altLang="ru-RU"/>
-              <a:t>/MLTools</a:t>
-            </a:r>
-            <a:endParaRPr lang="en-US" altLang="ru-RU"/>
-          </a:p>
-        </p:txBody>
-      </p:sp>
-      <p:sp>
-        <p:nvSpPr>
-          <p:cNvPr id="5" name="Замещающий номер слайда 4"/>
-          <p:cNvSpPr>
-            <a:spLocks noGrp="1"/>
-          </p:cNvSpPr>
-          <p:nvPr>
-            <p:ph type="sldNum" sz="quarter" idx="12"/>
-          </p:nvPr>
-        </p:nvSpPr>
-        <p:spPr/>
-        <p:txBody>
-          <a:bodyPr/>
-          <a:p>
-            <a:fld id="{3E82897F-7A41-40D7-BC9E-F666B07C585D}" type="slidenum">
-              <a:rPr lang="ru-RU" smtClean="0"/>
-            </a:fld>
-            <a:endParaRPr lang="ru-RU"/>
+            <a:pPr fontAlgn="auto"/>
+            <a:r>
+              <a:rPr lang="ru-RU" strike="noStrike" noProof="1">
+                <a:latin typeface="+mn-lt"/>
+                <a:ea typeface="+mn-ea"/>
+                <a:cs typeface="+mn-cs"/>
+              </a:rPr>
+              <a:t>https://github.com/nevoroman/ml-dotnet/tree/master/MLTools</a:t>
+            </a:r>
+            <a:endParaRPr lang="ru-RU" strike="noStrike" noProof="1">
+              <a:latin typeface="+mn-lt"/>
+              <a:ea typeface="+mn-ea"/>
+              <a:cs typeface="+mn-cs"/>
+            </a:endParaRPr>
           </a:p>
         </p:txBody>
       </p:sp>
@@ -4980,7 +5475,7 @@
       <p:grpSpPr/>
       <p:sp>
         <p:nvSpPr>
-          <p:cNvPr id="2" name="Заголовок 1"/>
+          <p:cNvPr id="21505" name="Заголовок 1"/>
           <p:cNvSpPr>
             <a:spLocks noGrp="1"/>
           </p:cNvSpPr>
@@ -4990,76 +5485,49 @@
         </p:nvSpPr>
         <p:spPr/>
         <p:txBody>
-          <a:bodyPr/>
-          <a:p>
-            <a:r>
-              <a:rPr lang="ru-RU">
-                <a:sym typeface="+mn-ea"/>
-              </a:rPr>
-              <a:t>Инструментарий</a:t>
-            </a:r>
+          <a:bodyPr lIns="91440" tIns="45720" rIns="91440" bIns="45720" anchor="ctr"/>
+          <a:p>
             <a:r>
               <a:rPr lang="ru-RU" altLang="en-US">
-                <a:sym typeface="+mn-ea"/>
-              </a:rPr>
-              <a:t> </a:t>
+                <a:sym typeface="等线" charset="0"/>
+              </a:rPr>
+              <a:t>Инструментарий </a:t>
             </a:r>
             <a:r>
               <a:rPr lang="en-US" altLang="ru-RU">
-                <a:sym typeface="+mn-ea"/>
+                <a:sym typeface="等线" charset="0"/>
               </a:rPr>
               <a:t>: Accord Framework</a:t>
             </a:r>
             <a:endParaRPr lang="ru-RU" altLang="en-US">
-              <a:sym typeface="+mn-ea"/>
+              <a:sym typeface="等线" charset="0"/>
             </a:endParaRPr>
           </a:p>
         </p:txBody>
       </p:sp>
       <p:sp>
         <p:nvSpPr>
-          <p:cNvPr id="4" name="Замещающий нижний колонтитул 3"/>
-          <p:cNvSpPr>
-            <a:spLocks noGrp="1"/>
-          </p:cNvSpPr>
-          <p:nvPr>
-            <p:ph type="ftr" sz="quarter" idx="11"/>
+          <p:cNvPr id="5" name="Замещающий номер слайда 4"/>
+          <p:cNvSpPr>
+            <a:spLocks noGrp="1"/>
+          </p:cNvSpPr>
+          <p:nvPr>
+            <p:ph type="sldNum" sz="quarter" idx="12"/>
           </p:nvPr>
         </p:nvSpPr>
         <p:spPr/>
         <p:txBody>
-          <a:bodyPr/>
-          <a:p>
-            <a:r>
-              <a:rPr lang="ru-RU"/>
-              <a:t>https://github.com/nevoroman/ml-dotnet</a:t>
-            </a:r>
-            <a:r>
-              <a:rPr lang="en-US" altLang="ru-RU"/>
-              <a:t>/MLTools</a:t>
-            </a:r>
-            <a:endParaRPr lang="en-US" altLang="ru-RU"/>
-          </a:p>
-        </p:txBody>
-      </p:sp>
-      <p:sp>
-        <p:nvSpPr>
-          <p:cNvPr id="5" name="Замещающий номер слайда 4"/>
-          <p:cNvSpPr>
-            <a:spLocks noGrp="1"/>
-          </p:cNvSpPr>
-          <p:nvPr>
-            <p:ph type="sldNum" sz="quarter" idx="12"/>
-          </p:nvPr>
-        </p:nvSpPr>
-        <p:spPr/>
-        <p:txBody>
-          <a:bodyPr/>
-          <a:p>
+          <a:bodyPr vert="horz" lIns="91440" tIns="45720" rIns="91440" bIns="45720" rtlCol="0" anchor="ctr"/>
+          <a:p>
+            <a:pPr fontAlgn="auto"/>
             <a:fld id="{3E82897F-7A41-40D7-BC9E-F666B07C585D}" type="slidenum">
-              <a:rPr lang="ru-RU" smtClean="0"/>
+              <a:rPr lang="ru-RU" strike="noStrike" noProof="1" smtClean="0">
+                <a:latin typeface="+mn-lt"/>
+                <a:ea typeface="+mn-ea"/>
+                <a:cs typeface="+mn-cs"/>
+              </a:rPr>
             </a:fld>
-            <a:endParaRPr lang="ru-RU"/>
+            <a:endParaRPr lang="ru-RU" strike="noStrike" noProof="1"/>
           </a:p>
         </p:txBody>
       </p:sp>
@@ -5075,14 +5543,16 @@
         </p:nvSpPr>
         <p:spPr>
           <a:xfrm>
-            <a:off x="914400" y="2131060"/>
-            <a:ext cx="10515600" cy="2942590"/>
+            <a:off x="914400" y="2130425"/>
+            <a:ext cx="10515600" cy="2943225"/>
           </a:xfrm>
         </p:spPr>
         <p:txBody>
-          <a:bodyPr/>
-          <a:p>
-            <a:pPr marL="514350" indent="-514350">
+          <a:bodyPr vert="horz" lIns="91440" tIns="45720" rIns="91440" bIns="45720" rtlCol="0">
+            <a:normAutofit/>
+          </a:bodyPr>
+          <a:p>
+            <a:pPr marL="514350" indent="-514350" fontAlgn="auto">
               <a:buClr>
                 <a:srgbClr val="70AD47"/>
               </a:buClr>
@@ -5091,17 +5561,17 @@
               <a:buChar char="n"/>
             </a:pPr>
             <a:r>
-              <a:rPr lang="ru-RU" altLang="en-US">
+              <a:rPr lang="ru-RU" altLang="en-US" strike="noStrike" noProof="1">
                 <a:sym typeface="+mn-ea"/>
               </a:rPr>
-              <a:t>Медленно запрягает, но быстро едет</a:t>
-            </a:r>
-            <a:endParaRPr lang="ru-RU" altLang="en-US">
+              <a:t>Великолепно документирован</a:t>
+            </a:r>
+            <a:endParaRPr lang="ru-RU" altLang="en-US" strike="noStrike" noProof="1">
               <a:sym typeface="+mn-ea"/>
             </a:endParaRPr>
           </a:p>
           <a:p>
-            <a:pPr marL="514350" indent="-514350">
+            <a:pPr marL="514350" indent="-514350" fontAlgn="auto">
               <a:buClr>
                 <a:srgbClr val="70AD47"/>
               </a:buClr>
@@ -5110,17 +5580,17 @@
               <a:buChar char="n"/>
             </a:pPr>
             <a:r>
-              <a:rPr lang="ru-RU" altLang="en-US">
+              <a:rPr lang="ru-RU" altLang="en-US" strike="noStrike" noProof="1">
                 <a:sym typeface="+mn-ea"/>
               </a:rPr>
-              <a:t>Великолепно документирован</a:t>
-            </a:r>
-            <a:endParaRPr lang="ru-RU" altLang="en-US">
+              <a:t>Огромный арсенал всевозможных алгоритмов</a:t>
+            </a:r>
+            <a:endParaRPr lang="ru-RU" altLang="en-US" strike="noStrike" noProof="1">
               <a:sym typeface="+mn-ea"/>
             </a:endParaRPr>
           </a:p>
           <a:p>
-            <a:pPr marL="514350" indent="-514350">
+            <a:pPr marL="514350" indent="-514350" fontAlgn="auto">
               <a:buClr>
                 <a:srgbClr val="70AD47"/>
               </a:buClr>
@@ -5129,17 +5599,17 @@
               <a:buChar char="n"/>
             </a:pPr>
             <a:r>
-              <a:rPr lang="ru-RU" altLang="en-US">
+              <a:rPr lang="ru-RU" altLang="en-US" strike="noStrike" noProof="1">
                 <a:sym typeface="+mn-ea"/>
               </a:rPr>
-              <a:t>Огромный арсенал всевозможных алгоритмов</a:t>
-            </a:r>
-            <a:endParaRPr lang="ru-RU" altLang="en-US">
+              <a:t>Гибкий</a:t>
+            </a:r>
+            <a:endParaRPr lang="ru-RU" altLang="en-US" strike="noStrike" noProof="1">
               <a:sym typeface="+mn-ea"/>
             </a:endParaRPr>
           </a:p>
           <a:p>
-            <a:pPr marL="514350" indent="-514350">
+            <a:pPr marL="514350" indent="-514350" fontAlgn="auto">
               <a:buClr>
                 <a:srgbClr val="70AD47"/>
               </a:buClr>
@@ -5148,39 +5618,56 @@
               <a:buChar char="n"/>
             </a:pPr>
             <a:r>
-              <a:rPr lang="ru-RU" altLang="en-US">
+              <a:rPr lang="ru-RU" altLang="en-US" strike="noStrike" noProof="1">
                 <a:sym typeface="+mn-ea"/>
               </a:rPr>
-              <a:t>Гибкий</a:t>
-            </a:r>
-            <a:endParaRPr lang="ru-RU" altLang="en-US">
+              <a:t>Требует некоторого времени на освоение</a:t>
+            </a:r>
+            <a:endParaRPr lang="ru-RU" altLang="en-US" strike="noStrike" noProof="1">
               <a:sym typeface="+mn-ea"/>
             </a:endParaRPr>
           </a:p>
           <a:p>
-            <a:pPr marL="514350" indent="-514350">
-              <a:buClr>
-                <a:srgbClr val="70AD47"/>
-              </a:buClr>
-              <a:buSzPct val="80000"/>
-              <a:buFont typeface="Wingdings" charset="0"/>
-              <a:buChar char="n"/>
-            </a:pPr>
-            <a:r>
-              <a:rPr lang="ru-RU" altLang="en-US">
-                <a:sym typeface="+mn-ea"/>
-              </a:rPr>
-              <a:t>Требует некоторого времени на освоение</a:t>
-            </a:r>
-            <a:endParaRPr lang="ru-RU" altLang="en-US">
-              <a:sym typeface="+mn-ea"/>
-            </a:endParaRPr>
-          </a:p>
-          <a:p>
-            <a:pPr marL="0" indent="0">
+            <a:pPr marL="0" indent="0" fontAlgn="auto">
               <a:buNone/>
             </a:pPr>
-            <a:endParaRPr lang="ru-RU" altLang="en-US"/>
+            <a:endParaRPr lang="ru-RU" altLang="en-US" strike="noStrike" noProof="1"/>
+          </a:p>
+        </p:txBody>
+      </p:sp>
+      <p:sp>
+        <p:nvSpPr>
+          <p:cNvPr id="2" name="Замещающий нижний колонтитул 1"/>
+          <p:cNvSpPr>
+            <a:spLocks noGrp="1"/>
+          </p:cNvSpPr>
+          <p:nvPr>
+            <p:ph type="ftr" sz="quarter" idx="11"/>
+          </p:nvPr>
+        </p:nvSpPr>
+        <p:spPr>
+          <a:xfrm>
+            <a:off x="2819400" y="6357620"/>
+            <a:ext cx="6629400" cy="365125"/>
+          </a:xfrm>
+        </p:spPr>
+        <p:txBody>
+          <a:bodyPr/>
+          <a:p>
+            <a:pPr fontAlgn="auto"/>
+            <a:r>
+              <a:rPr lang="ru-RU" strike="noStrike" noProof="1">
+                <a:latin typeface="+mn-lt"/>
+                <a:ea typeface="+mn-ea"/>
+                <a:cs typeface="+mn-cs"/>
+              </a:rPr>
+              <a:t>https://github.com/nevoroman/ml-dotnet/tree/master/MLTools</a:t>
+            </a:r>
+            <a:endParaRPr lang="ru-RU" strike="noStrike" noProof="1">
+              <a:latin typeface="+mn-lt"/>
+              <a:ea typeface="+mn-ea"/>
+              <a:cs typeface="+mn-cs"/>
+            </a:endParaRPr>
           </a:p>
         </p:txBody>
       </p:sp>
@@ -5204,7 +5691,7 @@
       <p:grpSpPr/>
       <p:sp>
         <p:nvSpPr>
-          <p:cNvPr id="2" name="Заголовок 1"/>
+          <p:cNvPr id="4097" name="Заголовок 1"/>
           <p:cNvSpPr>
             <a:spLocks noGrp="1"/>
           </p:cNvSpPr>
@@ -5214,12 +5701,12 @@
         </p:nvSpPr>
         <p:spPr>
           <a:xfrm>
-            <a:off x="621030" y="121285"/>
-            <a:ext cx="10515600" cy="890905"/>
+            <a:off x="620713" y="120650"/>
+            <a:ext cx="10515600" cy="892175"/>
           </a:xfrm>
         </p:spPr>
         <p:txBody>
-          <a:bodyPr/>
+          <a:bodyPr lIns="91440" tIns="45720" rIns="91440" bIns="45720" anchor="ctr"/>
           <a:p>
             <a:r>
               <a:rPr lang="ru-RU" altLang="en-US"/>
@@ -5239,26 +5726,30 @@
       </p:sp>
       <p:sp>
         <p:nvSpPr>
-          <p:cNvPr id="8" name="Текстовое поле 7"/>
+          <p:cNvPr id="4098" name="Текстовое поле 7"/>
           <p:cNvSpPr txBox="1"/>
           <p:nvPr/>
         </p:nvSpPr>
         <p:spPr>
           <a:xfrm>
-            <a:off x="528955" y="1729105"/>
-            <a:ext cx="9723120" cy="2046605"/>
+            <a:off x="528638" y="1728788"/>
+            <a:ext cx="9723437" cy="2046287"/>
           </a:xfrm>
           <a:prstGeom prst="rect">
             <a:avLst/>
           </a:prstGeom>
           <a:noFill/>
+          <a:ln w="9525">
+            <a:noFill/>
+            <a:miter/>
+          </a:ln>
         </p:spPr>
         <p:txBody>
-          <a:bodyPr wrap="square" rtlCol="0" anchor="t">
+          <a:bodyPr wrap="square" anchor="t">
             <a:spAutoFit/>
           </a:bodyPr>
           <a:p>
-            <a:pPr marL="514350" indent="-514350">
+            <a:pPr marL="514350" lvl="0" indent="-514350">
               <a:buClr>
                 <a:srgbClr val="70AD47"/>
               </a:buClr>
@@ -5267,13 +5758,19 @@
               <a:buChar char="n"/>
             </a:pPr>
             <a:r>
-              <a:rPr lang="ru-RU" altLang="en-US" sz="3200"/>
+              <a:rPr lang="ru-RU" altLang="en-US" sz="3200">
+                <a:latin typeface="Calibri" charset="0"/>
+                <a:ea typeface="等线" charset="0"/>
+              </a:rPr>
               <a:t>Машинное обучение - это классно. </a:t>
             </a:r>
-            <a:endParaRPr lang="ru-RU" altLang="en-US" sz="3200"/>
-          </a:p>
-          <a:p>
-            <a:pPr marL="514350" indent="-514350">
+            <a:endParaRPr lang="ru-RU" altLang="en-US" sz="3200">
+              <a:latin typeface="Calibri" charset="0"/>
+              <a:ea typeface="等线" charset="0"/>
+            </a:endParaRPr>
+          </a:p>
+          <a:p>
+            <a:pPr marL="514350" lvl="0" indent="-514350">
               <a:buClr>
                 <a:srgbClr val="70AD47"/>
               </a:buClr>
@@ -5282,17 +5779,26 @@
               <a:buChar char="n"/>
             </a:pPr>
             <a:r>
-              <a:rPr lang="en-US" altLang="ru-RU" sz="3200"/>
+              <a:rPr lang="en-US" altLang="ru-RU" sz="3200">
+                <a:latin typeface="Calibri" charset="0"/>
+                <a:ea typeface="等线" charset="0"/>
+              </a:rPr>
               <a:t>.NET - </a:t>
             </a:r>
             <a:r>
-              <a:rPr lang="ru-RU" altLang="ru-RU" sz="3200"/>
+              <a:rPr lang="ru-RU" altLang="ru-RU" sz="3200">
+                <a:latin typeface="Calibri" charset="0"/>
+                <a:ea typeface="等线" charset="0"/>
+              </a:rPr>
               <a:t>это тоже замечательно</a:t>
             </a:r>
-            <a:endParaRPr lang="ru-RU" altLang="ru-RU" sz="3200"/>
-          </a:p>
-          <a:p>
-            <a:pPr marL="514350" indent="-514350">
+            <a:endParaRPr lang="ru-RU" altLang="ru-RU" sz="3200">
+              <a:latin typeface="Calibri" charset="0"/>
+              <a:ea typeface="等线" charset="0"/>
+            </a:endParaRPr>
+          </a:p>
+          <a:p>
+            <a:pPr marL="514350" lvl="0" indent="-514350">
               <a:buClr>
                 <a:srgbClr val="70AD47"/>
               </a:buClr>
@@ -5301,51 +5807,77 @@
               <a:buChar char="n"/>
             </a:pPr>
             <a:r>
-              <a:rPr lang="ru-RU" altLang="en-US" sz="3200"/>
+              <a:rPr lang="ru-RU" altLang="en-US" sz="3200">
+                <a:latin typeface="Calibri" charset="0"/>
+                <a:ea typeface="等线" charset="0"/>
+              </a:rPr>
               <a:t>По распространенному мнению, </a:t>
             </a:r>
             <a:r>
-              <a:rPr lang="en-US" altLang="ru-RU" sz="3200"/>
+              <a:rPr lang="en-US" altLang="ru-RU" sz="3200">
+                <a:latin typeface="Calibri" charset="0"/>
+                <a:ea typeface="等线" charset="0"/>
+              </a:rPr>
               <a:t>.NET </a:t>
             </a:r>
             <a:r>
-              <a:rPr lang="ru-RU" altLang="en-US" sz="3200"/>
+              <a:rPr lang="ru-RU" altLang="en-US" sz="3200">
+                <a:latin typeface="Calibri" charset="0"/>
+                <a:ea typeface="等线" charset="0"/>
+              </a:rPr>
               <a:t>не подходит для решения задач машинного обучения...</a:t>
             </a:r>
-            <a:endParaRPr lang="ru-RU" altLang="en-US" sz="3200"/>
-          </a:p>
-        </p:txBody>
-      </p:sp>
-      <p:sp>
-        <p:nvSpPr>
-          <p:cNvPr id="9" name="Текстовое поле 8"/>
+            <a:endParaRPr lang="ru-RU" altLang="en-US" sz="3200">
+              <a:latin typeface="Calibri" charset="0"/>
+              <a:ea typeface="等线" charset="0"/>
+            </a:endParaRPr>
+          </a:p>
+        </p:txBody>
+      </p:sp>
+      <p:sp>
+        <p:nvSpPr>
+          <p:cNvPr id="4099" name="Текстовое поле 8"/>
           <p:cNvSpPr txBox="1"/>
           <p:nvPr/>
         </p:nvSpPr>
         <p:spPr>
           <a:xfrm>
-            <a:off x="898525" y="5131435"/>
-            <a:ext cx="9469755" cy="583565"/>
+            <a:off x="898525" y="5130800"/>
+            <a:ext cx="9469438" cy="584200"/>
           </a:xfrm>
           <a:prstGeom prst="rect">
             <a:avLst/>
           </a:prstGeom>
           <a:noFill/>
+          <a:ln w="9525">
+            <a:noFill/>
+            <a:miter/>
+          </a:ln>
         </p:spPr>
         <p:txBody>
-          <a:bodyPr wrap="square" rtlCol="0">
+          <a:bodyPr wrap="square" anchor="t">
             <a:spAutoFit/>
           </a:bodyPr>
           <a:p>
-            <a:r>
-              <a:rPr lang="en-US" altLang="ru-RU" sz="3200"/>
+            <a:pPr lvl="0"/>
+            <a:r>
+              <a:rPr lang="en-US" altLang="ru-RU" sz="3200">
+                <a:latin typeface="Calibri" charset="0"/>
+                <a:ea typeface="等线" charset="0"/>
+              </a:rPr>
               <a:t>...</a:t>
             </a:r>
             <a:r>
-              <a:rPr lang="ru-RU" altLang="en-US" sz="3200"/>
+              <a:rPr lang="ru-RU" altLang="en-US" sz="3200">
+                <a:latin typeface="Calibri" charset="0"/>
+                <a:ea typeface="等线" charset="0"/>
+              </a:rPr>
               <a:t>но мы же не станем отступать из-за таких мелочей?</a:t>
             </a:r>
-            <a:endParaRPr lang="ru-RU" altLang="en-US" sz="3200"/>
+            <a:endParaRPr lang="ru-RU" altLang="en-US" sz="3200">
+              <a:latin typeface="Calibri" charset="0"/>
+              <a:ea typeface="等线" charset="0"/>
+            </a:endParaRPr>
           </a:p>
         </p:txBody>
       </p:sp>
@@ -5361,13 +5893,18 @@
         </p:nvSpPr>
         <p:spPr/>
         <p:txBody>
-          <a:bodyPr/>
-          <a:p>
-            <a:r>
-              <a:rPr lang="ru-RU"/>
+          <a:bodyPr vert="horz" lIns="91440" tIns="45720" rIns="91440" bIns="45720" rtlCol="0" anchor="ctr"/>
+          <a:p>
+            <a:pPr fontAlgn="auto"/>
+            <a:r>
+              <a:rPr lang="ru-RU" strike="noStrike" noProof="1">
+                <a:latin typeface="+mn-lt"/>
+                <a:ea typeface="+mn-ea"/>
+                <a:cs typeface="+mn-cs"/>
+              </a:rPr>
               <a:t>1</a:t>
             </a:r>
-            <a:endParaRPr lang="ru-RU"/>
+            <a:endParaRPr lang="ru-RU" strike="noStrike" noProof="1"/>
           </a:p>
         </p:txBody>
       </p:sp>
@@ -5383,13 +5920,18 @@
         </p:nvSpPr>
         <p:spPr/>
         <p:txBody>
-          <a:bodyPr/>
-          <a:p>
-            <a:r>
-              <a:rPr lang="ru-RU"/>
+          <a:bodyPr vert="horz" lIns="91440" tIns="45720" rIns="91440" bIns="45720" rtlCol="0" anchor="ctr"/>
+          <a:p>
+            <a:pPr fontAlgn="auto"/>
+            <a:r>
+              <a:rPr lang="ru-RU" strike="noStrike" noProof="1">
+                <a:latin typeface="+mn-lt"/>
+                <a:ea typeface="+mn-ea"/>
+                <a:cs typeface="+mn-cs"/>
+              </a:rPr>
               <a:t>https://github.com/nevoroman/ml-dotnet</a:t>
             </a:r>
-            <a:endParaRPr lang="ru-RU"/>
+            <a:endParaRPr lang="ru-RU" strike="noStrike" noProof="1"/>
           </a:p>
         </p:txBody>
       </p:sp>
@@ -5413,7 +5955,7 @@
       <p:grpSpPr/>
       <p:sp>
         <p:nvSpPr>
-          <p:cNvPr id="2" name="Заголовок 1"/>
+          <p:cNvPr id="22529" name="Заголовок 1"/>
           <p:cNvSpPr>
             <a:spLocks noGrp="1"/>
           </p:cNvSpPr>
@@ -5423,88 +5965,61 @@
         </p:nvSpPr>
         <p:spPr/>
         <p:txBody>
-          <a:bodyPr/>
-          <a:p>
-            <a:r>
-              <a:rPr lang="ru-RU">
-                <a:sym typeface="+mn-ea"/>
-              </a:rPr>
-              <a:t>Инструментарий</a:t>
-            </a:r>
+          <a:bodyPr lIns="91440" tIns="45720" rIns="91440" bIns="45720" anchor="ctr"/>
+          <a:p>
             <a:r>
               <a:rPr lang="ru-RU" altLang="en-US">
-                <a:sym typeface="+mn-ea"/>
-              </a:rPr>
-              <a:t> </a:t>
+                <a:sym typeface="等线" charset="0"/>
+              </a:rPr>
+              <a:t>Инструментарий </a:t>
             </a:r>
             <a:r>
               <a:rPr lang="en-US" altLang="ru-RU">
-                <a:sym typeface="+mn-ea"/>
+                <a:sym typeface="等线" charset="0"/>
               </a:rPr>
               <a:t>: </a:t>
             </a:r>
             <a:r>
-              <a:rPr lang="en-US">
-                <a:sym typeface="+mn-ea"/>
+              <a:rPr lang="en-US" altLang="en-US">
+                <a:sym typeface="等线" charset="0"/>
               </a:rPr>
               <a:t>numl</a:t>
             </a:r>
-            <a:endParaRPr lang="en-US">
-              <a:sym typeface="+mn-ea"/>
+            <a:endParaRPr lang="en-US" altLang="en-US">
+              <a:sym typeface="等线" charset="0"/>
             </a:endParaRPr>
           </a:p>
         </p:txBody>
       </p:sp>
       <p:sp>
         <p:nvSpPr>
-          <p:cNvPr id="4" name="Замещающий нижний колонтитул 3"/>
-          <p:cNvSpPr>
-            <a:spLocks noGrp="1"/>
-          </p:cNvSpPr>
-          <p:nvPr>
-            <p:ph type="ftr" sz="quarter" idx="11"/>
+          <p:cNvPr id="5" name="Замещающий номер слайда 4"/>
+          <p:cNvSpPr>
+            <a:spLocks noGrp="1"/>
+          </p:cNvSpPr>
+          <p:nvPr>
+            <p:ph type="sldNum" sz="quarter" idx="12"/>
           </p:nvPr>
         </p:nvSpPr>
         <p:spPr/>
         <p:txBody>
-          <a:bodyPr/>
-          <a:p>
-            <a:r>
-              <a:rPr lang="ru-RU"/>
-              <a:t>https://github.com/nevoroman/ml-dotnet</a:t>
-            </a:r>
-            <a:r>
-              <a:rPr lang="en-US" altLang="ru-RU"/>
-              <a:t>/MLTools</a:t>
-            </a:r>
-            <a:endParaRPr lang="en-US" altLang="ru-RU"/>
-          </a:p>
-        </p:txBody>
-      </p:sp>
-      <p:sp>
-        <p:nvSpPr>
-          <p:cNvPr id="5" name="Замещающий номер слайда 4"/>
-          <p:cNvSpPr>
-            <a:spLocks noGrp="1"/>
-          </p:cNvSpPr>
-          <p:nvPr>
-            <p:ph type="sldNum" sz="quarter" idx="12"/>
-          </p:nvPr>
-        </p:nvSpPr>
-        <p:spPr/>
-        <p:txBody>
-          <a:bodyPr/>
-          <a:p>
+          <a:bodyPr vert="horz" lIns="91440" tIns="45720" rIns="91440" bIns="45720" rtlCol="0" anchor="ctr"/>
+          <a:p>
+            <a:pPr fontAlgn="auto"/>
             <a:fld id="{3E82897F-7A41-40D7-BC9E-F666B07C585D}" type="slidenum">
-              <a:rPr lang="ru-RU" smtClean="0"/>
+              <a:rPr lang="ru-RU" strike="noStrike" noProof="1" smtClean="0">
+                <a:latin typeface="+mn-lt"/>
+                <a:ea typeface="+mn-ea"/>
+                <a:cs typeface="+mn-cs"/>
+              </a:rPr>
             </a:fld>
-            <a:endParaRPr lang="ru-RU"/>
-          </a:p>
-        </p:txBody>
-      </p:sp>
-      <p:sp>
-        <p:nvSpPr>
-          <p:cNvPr id="6" name="Замещающее содержимое 5"/>
+            <a:endParaRPr lang="ru-RU" strike="noStrike" noProof="1"/>
+          </a:p>
+        </p:txBody>
+      </p:sp>
+      <p:sp>
+        <p:nvSpPr>
+          <p:cNvPr id="22532" name="Замещающее содержимое 5"/>
           <p:cNvSpPr>
             <a:spLocks noGrp="1"/>
           </p:cNvSpPr>
@@ -5514,12 +6029,12 @@
         </p:nvSpPr>
         <p:spPr>
           <a:xfrm>
-            <a:off x="914400" y="2131060"/>
-            <a:ext cx="10515600" cy="2942590"/>
+            <a:off x="914400" y="2051685"/>
+            <a:ext cx="10515600" cy="2891790"/>
           </a:xfrm>
         </p:spPr>
         <p:txBody>
-          <a:bodyPr/>
+          <a:bodyPr lIns="91440" tIns="45720" rIns="91440" bIns="45720" anchor="t"/>
           <a:p>
             <a:pPr marL="514350" indent="-514350">
               <a:buClr>
@@ -5531,12 +6046,12 @@
             </a:pPr>
             <a:r>
               <a:rPr lang="ru-RU" altLang="en-US">
-                <a:sym typeface="+mn-ea"/>
-              </a:rPr>
-              <a:t>Быстрый и легкий</a:t>
+                <a:sym typeface="等线" charset="0"/>
+              </a:rPr>
+              <a:t>Просто осваивается</a:t>
             </a:r>
             <a:endParaRPr lang="ru-RU" altLang="en-US">
-              <a:sym typeface="+mn-ea"/>
+              <a:sym typeface="等线" charset="0"/>
             </a:endParaRPr>
           </a:p>
           <a:p>
@@ -5550,24 +6065,24 @@
             </a:pPr>
             <a:r>
               <a:rPr lang="ru-RU" altLang="en-US">
-                <a:sym typeface="+mn-ea"/>
+                <a:sym typeface="等线" charset="0"/>
               </a:rPr>
               <a:t>Не требует долгого развертывания</a:t>
             </a:r>
             <a:r>
               <a:rPr lang="en-US" altLang="ru-RU">
-                <a:sym typeface="+mn-ea"/>
+                <a:sym typeface="等线" charset="0"/>
               </a:rPr>
               <a:t>; </a:t>
             </a:r>
             <a:r>
               <a:rPr lang="ru-RU" altLang="en-US">
-                <a:sym typeface="+mn-ea"/>
+                <a:sym typeface="等线" charset="0"/>
               </a:rPr>
               <a:t>для базовой реализации алгоритма достаточно и минуты</a:t>
             </a:r>
             <a:endParaRPr lang="ru-RU" altLang="en-US">
-              <a:sym typeface="+mn-ea"/>
+              <a:sym typeface="等线" charset="0"/>
             </a:endParaRPr>
           </a:p>
           <a:p>
@@ -5581,12 +6096,12 @@
             </a:pPr>
             <a:r>
               <a:rPr lang="ru-RU" altLang="en-US">
-                <a:sym typeface="+mn-ea"/>
+                <a:sym typeface="等线" charset="0"/>
               </a:rPr>
               <a:t>Неплохой набор алгоритмов</a:t>
             </a:r>
             <a:endParaRPr lang="ru-RU" altLang="en-US">
-              <a:sym typeface="+mn-ea"/>
+              <a:sym typeface="等线" charset="0"/>
             </a:endParaRPr>
           </a:p>
           <a:p>
@@ -5600,12 +6115,12 @@
             </a:pPr>
             <a:r>
               <a:rPr lang="ru-RU" altLang="en-US">
-                <a:sym typeface="+mn-ea"/>
-              </a:rPr>
-              <a:t>Просто осваивается</a:t>
+                <a:sym typeface="等线" charset="0"/>
+              </a:rPr>
+              <a:t>С ним базовые алгоритмы машинного обучения сможет реализовать даже ваша бабушка</a:t>
             </a:r>
             <a:endParaRPr lang="ru-RU" altLang="en-US">
-              <a:sym typeface="+mn-ea"/>
+              <a:sym typeface="等线" charset="0"/>
             </a:endParaRPr>
           </a:p>
           <a:p>
@@ -5617,14 +6132,44 @@
               <a:buFont typeface="Wingdings" charset="0"/>
               <a:buChar char="n"/>
             </a:pPr>
-            <a:r>
-              <a:rPr lang="ru-RU" altLang="en-US">
-                <a:sym typeface="+mn-ea"/>
-              </a:rPr>
-              <a:t>Слабоват для крупных задач</a:t>
-            </a:r>
             <a:endParaRPr lang="ru-RU" altLang="en-US">
-              <a:sym typeface="+mn-ea"/>
+              <a:sym typeface="等线" charset="0"/>
+            </a:endParaRPr>
+          </a:p>
+        </p:txBody>
+      </p:sp>
+      <p:sp>
+        <p:nvSpPr>
+          <p:cNvPr id="2" name="Замещающий нижний колонтитул 1"/>
+          <p:cNvSpPr>
+            <a:spLocks noGrp="1"/>
+          </p:cNvSpPr>
+          <p:nvPr>
+            <p:ph type="ftr" sz="quarter" idx="11"/>
+          </p:nvPr>
+        </p:nvSpPr>
+        <p:spPr>
+          <a:xfrm>
+            <a:off x="2819400" y="6357620"/>
+            <a:ext cx="6629400" cy="365125"/>
+          </a:xfrm>
+        </p:spPr>
+        <p:txBody>
+          <a:bodyPr/>
+          <a:p>
+            <a:pPr fontAlgn="auto"/>
+            <a:r>
+              <a:rPr lang="ru-RU" strike="noStrike" noProof="1">
+                <a:latin typeface="+mn-lt"/>
+                <a:ea typeface="+mn-ea"/>
+                <a:cs typeface="+mn-cs"/>
+              </a:rPr>
+              <a:t>https://github.com/nevoroman/ml-dotnet/tree/master/MLTools</a:t>
+            </a:r>
+            <a:endParaRPr lang="ru-RU" strike="noStrike" noProof="1">
+              <a:latin typeface="+mn-lt"/>
+              <a:ea typeface="+mn-ea"/>
+              <a:cs typeface="+mn-cs"/>
             </a:endParaRPr>
           </a:p>
         </p:txBody>
@@ -5649,7 +6194,7 @@
       <p:grpSpPr/>
       <p:sp>
         <p:nvSpPr>
-          <p:cNvPr id="2" name="Заголовок 1"/>
+          <p:cNvPr id="23553" name="Заголовок 1"/>
           <p:cNvSpPr>
             <a:spLocks noGrp="1"/>
           </p:cNvSpPr>
@@ -5659,76 +6204,49 @@
         </p:nvSpPr>
         <p:spPr/>
         <p:txBody>
-          <a:bodyPr/>
-          <a:p>
-            <a:r>
-              <a:rPr lang="ru-RU">
-                <a:sym typeface="+mn-ea"/>
-              </a:rPr>
-              <a:t>Инструментарий</a:t>
-            </a:r>
+          <a:bodyPr lIns="91440" tIns="45720" rIns="91440" bIns="45720" anchor="ctr"/>
+          <a:p>
             <a:r>
               <a:rPr lang="ru-RU" altLang="en-US">
-                <a:sym typeface="+mn-ea"/>
-              </a:rPr>
-              <a:t> </a:t>
+                <a:sym typeface="等线" charset="0"/>
+              </a:rPr>
+              <a:t>Инструментарий </a:t>
             </a:r>
             <a:r>
               <a:rPr lang="en-US" altLang="ru-RU">
-                <a:sym typeface="+mn-ea"/>
+                <a:sym typeface="等线" charset="0"/>
               </a:rPr>
               <a:t>: Encog</a:t>
             </a:r>
             <a:endParaRPr lang="ru-RU" altLang="en-US">
-              <a:sym typeface="+mn-ea"/>
+              <a:sym typeface="等线" charset="0"/>
             </a:endParaRPr>
           </a:p>
         </p:txBody>
       </p:sp>
       <p:sp>
         <p:nvSpPr>
-          <p:cNvPr id="4" name="Замещающий нижний колонтитул 3"/>
-          <p:cNvSpPr>
-            <a:spLocks noGrp="1"/>
-          </p:cNvSpPr>
-          <p:nvPr>
-            <p:ph type="ftr" sz="quarter" idx="11"/>
+          <p:cNvPr id="5" name="Замещающий номер слайда 4"/>
+          <p:cNvSpPr>
+            <a:spLocks noGrp="1"/>
+          </p:cNvSpPr>
+          <p:nvPr>
+            <p:ph type="sldNum" sz="quarter" idx="12"/>
           </p:nvPr>
         </p:nvSpPr>
         <p:spPr/>
         <p:txBody>
-          <a:bodyPr/>
-          <a:p>
-            <a:r>
-              <a:rPr lang="ru-RU"/>
-              <a:t>https://github.com/nevoroman/ml-dotnet</a:t>
-            </a:r>
-            <a:r>
-              <a:rPr lang="en-US" altLang="ru-RU"/>
-              <a:t>/MLTools</a:t>
-            </a:r>
-            <a:endParaRPr lang="en-US" altLang="ru-RU"/>
-          </a:p>
-        </p:txBody>
-      </p:sp>
-      <p:sp>
-        <p:nvSpPr>
-          <p:cNvPr id="5" name="Замещающий номер слайда 4"/>
-          <p:cNvSpPr>
-            <a:spLocks noGrp="1"/>
-          </p:cNvSpPr>
-          <p:nvPr>
-            <p:ph type="sldNum" sz="quarter" idx="12"/>
-          </p:nvPr>
-        </p:nvSpPr>
-        <p:spPr/>
-        <p:txBody>
-          <a:bodyPr/>
-          <a:p>
+          <a:bodyPr vert="horz" lIns="91440" tIns="45720" rIns="91440" bIns="45720" rtlCol="0" anchor="ctr"/>
+          <a:p>
+            <a:pPr fontAlgn="auto"/>
             <a:fld id="{3E82897F-7A41-40D7-BC9E-F666B07C585D}" type="slidenum">
-              <a:rPr lang="ru-RU" smtClean="0"/>
+              <a:rPr lang="ru-RU" strike="noStrike" noProof="1" smtClean="0">
+                <a:latin typeface="+mn-lt"/>
+                <a:ea typeface="+mn-ea"/>
+                <a:cs typeface="+mn-cs"/>
+              </a:rPr>
             </a:fld>
-            <a:endParaRPr lang="ru-RU"/>
+            <a:endParaRPr lang="ru-RU" strike="noStrike" noProof="1"/>
           </a:p>
         </p:txBody>
       </p:sp>
@@ -5744,14 +6262,16 @@
         </p:nvSpPr>
         <p:spPr>
           <a:xfrm>
-            <a:off x="914400" y="2131060"/>
-            <a:ext cx="10515600" cy="2942590"/>
+            <a:off x="914400" y="2130425"/>
+            <a:ext cx="10515600" cy="2943225"/>
           </a:xfrm>
         </p:spPr>
         <p:txBody>
-          <a:bodyPr/>
-          <a:p>
-            <a:pPr marL="514350" indent="-514350">
+          <a:bodyPr vert="horz" lIns="91440" tIns="45720" rIns="91440" bIns="45720" rtlCol="0">
+            <a:normAutofit/>
+          </a:bodyPr>
+          <a:p>
+            <a:pPr marL="514350" indent="-514350" fontAlgn="auto">
               <a:buClr>
                 <a:srgbClr val="70AD47"/>
               </a:buClr>
@@ -5760,17 +6280,17 @@
               <a:buChar char="n"/>
             </a:pPr>
             <a:r>
-              <a:rPr lang="ru-RU">
+              <a:rPr lang="ru-RU" strike="noStrike" noProof="1">
                 <a:sym typeface="+mn-ea"/>
               </a:rPr>
               <a:t>Довольно гибок</a:t>
             </a:r>
-            <a:endParaRPr lang="ru-RU">
+            <a:endParaRPr lang="ru-RU" strike="noStrike" noProof="1">
               <a:sym typeface="+mn-ea"/>
             </a:endParaRPr>
           </a:p>
           <a:p>
-            <a:pPr marL="514350" indent="-514350">
+            <a:pPr marL="514350" indent="-514350" fontAlgn="auto">
               <a:buClr>
                 <a:srgbClr val="70AD47"/>
               </a:buClr>
@@ -5779,17 +6299,17 @@
               <a:buChar char="n"/>
             </a:pPr>
             <a:r>
-              <a:rPr lang="ru-RU">
+              <a:rPr lang="ru-RU" strike="noStrike" noProof="1">
                 <a:sym typeface="+mn-ea"/>
               </a:rPr>
               <a:t>Неплохая встроенная работа с данными</a:t>
             </a:r>
-            <a:endParaRPr lang="ru-RU">
+            <a:endParaRPr lang="ru-RU" strike="noStrike" noProof="1">
               <a:sym typeface="+mn-ea"/>
             </a:endParaRPr>
           </a:p>
           <a:p>
-            <a:pPr marL="514350" indent="-514350">
+            <a:pPr marL="514350" indent="-514350" fontAlgn="auto">
               <a:buClr>
                 <a:srgbClr val="70AD47"/>
               </a:buClr>
@@ -5798,29 +6318,29 @@
               <a:buChar char="n"/>
             </a:pPr>
             <a:r>
-              <a:rPr lang="ru-RU">
+              <a:rPr lang="ru-RU" strike="noStrike" noProof="1">
                 <a:sym typeface="+mn-ea"/>
               </a:rPr>
               <a:t>Имеет </a:t>
             </a:r>
             <a:r>
-              <a:rPr lang="en-US" altLang="ru-RU">
+              <a:rPr lang="en-US" altLang="ru-RU" strike="noStrike" noProof="1">
                 <a:sym typeface="+mn-ea"/>
               </a:rPr>
               <a:t>Java </a:t>
             </a:r>
             <a:r>
-              <a:rPr lang="ru-RU" altLang="en-US">
+              <a:rPr lang="ru-RU" altLang="en-US" strike="noStrike" noProof="1">
                 <a:sym typeface="+mn-ea"/>
               </a:rPr>
               <a:t>реализацию</a:t>
             </a:r>
-            <a:endParaRPr lang="ru-RU" altLang="en-US">
+            <a:endParaRPr lang="ru-RU" altLang="en-US" strike="noStrike" noProof="1">
               <a:sym typeface="+mn-ea"/>
             </a:endParaRPr>
           </a:p>
           <a:p>
-            <a:pPr marL="514350" indent="-514350">
+            <a:pPr marL="514350" indent="-514350" fontAlgn="auto">
               <a:buClr>
                 <a:srgbClr val="70AD47"/>
               </a:buClr>
@@ -5829,17 +6349,17 @@
               <a:buChar char="n"/>
             </a:pPr>
             <a:r>
-              <a:rPr lang="ru-RU" altLang="en-US">
+              <a:rPr lang="ru-RU" altLang="en-US" strike="noStrike" noProof="1">
                 <a:sym typeface="+mn-ea"/>
               </a:rPr>
               <a:t>Работе с ним посвящена неплохая книга</a:t>
             </a:r>
-            <a:endParaRPr lang="ru-RU" altLang="en-US">
+            <a:endParaRPr lang="ru-RU" altLang="en-US" strike="noStrike" noProof="1">
               <a:sym typeface="+mn-ea"/>
             </a:endParaRPr>
           </a:p>
           <a:p>
-            <a:pPr marL="514350" indent="-514350">
+            <a:pPr marL="514350" indent="-514350" fontAlgn="auto">
               <a:buClr>
                 <a:srgbClr val="70AD47"/>
               </a:buClr>
@@ -5847,12 +6367,18 @@
               <a:buFont typeface="Wingdings" charset="0"/>
               <a:buChar char="n"/>
             </a:pPr>
-            <a:endParaRPr lang="ru-RU" altLang="en-US">
+            <a:r>
+              <a:rPr lang="ru-RU" altLang="en-US" strike="noStrike" noProof="1">
+                <a:sym typeface="+mn-ea"/>
+              </a:rPr>
+              <a:t>Некоторые алгоритмы он реализует просто великолепно. </a:t>
+            </a:r>
+            <a:endParaRPr lang="ru-RU" altLang="en-US" strike="noStrike" noProof="1">
               <a:sym typeface="+mn-ea"/>
             </a:endParaRPr>
           </a:p>
           <a:p>
-            <a:pPr marL="514350" indent="-514350">
+            <a:pPr marL="514350" indent="-514350" fontAlgn="auto">
               <a:buClr>
                 <a:srgbClr val="70AD47"/>
               </a:buClr>
@@ -5860,12 +6386,12 @@
               <a:buFont typeface="Wingdings" charset="0"/>
               <a:buChar char="n"/>
             </a:pPr>
-            <a:endParaRPr lang="ru-RU" altLang="en-US">
+            <a:endParaRPr lang="ru-RU" altLang="en-US" strike="noStrike" noProof="1">
               <a:sym typeface="+mn-ea"/>
             </a:endParaRPr>
           </a:p>
           <a:p>
-            <a:pPr marL="514350" indent="-514350">
+            <a:pPr marL="514350" indent="-514350" fontAlgn="auto">
               <a:buClr>
                 <a:srgbClr val="70AD47"/>
               </a:buClr>
@@ -5873,15 +6399,64 @@
               <a:buFont typeface="Wingdings" charset="0"/>
               <a:buChar char="n"/>
             </a:pPr>
-            <a:endParaRPr lang="ru-RU">
+            <a:endParaRPr lang="ru-RU" altLang="en-US" strike="noStrike" noProof="1">
               <a:sym typeface="+mn-ea"/>
             </a:endParaRPr>
           </a:p>
           <a:p>
-            <a:pPr marL="0" indent="0">
+            <a:pPr marL="514350" indent="-514350" fontAlgn="auto">
+              <a:buClr>
+                <a:srgbClr val="70AD47"/>
+              </a:buClr>
+              <a:buSzPct val="80000"/>
+              <a:buFont typeface="Wingdings" charset="0"/>
+              <a:buChar char="n"/>
+            </a:pPr>
+            <a:endParaRPr lang="ru-RU" strike="noStrike" noProof="1">
+              <a:sym typeface="+mn-ea"/>
+            </a:endParaRPr>
+          </a:p>
+          <a:p>
+            <a:pPr marL="0" indent="0" fontAlgn="auto">
               <a:buNone/>
             </a:pPr>
-            <a:endParaRPr lang="ru-RU" altLang="en-US"/>
+            <a:endParaRPr lang="ru-RU" altLang="en-US" strike="noStrike" noProof="1"/>
+          </a:p>
+        </p:txBody>
+      </p:sp>
+      <p:sp>
+        <p:nvSpPr>
+          <p:cNvPr id="2" name="Замещающий нижний колонтитул 1"/>
+          <p:cNvSpPr>
+            <a:spLocks noGrp="1"/>
+          </p:cNvSpPr>
+          <p:nvPr>
+            <p:ph type="ftr" sz="quarter" idx="11"/>
+          </p:nvPr>
+        </p:nvSpPr>
+        <p:spPr>
+          <a:xfrm>
+            <a:off x="2819400" y="6357620"/>
+            <a:ext cx="6629400" cy="365125"/>
+          </a:xfrm>
+        </p:spPr>
+        <p:txBody>
+          <a:bodyPr/>
+          <a:p>
+            <a:pPr fontAlgn="auto"/>
+            <a:r>
+              <a:rPr lang="ru-RU" strike="noStrike" noProof="1">
+                <a:latin typeface="+mn-lt"/>
+                <a:ea typeface="+mn-ea"/>
+                <a:cs typeface="+mn-cs"/>
+              </a:rPr>
+              <a:t>https://github.com/nevoroman/ml-dotnet/tree/master/MLTools</a:t>
+            </a:r>
+            <a:endParaRPr lang="ru-RU" strike="noStrike" noProof="1">
+              <a:latin typeface="+mn-lt"/>
+              <a:ea typeface="+mn-ea"/>
+              <a:cs typeface="+mn-cs"/>
+            </a:endParaRPr>
           </a:p>
         </p:txBody>
       </p:sp>
@@ -5905,7 +6480,7 @@
       <p:grpSpPr/>
       <p:sp>
         <p:nvSpPr>
-          <p:cNvPr id="2" name="Заголовок 1"/>
+          <p:cNvPr id="24577" name="Заголовок 1"/>
           <p:cNvSpPr>
             <a:spLocks noGrp="1"/>
           </p:cNvSpPr>
@@ -5915,76 +6490,49 @@
         </p:nvSpPr>
         <p:spPr/>
         <p:txBody>
-          <a:bodyPr/>
-          <a:p>
-            <a:r>
-              <a:rPr lang="ru-RU">
-                <a:sym typeface="+mn-ea"/>
-              </a:rPr>
-              <a:t>Инструментарий</a:t>
-            </a:r>
+          <a:bodyPr lIns="91440" tIns="45720" rIns="91440" bIns="45720" anchor="ctr"/>
+          <a:p>
             <a:r>
               <a:rPr lang="ru-RU" altLang="en-US">
-                <a:sym typeface="+mn-ea"/>
-              </a:rPr>
-              <a:t> </a:t>
+                <a:sym typeface="等线" charset="0"/>
+              </a:rPr>
+              <a:t>Инструментарий </a:t>
             </a:r>
             <a:r>
               <a:rPr lang="en-US" altLang="ru-RU">
-                <a:sym typeface="+mn-ea"/>
+                <a:sym typeface="等线" charset="0"/>
               </a:rPr>
               <a:t>: Azure ML</a:t>
             </a:r>
             <a:endParaRPr lang="ru-RU" altLang="en-US">
-              <a:sym typeface="+mn-ea"/>
+              <a:sym typeface="等线" charset="0"/>
             </a:endParaRPr>
           </a:p>
         </p:txBody>
       </p:sp>
       <p:sp>
         <p:nvSpPr>
-          <p:cNvPr id="4" name="Замещающий нижний колонтитул 3"/>
-          <p:cNvSpPr>
-            <a:spLocks noGrp="1"/>
-          </p:cNvSpPr>
-          <p:nvPr>
-            <p:ph type="ftr" sz="quarter" idx="11"/>
+          <p:cNvPr id="5" name="Замещающий номер слайда 4"/>
+          <p:cNvSpPr>
+            <a:spLocks noGrp="1"/>
+          </p:cNvSpPr>
+          <p:nvPr>
+            <p:ph type="sldNum" sz="quarter" idx="12"/>
           </p:nvPr>
         </p:nvSpPr>
         <p:spPr/>
         <p:txBody>
-          <a:bodyPr/>
-          <a:p>
-            <a:r>
-              <a:rPr lang="ru-RU"/>
-              <a:t>https://github.com/nevoroman/ml-dotnet</a:t>
-            </a:r>
-            <a:r>
-              <a:rPr lang="en-US" altLang="ru-RU"/>
-              <a:t>/MLTools</a:t>
-            </a:r>
-            <a:endParaRPr lang="en-US" altLang="ru-RU"/>
-          </a:p>
-        </p:txBody>
-      </p:sp>
-      <p:sp>
-        <p:nvSpPr>
-          <p:cNvPr id="5" name="Замещающий номер слайда 4"/>
-          <p:cNvSpPr>
-            <a:spLocks noGrp="1"/>
-          </p:cNvSpPr>
-          <p:nvPr>
-            <p:ph type="sldNum" sz="quarter" idx="12"/>
-          </p:nvPr>
-        </p:nvSpPr>
-        <p:spPr/>
-        <p:txBody>
-          <a:bodyPr/>
-          <a:p>
+          <a:bodyPr vert="horz" lIns="91440" tIns="45720" rIns="91440" bIns="45720" rtlCol="0" anchor="ctr"/>
+          <a:p>
+            <a:pPr fontAlgn="auto"/>
             <a:fld id="{3E82897F-7A41-40D7-BC9E-F666B07C585D}" type="slidenum">
-              <a:rPr lang="ru-RU" smtClean="0"/>
+              <a:rPr lang="ru-RU" strike="noStrike" noProof="1" smtClean="0">
+                <a:latin typeface="+mn-lt"/>
+                <a:ea typeface="+mn-ea"/>
+                <a:cs typeface="+mn-cs"/>
+              </a:rPr>
             </a:fld>
-            <a:endParaRPr lang="ru-RU"/>
+            <a:endParaRPr lang="ru-RU" strike="noStrike" noProof="1"/>
           </a:p>
         </p:txBody>
       </p:sp>
@@ -6000,14 +6548,16 @@
         </p:nvSpPr>
         <p:spPr>
           <a:xfrm>
-            <a:off x="914400" y="2131060"/>
-            <a:ext cx="10515600" cy="2942590"/>
+            <a:off x="914400" y="2130425"/>
+            <a:ext cx="10515600" cy="2943225"/>
           </a:xfrm>
         </p:spPr>
         <p:txBody>
-          <a:bodyPr/>
-          <a:p>
-            <a:pPr marL="514350" indent="-514350">
+          <a:bodyPr vert="horz" lIns="91440" tIns="45720" rIns="91440" bIns="45720" rtlCol="0">
+            <a:normAutofit/>
+          </a:bodyPr>
+          <a:p>
+            <a:pPr marL="514350" indent="-514350" fontAlgn="auto">
               <a:buClr>
                 <a:srgbClr val="70AD47"/>
               </a:buClr>
@@ -6016,41 +6566,41 @@
               <a:buChar char="n"/>
             </a:pPr>
             <a:r>
-              <a:rPr lang="ru-RU">
+              <a:rPr lang="ru-RU" strike="noStrike" noProof="1">
                 <a:sym typeface="+mn-ea"/>
               </a:rPr>
               <a:t>Прост в использовании </a:t>
             </a:r>
             <a:r>
-              <a:rPr lang="en-US" altLang="ru-RU">
+              <a:rPr lang="en-US" altLang="ru-RU" strike="noStrike" noProof="1">
                 <a:sym typeface="+mn-ea"/>
               </a:rPr>
               <a:t>: </a:t>
             </a:r>
             <a:r>
-              <a:rPr lang="ru-RU" altLang="en-US">
+              <a:rPr lang="ru-RU" altLang="en-US" strike="noStrike" noProof="1">
                 <a:sym typeface="+mn-ea"/>
               </a:rPr>
               <a:t>ваш ребенок может случайно стать </a:t>
             </a:r>
             <a:r>
-              <a:rPr lang="en-US" altLang="en-US">
+              <a:rPr lang="en-US" altLang="en-US" strike="noStrike" noProof="1">
                 <a:sym typeface="+mn-ea"/>
               </a:rPr>
               <a:t>Data Scienist'</a:t>
             </a:r>
             <a:r>
-              <a:rPr lang="ru-RU" altLang="en-US">
+              <a:rPr lang="ru-RU" altLang="en-US" strike="noStrike" noProof="1">
                 <a:sym typeface="+mn-ea"/>
               </a:rPr>
               <a:t>ом</a:t>
             </a:r>
-            <a:endParaRPr lang="ru-RU" altLang="en-US">
+            <a:endParaRPr lang="ru-RU" altLang="en-US" strike="noStrike" noProof="1">
               <a:sym typeface="+mn-ea"/>
             </a:endParaRPr>
           </a:p>
           <a:p>
-            <a:pPr marL="514350" indent="-514350">
+            <a:pPr marL="514350" indent="-514350" fontAlgn="auto">
               <a:buClr>
                 <a:srgbClr val="70AD47"/>
               </a:buClr>
@@ -6059,17 +6609,17 @@
               <a:buChar char="n"/>
             </a:pPr>
             <a:r>
-              <a:rPr lang="ru-RU">
+              <a:rPr lang="ru-RU" strike="noStrike" noProof="1">
                 <a:sym typeface="+mn-ea"/>
               </a:rPr>
               <a:t>Это клевые модные облачные вычисления</a:t>
             </a:r>
-            <a:endParaRPr lang="ru-RU">
+            <a:endParaRPr lang="ru-RU" strike="noStrike" noProof="1">
               <a:sym typeface="+mn-ea"/>
             </a:endParaRPr>
           </a:p>
           <a:p>
-            <a:pPr marL="514350" indent="-514350">
+            <a:pPr marL="514350" indent="-514350" fontAlgn="auto">
               <a:buClr>
                 <a:srgbClr val="70AD47"/>
               </a:buClr>
@@ -6078,17 +6628,17 @@
               <a:buChar char="n"/>
             </a:pPr>
             <a:r>
-              <a:rPr lang="ru-RU" altLang="en-US">
+              <a:rPr lang="ru-RU" altLang="en-US" strike="noStrike" noProof="1">
                 <a:sym typeface="+mn-ea"/>
               </a:rPr>
               <a:t>Функционал легко расширяется самописными модулями</a:t>
             </a:r>
-            <a:endParaRPr lang="ru-RU" altLang="en-US">
+            <a:endParaRPr lang="ru-RU" altLang="en-US" strike="noStrike" noProof="1">
               <a:sym typeface="+mn-ea"/>
             </a:endParaRPr>
           </a:p>
           <a:p>
-            <a:pPr marL="514350" indent="-514350">
+            <a:pPr marL="514350" indent="-514350" fontAlgn="auto">
               <a:buClr>
                 <a:srgbClr val="70AD47"/>
               </a:buClr>
@@ -6097,17 +6647,17 @@
               <a:buChar char="n"/>
             </a:pPr>
             <a:r>
-              <a:rPr lang="ru-RU" altLang="en-US">
+              <a:rPr lang="ru-RU" altLang="en-US" strike="noStrike" noProof="1">
                 <a:sym typeface="+mn-ea"/>
               </a:rPr>
               <a:t>Легкая и приятная работа с данными</a:t>
             </a:r>
-            <a:endParaRPr lang="ru-RU" altLang="en-US">
+            <a:endParaRPr lang="ru-RU" altLang="en-US" strike="noStrike" noProof="1">
               <a:sym typeface="+mn-ea"/>
             </a:endParaRPr>
           </a:p>
           <a:p>
-            <a:pPr marL="0" indent="0">
+            <a:pPr marL="0" indent="0" fontAlgn="auto">
               <a:buClr>
                 <a:srgbClr val="70AD47"/>
               </a:buClr>
@@ -6115,12 +6665,12 @@
               <a:buFont typeface="Wingdings" charset="0"/>
               <a:buNone/>
             </a:pPr>
-            <a:endParaRPr lang="ru-RU" altLang="en-US">
+            <a:endParaRPr lang="ru-RU" altLang="en-US" strike="noStrike" noProof="1">
               <a:sym typeface="+mn-ea"/>
             </a:endParaRPr>
           </a:p>
           <a:p>
-            <a:pPr marL="514350" indent="-514350">
+            <a:pPr marL="514350" indent="-514350" fontAlgn="auto">
               <a:buClr>
                 <a:srgbClr val="70AD47"/>
               </a:buClr>
@@ -6128,15 +6678,51 @@
               <a:buFont typeface="Wingdings" charset="0"/>
               <a:buChar char="n"/>
             </a:pPr>
-            <a:endParaRPr lang="ru-RU">
+            <a:endParaRPr lang="ru-RU" strike="noStrike" noProof="1">
               <a:sym typeface="+mn-ea"/>
             </a:endParaRPr>
           </a:p>
           <a:p>
-            <a:pPr marL="0" indent="0">
+            <a:pPr marL="0" indent="0" fontAlgn="auto">
               <a:buNone/>
             </a:pPr>
-            <a:endParaRPr lang="ru-RU" altLang="en-US"/>
+            <a:endParaRPr lang="ru-RU" altLang="en-US" strike="noStrike" noProof="1"/>
+          </a:p>
+        </p:txBody>
+      </p:sp>
+      <p:sp>
+        <p:nvSpPr>
+          <p:cNvPr id="2" name="Замещающий нижний колонтитул 1"/>
+          <p:cNvSpPr>
+            <a:spLocks noGrp="1"/>
+          </p:cNvSpPr>
+          <p:nvPr>
+            <p:ph type="ftr" sz="quarter" idx="11"/>
+          </p:nvPr>
+        </p:nvSpPr>
+        <p:spPr>
+          <a:xfrm>
+            <a:off x="2819400" y="6357620"/>
+            <a:ext cx="6629400" cy="365125"/>
+          </a:xfrm>
+        </p:spPr>
+        <p:txBody>
+          <a:bodyPr/>
+          <a:p>
+            <a:pPr fontAlgn="auto"/>
+            <a:r>
+              <a:rPr lang="ru-RU" strike="noStrike" noProof="1">
+                <a:latin typeface="+mn-lt"/>
+                <a:ea typeface="+mn-ea"/>
+                <a:cs typeface="+mn-cs"/>
+              </a:rPr>
+              <a:t>https://github.com/nevoroman/ml-dotnet/tree/master/MLTools</a:t>
+            </a:r>
+            <a:endParaRPr lang="ru-RU" strike="noStrike" noProof="1">
+              <a:latin typeface="+mn-lt"/>
+              <a:ea typeface="+mn-ea"/>
+              <a:cs typeface="+mn-cs"/>
+            </a:endParaRPr>
           </a:p>
         </p:txBody>
       </p:sp>
@@ -6160,7 +6746,7 @@
       <p:grpSpPr/>
       <p:sp>
         <p:nvSpPr>
-          <p:cNvPr id="2" name="Заголовок 1"/>
+          <p:cNvPr id="25601" name="Заголовок 1"/>
           <p:cNvSpPr>
             <a:spLocks noGrp="1"/>
           </p:cNvSpPr>
@@ -6170,43 +6756,37 @@
         </p:nvSpPr>
         <p:spPr/>
         <p:txBody>
-          <a:bodyPr/>
-          <a:p>
-            <a:r>
-              <a:rPr lang="ru-RU">
-                <a:sym typeface="+mn-ea"/>
-              </a:rPr>
-              <a:t>Инструментарий</a:t>
-            </a:r>
+          <a:bodyPr lIns="91440" tIns="45720" rIns="91440" bIns="45720" anchor="ctr"/>
+          <a:p>
             <a:r>
               <a:rPr lang="ru-RU" altLang="en-US">
-                <a:sym typeface="+mn-ea"/>
-              </a:rPr>
-              <a:t> </a:t>
+                <a:sym typeface="等线" charset="0"/>
+              </a:rPr>
+              <a:t>Инструментарий </a:t>
             </a:r>
             <a:r>
               <a:rPr lang="en-US" altLang="ru-RU">
-                <a:sym typeface="+mn-ea"/>
+                <a:sym typeface="等线" charset="0"/>
               </a:rPr>
               <a:t>: </a:t>
             </a:r>
             <a:r>
-              <a:rPr lang="ru-RU">
-                <a:sym typeface="+mn-ea"/>
+              <a:rPr lang="ru-RU" altLang="en-US">
+                <a:sym typeface="等线" charset="0"/>
               </a:rPr>
               <a:t>немного побенчмаркаем</a:t>
             </a:r>
-            <a:endParaRPr lang="ru-RU">
-              <a:sym typeface="+mn-ea"/>
+            <a:endParaRPr lang="ru-RU" altLang="en-US">
+              <a:sym typeface="等线" charset="0"/>
             </a:endParaRPr>
           </a:p>
         </p:txBody>
       </p:sp>
       <p:pic>
         <p:nvPicPr>
-          <p:cNvPr id="7" name="Замещающее содержимое 6"/>
+          <p:cNvPr id="25602" name="Замещающее содержимое 6"/>
           <p:cNvPicPr>
-            <a:picLocks noChangeAspect="1"/>
+            <a:picLocks noGrp="1" noChangeAspect="1"/>
           </p:cNvPicPr>
           <p:nvPr>
             <p:ph sz="half" idx="1"/>
@@ -6220,66 +6800,42 @@
         </p:blipFill>
         <p:spPr>
           <a:xfrm>
-            <a:off x="880745" y="2272030"/>
+            <a:off x="881063" y="2271713"/>
             <a:ext cx="4638675" cy="3457575"/>
           </a:xfrm>
-          <a:prstGeom prst="rect">
-            <a:avLst/>
-          </a:prstGeom>
         </p:spPr>
       </p:pic>
       <p:sp>
         <p:nvSpPr>
-          <p:cNvPr id="4" name="Замещающий нижний колонтитул 3"/>
-          <p:cNvSpPr>
-            <a:spLocks noGrp="1"/>
-          </p:cNvSpPr>
-          <p:nvPr>
-            <p:ph type="ftr" sz="quarter" idx="11"/>
+          <p:cNvPr id="5" name="Замещающий номер слайда 4"/>
+          <p:cNvSpPr>
+            <a:spLocks noGrp="1"/>
+          </p:cNvSpPr>
+          <p:nvPr>
+            <p:ph type="sldNum" sz="quarter" idx="12"/>
           </p:nvPr>
         </p:nvSpPr>
         <p:spPr/>
         <p:txBody>
-          <a:bodyPr/>
-          <a:p>
-            <a:r>
-              <a:rPr lang="ru-RU"/>
-              <a:t>https://github.com/nevoroman/ml-dotnet</a:t>
-            </a:r>
-            <a:r>
-              <a:rPr lang="en-US" altLang="ru-RU"/>
-              <a:t>/MLTools</a:t>
-            </a:r>
-            <a:endParaRPr lang="en-US" altLang="ru-RU"/>
-          </a:p>
-        </p:txBody>
-      </p:sp>
-      <p:sp>
-        <p:nvSpPr>
-          <p:cNvPr id="5" name="Замещающий номер слайда 4"/>
-          <p:cNvSpPr>
-            <a:spLocks noGrp="1"/>
-          </p:cNvSpPr>
-          <p:nvPr>
-            <p:ph type="sldNum" sz="quarter" idx="12"/>
-          </p:nvPr>
-        </p:nvSpPr>
-        <p:spPr/>
-        <p:txBody>
-          <a:bodyPr/>
-          <a:p>
+          <a:bodyPr vert="horz" lIns="91440" tIns="45720" rIns="91440" bIns="45720" rtlCol="0" anchor="ctr"/>
+          <a:p>
+            <a:pPr fontAlgn="auto"/>
             <a:fld id="{3E82897F-7A41-40D7-BC9E-F666B07C585D}" type="slidenum">
-              <a:rPr lang="ru-RU" smtClean="0"/>
+              <a:rPr lang="ru-RU" strike="noStrike" noProof="1" smtClean="0">
+                <a:latin typeface="+mn-lt"/>
+                <a:ea typeface="+mn-ea"/>
+                <a:cs typeface="+mn-cs"/>
+              </a:rPr>
             </a:fld>
-            <a:endParaRPr lang="ru-RU"/>
+            <a:endParaRPr lang="ru-RU" strike="noStrike" noProof="1"/>
           </a:p>
         </p:txBody>
       </p:sp>
       <p:pic>
         <p:nvPicPr>
-          <p:cNvPr id="10" name="Замещающее содержимое 9"/>
+          <p:cNvPr id="25605" name="Замещающее содержимое 9"/>
           <p:cNvPicPr>
-            <a:picLocks noChangeAspect="1"/>
+            <a:picLocks noGrp="1" noChangeAspect="1"/>
           </p:cNvPicPr>
           <p:nvPr>
             <p:ph sz="half" idx="2"/>
@@ -6293,14 +6849,47 @@
         </p:blipFill>
         <p:spPr>
           <a:xfrm>
-            <a:off x="7695565" y="3605530"/>
+            <a:off x="7696200" y="3605213"/>
             <a:ext cx="2971800" cy="714375"/>
           </a:xfrm>
-          <a:prstGeom prst="rect">
-            <a:avLst/>
-          </a:prstGeom>
         </p:spPr>
       </p:pic>
+      <p:sp>
+        <p:nvSpPr>
+          <p:cNvPr id="2" name="Замещающий нижний колонтитул 1"/>
+          <p:cNvSpPr>
+            <a:spLocks noGrp="1"/>
+          </p:cNvSpPr>
+          <p:nvPr>
+            <p:ph type="ftr" sz="quarter" idx="11"/>
+          </p:nvPr>
+        </p:nvSpPr>
+        <p:spPr>
+          <a:xfrm>
+            <a:off x="2819400" y="6357620"/>
+            <a:ext cx="6629400" cy="365125"/>
+          </a:xfrm>
+        </p:spPr>
+        <p:txBody>
+          <a:bodyPr/>
+          <a:p>
+            <a:pPr fontAlgn="auto"/>
+            <a:r>
+              <a:rPr lang="ru-RU" strike="noStrike" noProof="1">
+                <a:latin typeface="+mn-lt"/>
+                <a:ea typeface="+mn-ea"/>
+                <a:cs typeface="+mn-cs"/>
+              </a:rPr>
+              <a:t>https://github.com/nevoroman/ml-dotnet/tree/master/MLTools</a:t>
+            </a:r>
+            <a:endParaRPr lang="ru-RU" strike="noStrike" noProof="1">
+              <a:latin typeface="+mn-lt"/>
+              <a:ea typeface="+mn-ea"/>
+              <a:cs typeface="+mn-cs"/>
+            </a:endParaRPr>
+          </a:p>
+        </p:txBody>
+      </p:sp>
     </p:spTree>
   </p:cSld>
   <p:clrMapOvr>
@@ -6321,7 +6910,7 @@
       <p:grpSpPr/>
       <p:sp>
         <p:nvSpPr>
-          <p:cNvPr id="2" name="Заголовок 1"/>
+          <p:cNvPr id="26625" name="Заголовок 1"/>
           <p:cNvSpPr>
             <a:spLocks noGrp="1"/>
           </p:cNvSpPr>
@@ -6331,43 +6920,37 @@
         </p:nvSpPr>
         <p:spPr/>
         <p:txBody>
-          <a:bodyPr/>
-          <a:p>
-            <a:r>
-              <a:rPr lang="ru-RU">
-                <a:sym typeface="+mn-ea"/>
-              </a:rPr>
-              <a:t>Инструментарий</a:t>
-            </a:r>
+          <a:bodyPr lIns="91440" tIns="45720" rIns="91440" bIns="45720" anchor="ctr"/>
+          <a:p>
             <a:r>
               <a:rPr lang="ru-RU" altLang="en-US">
-                <a:sym typeface="+mn-ea"/>
-              </a:rPr>
-              <a:t> </a:t>
+                <a:sym typeface="等线" charset="0"/>
+              </a:rPr>
+              <a:t>Инструментарий </a:t>
             </a:r>
             <a:r>
               <a:rPr lang="en-US" altLang="ru-RU">
-                <a:sym typeface="+mn-ea"/>
+                <a:sym typeface="等线" charset="0"/>
               </a:rPr>
               <a:t>: </a:t>
             </a:r>
             <a:r>
-              <a:rPr lang="ru-RU">
-                <a:sym typeface="+mn-ea"/>
+              <a:rPr lang="ru-RU" altLang="en-US">
+                <a:sym typeface="等线" charset="0"/>
               </a:rPr>
               <a:t>немного побенчмаркаем</a:t>
             </a:r>
-            <a:endParaRPr lang="ru-RU">
-              <a:sym typeface="+mn-ea"/>
+            <a:endParaRPr lang="ru-RU" altLang="en-US">
+              <a:sym typeface="等线" charset="0"/>
             </a:endParaRPr>
           </a:p>
         </p:txBody>
       </p:sp>
       <p:pic>
         <p:nvPicPr>
-          <p:cNvPr id="11" name="Замещающее содержимое 10"/>
+          <p:cNvPr id="26626" name="Замещающее содержимое 10"/>
           <p:cNvPicPr>
-            <a:picLocks noChangeAspect="1"/>
+            <a:picLocks noGrp="1" noChangeAspect="1"/>
           </p:cNvPicPr>
           <p:nvPr>
             <p:ph idx="1"/>
@@ -6381,14 +6964,47 @@
         </p:blipFill>
         <p:spPr>
           <a:xfrm>
-            <a:off x="78105" y="2472690"/>
-            <a:ext cx="11709400" cy="2360930"/>
+            <a:off x="77788" y="2473325"/>
+            <a:ext cx="11709400" cy="2360613"/>
           </a:xfrm>
-          <a:prstGeom prst="rect">
-            <a:avLst/>
-          </a:prstGeom>
         </p:spPr>
       </p:pic>
+      <p:sp>
+        <p:nvSpPr>
+          <p:cNvPr id="5" name="Замещающий нижний колонтитул 4"/>
+          <p:cNvSpPr>
+            <a:spLocks noGrp="1"/>
+          </p:cNvSpPr>
+          <p:nvPr>
+            <p:ph type="ftr" sz="quarter" idx="11"/>
+          </p:nvPr>
+        </p:nvSpPr>
+        <p:spPr>
+          <a:xfrm>
+            <a:off x="2819400" y="6357620"/>
+            <a:ext cx="6629400" cy="365125"/>
+          </a:xfrm>
+        </p:spPr>
+        <p:txBody>
+          <a:bodyPr/>
+          <a:p>
+            <a:pPr fontAlgn="auto"/>
+            <a:r>
+              <a:rPr lang="ru-RU" strike="noStrike" noProof="1">
+                <a:latin typeface="+mn-lt"/>
+                <a:ea typeface="+mn-ea"/>
+                <a:cs typeface="+mn-cs"/>
+              </a:rPr>
+              <a:t>https://github.com/nevoroman/ml-dotnet/tree/master/MLTools</a:t>
+            </a:r>
+            <a:endParaRPr lang="ru-RU" strike="noStrike" noProof="1">
+              <a:latin typeface="+mn-lt"/>
+              <a:ea typeface="+mn-ea"/>
+              <a:cs typeface="+mn-cs"/>
+            </a:endParaRPr>
+          </a:p>
+        </p:txBody>
+      </p:sp>
     </p:spTree>
   </p:cSld>
   <p:clrMapOvr>
@@ -6409,7 +7025,7 @@
       <p:grpSpPr/>
       <p:sp>
         <p:nvSpPr>
-          <p:cNvPr id="2" name="Заголовок 1"/>
+          <p:cNvPr id="27649" name="Заголовок 1"/>
           <p:cNvSpPr>
             <a:spLocks noGrp="1"/>
           </p:cNvSpPr>
@@ -6419,34 +7035,28 @@
         </p:nvSpPr>
         <p:spPr/>
         <p:txBody>
-          <a:bodyPr/>
-          <a:p>
-            <a:r>
-              <a:rPr lang="ru-RU">
-                <a:sym typeface="+mn-ea"/>
-              </a:rPr>
-              <a:t>Инструментарий</a:t>
-            </a:r>
+          <a:bodyPr lIns="91440" tIns="45720" rIns="91440" bIns="45720" anchor="ctr"/>
+          <a:p>
             <a:r>
               <a:rPr lang="ru-RU" altLang="en-US">
-                <a:sym typeface="+mn-ea"/>
-              </a:rPr>
-              <a:t> </a:t>
+                <a:sym typeface="等线" charset="0"/>
+              </a:rPr>
+              <a:t>Инструментарий </a:t>
             </a:r>
             <a:r>
               <a:rPr lang="en-US" altLang="ru-RU">
-                <a:sym typeface="+mn-ea"/>
+                <a:sym typeface="等线" charset="0"/>
               </a:rPr>
               <a:t>: </a:t>
             </a:r>
             <a:r>
-              <a:rPr lang="ru-RU">
-                <a:sym typeface="+mn-ea"/>
+              <a:rPr lang="ru-RU" altLang="en-US">
+                <a:sym typeface="等线" charset="0"/>
               </a:rPr>
               <a:t>немного побенчмаркаем</a:t>
             </a:r>
-            <a:endParaRPr lang="ru-RU">
-              <a:sym typeface="+mn-ea"/>
+            <a:endParaRPr lang="ru-RU" altLang="en-US">
+              <a:sym typeface="等线" charset="0"/>
             </a:endParaRPr>
           </a:p>
         </p:txBody>
@@ -6460,8 +7070,8 @@
           </p:nvPr>
         </p:nvGraphicFramePr>
         <p:xfrm>
-          <a:off x="838835" y="2056130"/>
-          <a:ext cx="10742930" cy="1473200"/>
+          <a:off x="838200" y="2055813"/>
+          <a:ext cx="10744200" cy="1473200"/>
         </p:xfrm>
         <a:graphic>
           <a:graphicData uri="http://schemas.openxmlformats.org/drawingml/2006/table">
@@ -6878,8 +7488,8 @@
           </p:nvPr>
         </p:nvGraphicFramePr>
         <p:xfrm>
-          <a:off x="876935" y="4378960"/>
-          <a:ext cx="10705465" cy="1527175"/>
+          <a:off x="876300" y="4378325"/>
+          <a:ext cx="10706100" cy="1527175"/>
         </p:xfrm>
         <a:graphic>
           <a:graphicData uri="http://schemas.openxmlformats.org/drawingml/2006/table">
@@ -7271,7 +7881,7 @@
       </p:graphicFrame>
       <p:sp>
         <p:nvSpPr>
-          <p:cNvPr id="7" name="Текстовое поле 6"/>
+          <p:cNvPr id="27704" name="Текстовое поле 6"/>
           <p:cNvSpPr txBox="1"/>
           <p:nvPr/>
         </p:nvSpPr>
@@ -7284,23 +7894,34 @@
             <a:avLst/>
           </a:prstGeom>
           <a:noFill/>
+          <a:ln w="9525">
+            <a:noFill/>
+            <a:miter/>
+          </a:ln>
         </p:spPr>
         <p:txBody>
-          <a:bodyPr wrap="square" rtlCol="0">
+          <a:bodyPr wrap="square" anchor="t">
             <a:spAutoFit/>
           </a:bodyPr>
           <a:p>
-            <a:r>
-              <a:rPr lang="en-US" altLang="ru-RU" sz="2400"/>
+            <a:pPr lvl="0"/>
+            <a:r>
+              <a:rPr lang="en-US" altLang="ru-RU" sz="2400">
+                <a:latin typeface="Calibri" charset="0"/>
+                <a:ea typeface="等线" charset="0"/>
+              </a:rPr>
               <a:t>Accord Framework</a:t>
             </a:r>
-            <a:endParaRPr lang="en-US" altLang="ru-RU" sz="2400"/>
-          </a:p>
-        </p:txBody>
-      </p:sp>
-      <p:sp>
-        <p:nvSpPr>
-          <p:cNvPr id="8" name="Текстовое поле 7"/>
+            <a:endParaRPr lang="en-US" altLang="ru-RU" sz="2400">
+              <a:latin typeface="Calibri" charset="0"/>
+              <a:ea typeface="等线" charset="0"/>
+            </a:endParaRPr>
+          </a:p>
+        </p:txBody>
+      </p:sp>
+      <p:sp>
+        <p:nvSpPr>
+          <p:cNvPr id="27705" name="Текстовое поле 7"/>
           <p:cNvSpPr txBox="1"/>
           <p:nvPr/>
         </p:nvSpPr>
@@ -7313,17 +7934,64 @@
             <a:avLst/>
           </a:prstGeom>
           <a:noFill/>
+          <a:ln w="9525">
+            <a:noFill/>
+            <a:miter/>
+          </a:ln>
         </p:spPr>
         <p:txBody>
-          <a:bodyPr wrap="square" rtlCol="0">
+          <a:bodyPr wrap="square" anchor="t">
             <a:spAutoFit/>
           </a:bodyPr>
           <a:p>
-            <a:r>
-              <a:rPr lang="en-US" altLang="ru-RU" sz="2400"/>
+            <a:pPr lvl="0"/>
+            <a:r>
+              <a:rPr lang="en-US" altLang="ru-RU" sz="2400">
+                <a:latin typeface="Calibri" charset="0"/>
+                <a:ea typeface="等线" charset="0"/>
+              </a:rPr>
               <a:t>numl</a:t>
             </a:r>
-            <a:endParaRPr lang="en-US" altLang="ru-RU" sz="2400"/>
+            <a:endParaRPr lang="en-US" altLang="ru-RU" sz="2400">
+              <a:latin typeface="Calibri" charset="0"/>
+              <a:ea typeface="等线" charset="0"/>
+            </a:endParaRPr>
+          </a:p>
+        </p:txBody>
+      </p:sp>
+      <p:sp>
+        <p:nvSpPr>
+          <p:cNvPr id="5" name="Замещающий нижний колонтитул 4"/>
+          <p:cNvSpPr>
+            <a:spLocks noGrp="1"/>
+          </p:cNvSpPr>
+          <p:nvPr>
+            <p:ph type="ftr" sz="quarter" idx="11"/>
+          </p:nvPr>
+        </p:nvSpPr>
+        <p:spPr>
+          <a:xfrm>
+            <a:off x="2819400" y="6357620"/>
+            <a:ext cx="6629400" cy="365125"/>
+          </a:xfrm>
+        </p:spPr>
+        <p:txBody>
+          <a:bodyPr/>
+          <a:p>
+            <a:pPr fontAlgn="auto"/>
+            <a:r>
+              <a:rPr lang="ru-RU" strike="noStrike" noProof="1">
+                <a:latin typeface="+mn-lt"/>
+                <a:ea typeface="+mn-ea"/>
+                <a:cs typeface="+mn-cs"/>
+              </a:rPr>
+              <a:t>https://github.com/nevoroman/ml-dotnet/tree/master/MLTools</a:t>
+            </a:r>
+            <a:endParaRPr lang="ru-RU" strike="noStrike" noProof="1">
+              <a:latin typeface="+mn-lt"/>
+              <a:ea typeface="+mn-ea"/>
+              <a:cs typeface="+mn-cs"/>
+            </a:endParaRPr>
           </a:p>
         </p:txBody>
       </p:sp>
@@ -7360,22 +8028,20 @@
           <a:bodyPr/>
           <a:p>
             <a:r>
-              <a:rPr lang="ru-RU">
-                <a:sym typeface="+mn-ea"/>
-              </a:rPr>
-              <a:t>Инструментарий</a:t>
-            </a:r>
-            <a:r>
-              <a:rPr lang="ru-RU" altLang="en-US">
-                <a:sym typeface="+mn-ea"/>
-              </a:rPr>
-              <a:t> </a:t>
-            </a:r>
-            <a:r>
-              <a:rPr lang="en-US" altLang="ru-RU">
-                <a:sym typeface="+mn-ea"/>
-              </a:rPr>
-              <a:t>: FsLab</a:t>
+              <a:rPr lang="ru-RU" altLang="en-US"/>
+              <a:t>Инструментарий </a:t>
+            </a:r>
+            <a:r>
+              <a:rPr lang="en-US" altLang="ru-RU"/>
+              <a:t>: </a:t>
+            </a:r>
+            <a:r>
+              <a:rPr lang="ru-RU" altLang="en-US"/>
+              <a:t>переваривая </a:t>
+            </a:r>
+            <a:r>
+              <a:rPr lang="ru-RU" altLang="en-US"/>
+              <a:t>результаты</a:t>
             </a:r>
             <a:endParaRPr lang="ru-RU" altLang="en-US"/>
           </a:p>
@@ -7383,69 +8049,24 @@
       </p:sp>
       <p:sp>
         <p:nvSpPr>
-          <p:cNvPr id="5" name="Замещающий нижний колонтитул 4"/>
-          <p:cNvSpPr>
-            <a:spLocks noGrp="1"/>
-          </p:cNvSpPr>
-          <p:nvPr>
-            <p:ph type="ftr" sz="quarter" idx="11"/>
-          </p:nvPr>
-        </p:nvSpPr>
-        <p:spPr/>
-        <p:txBody>
-          <a:bodyPr/>
-          <a:p>
-            <a:r>
-              <a:rPr lang="ru-RU"/>
-              <a:t>https://github.com/nevoroman/ml-dotnet</a:t>
-            </a:r>
-            <a:endParaRPr lang="ru-RU"/>
-          </a:p>
-        </p:txBody>
-      </p:sp>
-      <p:sp>
-        <p:nvSpPr>
-          <p:cNvPr id="6" name="Замещающий номер слайда 5"/>
-          <p:cNvSpPr>
-            <a:spLocks noGrp="1"/>
-          </p:cNvSpPr>
-          <p:nvPr>
-            <p:ph type="sldNum" sz="quarter" idx="12"/>
-          </p:nvPr>
-        </p:nvSpPr>
-        <p:spPr/>
-        <p:txBody>
-          <a:bodyPr/>
-          <a:p>
-            <a:fld id="{3E82897F-7A41-40D7-BC9E-F666B07C585D}" type="slidenum">
-              <a:rPr lang="ru-RU" smtClean="0"/>
-            </a:fld>
-            <a:endParaRPr lang="ru-RU"/>
-          </a:p>
-        </p:txBody>
-      </p:sp>
-      <p:sp>
-        <p:nvSpPr>
-          <p:cNvPr id="7" name="Замещающее содержимое 6"/>
-          <p:cNvSpPr>
-            <a:spLocks noGrp="1"/>
-          </p:cNvSpPr>
-          <p:nvPr>
-            <p:ph idx="1"/>
+          <p:cNvPr id="3" name="Замещающее содержимое 2"/>
+          <p:cNvSpPr>
+            <a:spLocks noGrp="1"/>
+          </p:cNvSpPr>
+          <p:nvPr>
+            <p:ph sz="half" idx="1"/>
           </p:nvPr>
         </p:nvSpPr>
         <p:spPr>
           <a:xfrm>
-            <a:off x="876300" y="2246630"/>
-            <a:ext cx="10515600" cy="1684655"/>
+            <a:off x="838200" y="1826260"/>
+            <a:ext cx="10629900" cy="4351655"/>
           </a:xfrm>
         </p:spPr>
         <p:txBody>
-          <a:bodyPr>
-            <a:normAutofit lnSpcReduction="20000"/>
-          </a:bodyPr>
-          <a:p>
-            <a:pPr marL="514350" indent="-514350">
+          <a:bodyPr/>
+          <a:p>
+            <a:pPr marL="514350" indent="-514350" fontAlgn="auto">
               <a:buClr>
                 <a:srgbClr val="70AD47"/>
               </a:buClr>
@@ -7454,35 +8075,23 @@
               <a:buChar char="n"/>
             </a:pPr>
             <a:r>
+              <a:rPr lang="en-US" altLang="ru-RU">
+                <a:sym typeface="+mn-ea"/>
+              </a:rPr>
+              <a:t>Accord </a:t>
+            </a:r>
+            <a:r>
               <a:rPr lang="ru-RU" altLang="en-US">
                 <a:sym typeface="+mn-ea"/>
               </a:rPr>
-              <a:t>Объединяет в себе все лучшие инструменты </a:t>
-            </a:r>
-            <a:r>
-              <a:rPr lang="en-US" altLang="ru-RU">
-                <a:sym typeface="+mn-ea"/>
-              </a:rPr>
-              <a:t>Data Scienist'</a:t>
-            </a:r>
-            <a:r>
-              <a:rPr lang="ru-RU" altLang="en-US">
-                <a:sym typeface="+mn-ea"/>
-              </a:rPr>
-              <a:t>а, созданные для </a:t>
-            </a:r>
-            <a:r>
-              <a:rPr lang="en-US" altLang="ru-RU">
-                <a:sym typeface="+mn-ea"/>
-              </a:rPr>
-              <a:t>F#</a:t>
-            </a:r>
-            <a:endParaRPr lang="en-US" altLang="ru-RU">
+              <a:t>отлично показал себя на всех выбранных алгоритмах</a:t>
+            </a:r>
+            <a:endParaRPr lang="ru-RU" altLang="en-US" strike="noStrike" noProof="1">
               <a:sym typeface="+mn-ea"/>
             </a:endParaRPr>
           </a:p>
           <a:p>
-            <a:pPr marL="514350" indent="-514350">
+            <a:pPr marL="514350" indent="-514350" fontAlgn="auto">
               <a:buClr>
                 <a:srgbClr val="70AD47"/>
               </a:buClr>
@@ -7491,17 +8100,23 @@
               <a:buChar char="n"/>
             </a:pPr>
             <a:r>
-              <a:rPr lang="ru-RU" altLang="en-US">
+              <a:rPr lang="en-US" altLang="ru-RU" strike="noStrike" noProof="1">
                 <a:sym typeface="+mn-ea"/>
               </a:rPr>
-              <a:t>Позволяет манипулировать любыми данными в любом виде</a:t>
-            </a:r>
-            <a:endParaRPr lang="ru-RU" altLang="en-US">
+              <a:t>KNN </a:t>
+            </a:r>
+            <a:r>
+              <a:rPr lang="ru-RU" altLang="en-US" strike="noStrike" noProof="1">
+                <a:sym typeface="+mn-ea"/>
+              </a:rPr>
+              <a:t>показал максимальную точность в обоих случаях, а значит - он максимально подходит для этой задачи</a:t>
+            </a:r>
+            <a:endParaRPr lang="ru-RU" altLang="en-US" strike="noStrike" noProof="1">
               <a:sym typeface="+mn-ea"/>
             </a:endParaRPr>
           </a:p>
           <a:p>
-            <a:pPr marL="514350" indent="-514350">
+            <a:pPr marL="514350" indent="-514350" fontAlgn="auto">
               <a:buClr>
                 <a:srgbClr val="70AD47"/>
               </a:buClr>
@@ -7510,27 +8125,109 @@
               <a:buChar char="n"/>
             </a:pPr>
             <a:r>
-              <a:rPr lang="ru-RU" altLang="en-US">
+              <a:rPr lang="ru-RU" altLang="en-US" strike="noStrike" noProof="1">
                 <a:sym typeface="+mn-ea"/>
               </a:rPr>
-              <a:t>Описано в нескольких книгах и отлично документировано</a:t>
-            </a:r>
-            <a:endParaRPr lang="ru-RU" altLang="en-US">
+              <a:t>Скорость и точность, которую показал </a:t>
+            </a:r>
+            <a:r>
+              <a:rPr lang="en-US" altLang="ru-RU" strike="noStrike" noProof="1">
+                <a:sym typeface="+mn-ea"/>
+              </a:rPr>
+              <a:t>Accord, </a:t>
+            </a:r>
+            <a:r>
+              <a:rPr lang="ru-RU" altLang="en-US" strike="noStrike" noProof="1">
+                <a:sym typeface="+mn-ea"/>
+              </a:rPr>
+              <a:t>сравнима с лучшими инструментами на </a:t>
+            </a:r>
+            <a:r>
+              <a:rPr lang="en-US" altLang="ru-RU" strike="noStrike" noProof="1">
+                <a:sym typeface="+mn-ea"/>
+              </a:rPr>
+              <a:t>Python </a:t>
+            </a:r>
+            <a:r>
+              <a:rPr lang="ru-RU" altLang="en-US" strike="noStrike" noProof="1">
+                <a:sym typeface="+mn-ea"/>
+              </a:rPr>
+              <a:t>и </a:t>
+            </a:r>
+            <a:r>
+              <a:rPr lang="en-US" altLang="ru-RU" strike="noStrike" noProof="1">
+                <a:sym typeface="+mn-ea"/>
+              </a:rPr>
+              <a:t>R</a:t>
+            </a:r>
+            <a:endParaRPr lang="en-US" altLang="ru-RU" strike="noStrike" noProof="1">
               <a:sym typeface="+mn-ea"/>
             </a:endParaRPr>
           </a:p>
           <a:p>
-            <a:pPr marL="514350" indent="-514350">
-              <a:buClr>
-                <a:srgbClr val="70AD47"/>
-              </a:buClr>
-              <a:buSzPct val="80000"/>
-              <a:buFont typeface="Wingdings" charset="0"/>
-              <a:buChar char="n"/>
+            <a:pPr marL="0" indent="0" fontAlgn="auto">
+              <a:buNone/>
             </a:pPr>
-            <a:endParaRPr lang="ru-RU" altLang="en-US">
-              <a:sym typeface="+mn-ea"/>
-            </a:endParaRPr>
+            <a:endParaRPr lang="ru-RU" altLang="en-US" strike="noStrike" noProof="1"/>
+          </a:p>
+          <a:p>
+            <a:pPr marL="0" indent="0">
+              <a:buNone/>
+            </a:pPr>
+            <a:endParaRPr lang="ru-RU" altLang="en-US"/>
+          </a:p>
+        </p:txBody>
+      </p:sp>
+      <p:sp>
+        <p:nvSpPr>
+          <p:cNvPr id="5" name="Замещающий нижний колонтитул 4"/>
+          <p:cNvSpPr>
+            <a:spLocks noGrp="1"/>
+          </p:cNvSpPr>
+          <p:nvPr>
+            <p:ph type="ftr" sz="quarter" idx="11"/>
+          </p:nvPr>
+        </p:nvSpPr>
+        <p:spPr/>
+        <p:txBody>
+          <a:bodyPr/>
+          <a:p>
+            <a:pPr fontAlgn="auto"/>
+            <a:r>
+              <a:rPr lang="ru-RU" strike="noStrike" noProof="1">
+                <a:latin typeface="+mn-lt"/>
+                <a:ea typeface="+mn-ea"/>
+                <a:cs typeface="+mn-cs"/>
+              </a:rPr>
+              <a:t>https://github.com/nevoroman/ml-dotnet</a:t>
+            </a:r>
+            <a:endParaRPr lang="ru-RU" strike="noStrike" noProof="1"/>
+          </a:p>
+        </p:txBody>
+      </p:sp>
+      <p:sp>
+        <p:nvSpPr>
+          <p:cNvPr id="6" name="Замещающий номер слайда 5"/>
+          <p:cNvSpPr>
+            <a:spLocks noGrp="1"/>
+          </p:cNvSpPr>
+          <p:nvPr>
+            <p:ph type="sldNum" sz="quarter" idx="12"/>
+          </p:nvPr>
+        </p:nvSpPr>
+        <p:spPr/>
+        <p:txBody>
+          <a:bodyPr/>
+          <a:p>
+            <a:pPr fontAlgn="auto"/>
+            <a:fld id="{3E82897F-7A41-40D7-BC9E-F666B07C585D}" type="slidenum">
+              <a:rPr lang="ru-RU" strike="noStrike" noProof="1" smtClean="0">
+                <a:latin typeface="+mn-lt"/>
+                <a:ea typeface="+mn-ea"/>
+                <a:cs typeface="+mn-cs"/>
+              </a:rPr>
+            </a:fld>
+            <a:endParaRPr lang="ru-RU" strike="noStrike" noProof="1"/>
           </a:p>
         </p:txBody>
       </p:sp>
@@ -7542,7 +8239,7 @@
 </p:sld>
 </file>
 
-<file path=ppt/slides/slide3.xml><?xml version="1.0" encoding="utf-8"?>
+<file path=ppt/slides/slide27.xml><?xml version="1.0" encoding="utf-8"?>
 <p:sld xmlns:a="http://schemas.openxmlformats.org/drawingml/2006/main" xmlns:r="http://schemas.openxmlformats.org/officeDocument/2006/relationships" xmlns:p="http://schemas.openxmlformats.org/presentationml/2006/main">
   <p:cSld>
     <p:spTree>
@@ -7562,23 +8259,148 @@
             <p:ph type="title"/>
           </p:nvPr>
         </p:nvSpPr>
+        <p:spPr/>
+        <p:txBody>
+          <a:bodyPr/>
+          <a:p>
+            <a:r>
+              <a:rPr lang="ru-RU" altLang="en-US"/>
+              <a:t>Инструментарий </a:t>
+            </a:r>
+            <a:r>
+              <a:rPr lang="en-US" altLang="ru-RU"/>
+              <a:t>: </a:t>
+            </a:r>
+            <a:r>
+              <a:rPr lang="ru-RU" altLang="en-US"/>
+              <a:t>ну и зачем нам </a:t>
+            </a:r>
+            <a:r>
+              <a:rPr lang="en-US" altLang="ru-RU"/>
+              <a:t>numl</a:t>
+            </a:r>
+            <a:r>
+              <a:rPr lang="ru-RU" altLang="en-US"/>
+              <a:t>?</a:t>
+            </a:r>
+            <a:endParaRPr lang="ru-RU" altLang="en-US"/>
+          </a:p>
+        </p:txBody>
+      </p:sp>
+      <p:sp>
+        <p:nvSpPr>
+          <p:cNvPr id="5" name="Замещающий нижний колонтитул 4"/>
+          <p:cNvSpPr>
+            <a:spLocks noGrp="1"/>
+          </p:cNvSpPr>
+          <p:nvPr>
+            <p:ph type="ftr" sz="quarter" idx="11"/>
+          </p:nvPr>
+        </p:nvSpPr>
         <p:spPr>
           <a:xfrm>
-            <a:off x="756285" y="1971040"/>
-            <a:ext cx="10515600" cy="1325563"/>
+            <a:off x="2819400" y="6357620"/>
+            <a:ext cx="6629400" cy="365125"/>
           </a:xfrm>
         </p:spPr>
         <p:txBody>
           <a:bodyPr/>
           <a:p>
-            <a:r>
-              <a:rPr lang="ru-RU" altLang="en-US"/>
-              <a:t>Машинное обучение</a:t>
-            </a:r>
-            <a:endParaRPr lang="ru-RU" altLang="en-US"/>
-          </a:p>
-        </p:txBody>
-      </p:sp>
+            <a:pPr fontAlgn="auto"/>
+            <a:r>
+              <a:rPr lang="ru-RU" strike="noStrike" noProof="1">
+                <a:latin typeface="+mn-lt"/>
+                <a:ea typeface="+mn-ea"/>
+                <a:cs typeface="+mn-cs"/>
+              </a:rPr>
+              <a:t>https://github.com/nevoroman/ml-dotnet/tree/master/MLTools</a:t>
+            </a:r>
+            <a:endParaRPr lang="ru-RU" strike="noStrike" noProof="1">
+              <a:latin typeface="+mn-lt"/>
+              <a:ea typeface="+mn-ea"/>
+              <a:cs typeface="+mn-cs"/>
+            </a:endParaRPr>
+          </a:p>
+        </p:txBody>
+      </p:sp>
+      <p:sp>
+        <p:nvSpPr>
+          <p:cNvPr id="6" name="Замещающий номер слайда 5"/>
+          <p:cNvSpPr>
+            <a:spLocks noGrp="1"/>
+          </p:cNvSpPr>
+          <p:nvPr>
+            <p:ph type="sldNum" sz="quarter" idx="12"/>
+          </p:nvPr>
+        </p:nvSpPr>
+        <p:spPr/>
+        <p:txBody>
+          <a:bodyPr/>
+          <a:p>
+            <a:pPr fontAlgn="auto"/>
+            <a:fld id="{3E82897F-7A41-40D7-BC9E-F666B07C585D}" type="slidenum">
+              <a:rPr lang="ru-RU" strike="noStrike" noProof="1" smtClean="0">
+                <a:latin typeface="+mn-lt"/>
+                <a:ea typeface="+mn-ea"/>
+                <a:cs typeface="+mn-cs"/>
+              </a:rPr>
+            </a:fld>
+            <a:endParaRPr lang="ru-RU" strike="noStrike" noProof="1"/>
+          </a:p>
+        </p:txBody>
+      </p:sp>
+      <p:pic>
+        <p:nvPicPr>
+          <p:cNvPr id="7" name="Замещающее содержимое 6"/>
+          <p:cNvPicPr>
+            <a:picLocks noChangeAspect="1"/>
+          </p:cNvPicPr>
+          <p:nvPr>
+            <p:ph sz="half" idx="1"/>
+          </p:nvPr>
+        </p:nvPicPr>
+        <p:blipFill>
+          <a:blip r:embed="rId1"/>
+          <a:stretch>
+            <a:fillRect/>
+          </a:stretch>
+        </p:blipFill>
+        <p:spPr>
+          <a:xfrm>
+            <a:off x="532130" y="1685290"/>
+            <a:ext cx="9063962" cy="1900800"/>
+          </a:xfrm>
+          <a:prstGeom prst="rect">
+            <a:avLst/>
+          </a:prstGeom>
+        </p:spPr>
+      </p:pic>
+      <p:pic>
+        <p:nvPicPr>
+          <p:cNvPr id="8" name="Замещающее содержимое 7"/>
+          <p:cNvPicPr>
+            <a:picLocks noChangeAspect="1"/>
+          </p:cNvPicPr>
+          <p:nvPr>
+            <p:ph sz="half" idx="2"/>
+          </p:nvPr>
+        </p:nvPicPr>
+        <p:blipFill>
+          <a:blip r:embed="rId2"/>
+          <a:stretch>
+            <a:fillRect/>
+          </a:stretch>
+        </p:blipFill>
+        <p:spPr>
+          <a:xfrm>
+            <a:off x="519430" y="3550285"/>
+            <a:ext cx="9061450" cy="1900555"/>
+          </a:xfrm>
+          <a:prstGeom prst="rect">
+            <a:avLst/>
+          </a:prstGeom>
+        </p:spPr>
+      </p:pic>
     </p:spTree>
   </p:cSld>
   <p:clrMapOvr>
@@ -7587,7 +8409,7 @@
 </p:sld>
 </file>
 
-<file path=ppt/slides/slide4.xml><?xml version="1.0" encoding="utf-8"?>
+<file path=ppt/slides/slide28.xml><?xml version="1.0" encoding="utf-8"?>
 <p:sld xmlns:a="http://schemas.openxmlformats.org/drawingml/2006/main" xmlns:r="http://schemas.openxmlformats.org/officeDocument/2006/relationships" xmlns:p="http://schemas.openxmlformats.org/presentationml/2006/main">
   <p:cSld>
     <p:spTree>
@@ -7599,7 +8421,7 @@
       <p:grpSpPr/>
       <p:sp>
         <p:nvSpPr>
-          <p:cNvPr id="5" name="Заголовок 4"/>
+          <p:cNvPr id="28673" name="Заголовок 1"/>
           <p:cNvSpPr>
             <a:spLocks noGrp="1"/>
           </p:cNvSpPr>
@@ -7609,137 +8431,152 @@
         </p:nvSpPr>
         <p:spPr/>
         <p:txBody>
-          <a:bodyPr>
-            <a:normAutofit/>
-          </a:bodyPr>
-          <a:p>
-            <a:r>
-              <a:rPr lang="ru-RU" altLang="en-US"/>
-              <a:t>Машинное обучение </a:t>
-            </a:r>
-            <a:r>
-              <a:rPr lang="en-US" altLang="ru-RU"/>
-              <a:t>: </a:t>
-            </a:r>
-            <a:r>
-              <a:rPr lang="ru-RU" altLang="en-US"/>
-              <a:t>что это за зверь?</a:t>
-            </a:r>
-            <a:endParaRPr lang="en-US" altLang="ru-RU"/>
-          </a:p>
-        </p:txBody>
-      </p:sp>
-      <p:sp>
-        <p:nvSpPr>
-          <p:cNvPr id="4" name="Замещающее содержимое 3"/>
-          <p:cNvSpPr/>
-          <p:nvPr>
-            <p:ph sz="half" idx="1"/>
-          </p:nvPr>
+          <a:bodyPr lIns="91440" tIns="45720" rIns="91440" bIns="45720" anchor="ctr"/>
+          <a:p>
+            <a:r>
+              <a:rPr lang="ru-RU" altLang="en-US">
+                <a:sym typeface="等线" charset="0"/>
+              </a:rPr>
+              <a:t>Инструментарий </a:t>
+            </a:r>
+            <a:r>
+              <a:rPr lang="en-US" altLang="ru-RU">
+                <a:sym typeface="等线" charset="0"/>
+              </a:rPr>
+              <a:t>: FsLab</a:t>
+            </a:r>
+            <a:endParaRPr lang="en-US" altLang="ru-RU">
+              <a:sym typeface="等线" charset="0"/>
+            </a:endParaRPr>
+          </a:p>
+        </p:txBody>
+      </p:sp>
+      <p:sp>
+        <p:nvSpPr>
+          <p:cNvPr id="5" name="Замещающий нижний колонтитул 4"/>
+          <p:cNvSpPr>
+            <a:spLocks noGrp="1"/>
+          </p:cNvSpPr>
+          <p:nvPr>
+            <p:ph type="ftr" sz="quarter" idx="11"/>
+          </p:nvPr>
+        </p:nvSpPr>
+        <p:spPr/>
+        <p:txBody>
+          <a:bodyPr vert="horz" lIns="91440" tIns="45720" rIns="91440" bIns="45720" rtlCol="0" anchor="ctr"/>
+          <a:p>
+            <a:pPr fontAlgn="auto"/>
+            <a:r>
+              <a:rPr lang="ru-RU" strike="noStrike" noProof="1">
+                <a:latin typeface="+mn-lt"/>
+                <a:ea typeface="+mn-ea"/>
+                <a:cs typeface="+mn-cs"/>
+              </a:rPr>
+              <a:t>https://github.com/nevoroman/ml-dotnet</a:t>
+            </a:r>
+            <a:endParaRPr lang="ru-RU" strike="noStrike" noProof="1"/>
+          </a:p>
+        </p:txBody>
+      </p:sp>
+      <p:sp>
+        <p:nvSpPr>
+          <p:cNvPr id="6" name="Замещающий номер слайда 5"/>
+          <p:cNvSpPr>
+            <a:spLocks noGrp="1"/>
+          </p:cNvSpPr>
+          <p:nvPr>
+            <p:ph type="sldNum" sz="quarter" idx="12"/>
+          </p:nvPr>
+        </p:nvSpPr>
+        <p:spPr/>
+        <p:txBody>
+          <a:bodyPr vert="horz" lIns="91440" tIns="45720" rIns="91440" bIns="45720" rtlCol="0" anchor="ctr"/>
+          <a:p>
+            <a:pPr fontAlgn="auto"/>
+            <a:fld id="{3E82897F-7A41-40D7-BC9E-F666B07C585D}" type="slidenum">
+              <a:rPr lang="ru-RU" strike="noStrike" noProof="1" smtClean="0">
+                <a:latin typeface="+mn-lt"/>
+                <a:ea typeface="+mn-ea"/>
+                <a:cs typeface="+mn-cs"/>
+              </a:rPr>
+            </a:fld>
+            <a:endParaRPr lang="ru-RU" strike="noStrike" noProof="1"/>
+          </a:p>
+        </p:txBody>
+      </p:sp>
+      <p:sp>
+        <p:nvSpPr>
+          <p:cNvPr id="14341" name="Текстовое поле 7"/>
+          <p:cNvSpPr txBox="1"/>
+          <p:nvPr/>
         </p:nvSpPr>
         <p:spPr>
           <a:xfrm>
-            <a:off x="922655" y="2616835"/>
-            <a:ext cx="9617075" cy="2093595"/>
+            <a:off x="868998" y="1608455"/>
+            <a:ext cx="10553700" cy="887730"/>
           </a:xfrm>
+          <a:prstGeom prst="rect">
+            <a:avLst/>
+          </a:prstGeom>
+          <a:noFill/>
+          <a:ln w="9525">
+            <a:noFill/>
+            <a:miter/>
+          </a:ln>
         </p:spPr>
         <p:txBody>
-          <a:bodyPr/>
-          <a:p>
-            <a:pPr marL="0" indent="0">
-              <a:buNone/>
-            </a:pPr>
-            <a:r>
-              <a:rPr lang="ru-RU" altLang="en-US">
-                <a:latin typeface="Times New Roman" charset="0"/>
-              </a:rPr>
-              <a:t>«</a:t>
-            </a:r>
-            <a:r>
-              <a:rPr lang="en-US" altLang="ru-RU">
-                <a:latin typeface="Times New Roman" charset="0"/>
-              </a:rPr>
-              <a:t>Machine Learning is the field of study that gives computers the ability to learn without being explicitly programmed</a:t>
-            </a:r>
-            <a:r>
-              <a:rPr lang="ru-RU" altLang="en-US">
-                <a:latin typeface="Times New Roman" charset="0"/>
-              </a:rPr>
-              <a:t>»</a:t>
-            </a:r>
-            <a:endParaRPr lang="ru-RU" altLang="en-US">
-              <a:latin typeface="Times New Roman" charset="0"/>
+          <a:bodyPr wrap="square" anchor="t">
+            <a:spAutoFit/>
+          </a:bodyPr>
+          <a:p>
+            <a:pPr lvl="0"/>
+            <a:r>
+              <a:rPr lang="ru-RU" altLang="en-US" sz="2600">
+                <a:latin typeface="Calibri" charset="0"/>
+                <a:ea typeface="等线" charset="0"/>
+              </a:rPr>
+              <a:t>Объединяет в себе все лучшие инструменты манипулирования данными, созданные для </a:t>
+            </a:r>
+            <a:r>
+              <a:rPr lang="en-US" altLang="ru-RU" sz="2600">
+                <a:latin typeface="Calibri" charset="0"/>
+                <a:ea typeface="等线" charset="0"/>
+              </a:rPr>
+              <a:t>F#</a:t>
+            </a:r>
+            <a:endParaRPr lang="en-US" altLang="ru-RU" sz="2600">
+              <a:latin typeface="Calibri" charset="0"/>
+              <a:ea typeface="等线" charset="0"/>
             </a:endParaRPr>
           </a:p>
-          <a:p>
-            <a:pPr marL="0" indent="0" algn="r">
-              <a:buNone/>
-            </a:pPr>
-            <a:r>
-              <a:rPr lang="ru-RU" altLang="en-US">
-                <a:latin typeface="Times New Roman" charset="0"/>
-              </a:rPr>
-              <a:t>— </a:t>
-            </a:r>
-            <a:r>
-              <a:rPr lang="en-US" altLang="ru-RU">
-                <a:latin typeface="Times New Roman" charset="0"/>
-              </a:rPr>
-              <a:t>Prof. Arthur Samuel </a:t>
-            </a:r>
-            <a:endParaRPr lang="en-US" altLang="ru-RU">
-              <a:latin typeface="Times New Roman" charset="0"/>
-            </a:endParaRPr>
-          </a:p>
-        </p:txBody>
-      </p:sp>
-      <p:sp>
-        <p:nvSpPr>
-          <p:cNvPr id="8" name="Замещающий номер слайда 7"/>
-          <p:cNvSpPr>
-            <a:spLocks noGrp="1"/>
-          </p:cNvSpPr>
-          <p:nvPr>
-            <p:ph type="sldNum" sz="quarter" idx="12"/>
-          </p:nvPr>
-        </p:nvSpPr>
-        <p:spPr/>
-        <p:txBody>
-          <a:bodyPr/>
-          <a:p>
-            <a:fld id="{3E82897F-7A41-40D7-BC9E-F666B07C585D}" type="slidenum">
-              <a:rPr lang="ru-RU" smtClean="0"/>
-            </a:fld>
-            <a:endParaRPr lang="ru-RU"/>
-          </a:p>
-        </p:txBody>
-      </p:sp>
-      <p:sp>
-        <p:nvSpPr>
-          <p:cNvPr id="9" name="Замещающий нижний колонтитул 8"/>
-          <p:cNvSpPr>
-            <a:spLocks noGrp="1"/>
-          </p:cNvSpPr>
-          <p:nvPr>
-            <p:ph type="ftr" sz="quarter" idx="11"/>
-          </p:nvPr>
-        </p:nvSpPr>
-        <p:spPr/>
-        <p:txBody>
-          <a:bodyPr/>
-          <a:p>
-            <a:r>
-              <a:rPr lang="ru-RU"/>
-              <a:t>https://github.com/nevoroman/ml-dotnet</a:t>
-            </a:r>
-            <a:r>
-              <a:rPr lang="en-US" altLang="ru-RU"/>
-              <a:t>/MLIntro</a:t>
-            </a:r>
-            <a:endParaRPr lang="en-US" altLang="ru-RU"/>
-          </a:p>
-        </p:txBody>
-      </p:sp>
+        </p:txBody>
+      </p:sp>
+      <p:pic>
+        <p:nvPicPr>
+          <p:cNvPr id="2" name="Замещающее содержимое 1"/>
+          <p:cNvPicPr>
+            <a:picLocks noChangeAspect="1"/>
+          </p:cNvPicPr>
+          <p:nvPr>
+            <p:ph idx="1"/>
+          </p:nvPr>
+        </p:nvPicPr>
+        <p:blipFill>
+          <a:blip r:embed="rId1"/>
+          <a:stretch>
+            <a:fillRect/>
+          </a:stretch>
+        </p:blipFill>
+        <p:spPr>
+          <a:xfrm>
+            <a:off x="1864360" y="3048635"/>
+            <a:ext cx="8165465" cy="2498090"/>
+          </a:xfrm>
+          <a:prstGeom prst="rect">
+            <a:avLst/>
+          </a:prstGeom>
+        </p:spPr>
+      </p:pic>
     </p:spTree>
   </p:cSld>
   <p:clrMapOvr>
@@ -7748,7 +8585,7 @@
 </p:sld>
 </file>
 
-<file path=ppt/slides/slide5.xml><?xml version="1.0" encoding="utf-8"?>
+<file path=ppt/slides/slide29.xml><?xml version="1.0" encoding="utf-8"?>
 <p:sld xmlns:a="http://schemas.openxmlformats.org/drawingml/2006/main" xmlns:r="http://schemas.openxmlformats.org/officeDocument/2006/relationships" xmlns:p="http://schemas.openxmlformats.org/presentationml/2006/main">
   <p:cSld>
     <p:spTree>
@@ -7760,637 +8597,28 @@
       <p:grpSpPr/>
       <p:sp>
         <p:nvSpPr>
-          <p:cNvPr id="6" name="Заголовок 5"/>
-          <p:cNvSpPr>
-            <a:spLocks noGrp="1"/>
-          </p:cNvSpPr>
-          <p:nvPr>
-            <p:ph type="title"/>
-          </p:nvPr>
-        </p:nvSpPr>
-        <p:spPr/>
-        <p:txBody>
-          <a:bodyPr>
-            <a:normAutofit/>
-          </a:bodyPr>
-          <a:p>
-            <a:r>
-              <a:rPr lang="ru-RU" altLang="en-US"/>
-              <a:t>Машинное обучение </a:t>
-            </a:r>
-            <a:r>
-              <a:rPr lang="en-US" altLang="ru-RU"/>
-              <a:t>: </a:t>
-            </a:r>
-            <a:r>
-              <a:rPr lang="ru-RU" altLang="en-US"/>
-              <a:t>когда использовать?</a:t>
-            </a:r>
-            <a:endParaRPr lang="ru-RU" altLang="en-US"/>
-          </a:p>
-        </p:txBody>
-      </p:sp>
-      <p:sp>
-        <p:nvSpPr>
-          <p:cNvPr id="8" name="Текстовое поле 7"/>
-          <p:cNvSpPr txBox="1"/>
+          <p:cNvPr id="19457" name="Заголовок 1"/>
+          <p:cNvSpPr>
+            <a:spLocks noGrp="1"/>
+          </p:cNvSpPr>
           <p:nvPr/>
         </p:nvSpPr>
         <p:spPr>
           <a:xfrm>
-            <a:off x="893445" y="2257425"/>
-            <a:ext cx="9723120" cy="2534285"/>
+            <a:off x="755650" y="1971675"/>
+            <a:ext cx="10515600" cy="1325563"/>
           </a:xfrm>
           <a:prstGeom prst="rect">
             <a:avLst/>
           </a:prstGeom>
           <a:noFill/>
+          <a:ln w="9525">
+            <a:noFill/>
+            <a:miter/>
+          </a:ln>
         </p:spPr>
         <p:txBody>
-          <a:bodyPr wrap="square" rtlCol="0" anchor="t">
-            <a:spAutoFit/>
-          </a:bodyPr>
-          <a:p>
-            <a:pPr marL="514350" indent="-514350">
-              <a:buClr>
-                <a:srgbClr val="70AD47"/>
-              </a:buClr>
-              <a:buSzPct val="80000"/>
-              <a:buFont typeface="Wingdings" charset="0"/>
-              <a:buChar char="n"/>
-            </a:pPr>
-            <a:r>
-              <a:rPr lang="ru-RU" altLang="en-US" sz="3200"/>
-              <a:t>Когда трудно описать алгоритм решения задачи</a:t>
-            </a:r>
-            <a:endParaRPr lang="ru-RU" altLang="ru-RU" sz="3200"/>
-          </a:p>
-          <a:p>
-            <a:pPr marL="514350" indent="-514350">
-              <a:buClr>
-                <a:srgbClr val="70AD47"/>
-              </a:buClr>
-              <a:buSzPct val="80000"/>
-              <a:buFont typeface="Wingdings" charset="0"/>
-              <a:buChar char="n"/>
-            </a:pPr>
-            <a:r>
-              <a:rPr lang="ru-RU" sz="3200"/>
-              <a:t>Когда нужно предугадать некоторые значения, имея большой набор данных</a:t>
-            </a:r>
-            <a:endParaRPr lang="ru-RU" sz="3200"/>
-          </a:p>
-          <a:p>
-            <a:pPr marL="514350" indent="-514350">
-              <a:buClr>
-                <a:srgbClr val="70AD47"/>
-              </a:buClr>
-              <a:buSzPct val="80000"/>
-              <a:buFont typeface="Wingdings" charset="0"/>
-              <a:buChar char="n"/>
-            </a:pPr>
-            <a:r>
-              <a:rPr lang="ru-RU" sz="3200"/>
-              <a:t>Когда вы хотите улучшить работу имеющегося алгоритма за счет накопления опыта</a:t>
-            </a:r>
-            <a:endParaRPr lang="ru-RU" sz="3200"/>
-          </a:p>
-        </p:txBody>
-      </p:sp>
-      <p:sp>
-        <p:nvSpPr>
-          <p:cNvPr id="7" name="Замещающий номер слайда 6"/>
-          <p:cNvSpPr>
-            <a:spLocks noGrp="1"/>
-          </p:cNvSpPr>
-          <p:nvPr>
-            <p:ph type="sldNum" sz="quarter" idx="12"/>
-          </p:nvPr>
-        </p:nvSpPr>
-        <p:spPr/>
-        <p:txBody>
-          <a:bodyPr/>
-          <a:p>
-            <a:fld id="{3E82897F-7A41-40D7-BC9E-F666B07C585D}" type="slidenum">
-              <a:rPr lang="ru-RU" smtClean="0"/>
-            </a:fld>
-            <a:endParaRPr lang="ru-RU"/>
-          </a:p>
-        </p:txBody>
-      </p:sp>
-      <p:sp>
-        <p:nvSpPr>
-          <p:cNvPr id="9" name="Замещающий нижний колонтитул 8"/>
-          <p:cNvSpPr>
-            <a:spLocks noGrp="1"/>
-          </p:cNvSpPr>
-          <p:nvPr>
-            <p:ph type="ftr" sz="quarter" idx="11"/>
-          </p:nvPr>
-        </p:nvSpPr>
-        <p:spPr/>
-        <p:txBody>
-          <a:bodyPr/>
-          <a:p>
-            <a:r>
-              <a:rPr lang="ru-RU"/>
-              <a:t>https://github.com/nevoroman/ml-dotnet</a:t>
-            </a:r>
-            <a:r>
-              <a:rPr lang="en-US" altLang="ru-RU"/>
-              <a:t>/MLIntro</a:t>
-            </a:r>
-            <a:endParaRPr lang="en-US" altLang="ru-RU"/>
-          </a:p>
-        </p:txBody>
-      </p:sp>
-    </p:spTree>
-  </p:cSld>
-  <p:clrMapOvr>
-    <a:masterClrMapping/>
-  </p:clrMapOvr>
-</p:sld>
-</file>
-
-<file path=ppt/slides/slide6.xml><?xml version="1.0" encoding="utf-8"?>
-<p:sld xmlns:a="http://schemas.openxmlformats.org/drawingml/2006/main" xmlns:r="http://schemas.openxmlformats.org/officeDocument/2006/relationships" xmlns:p="http://schemas.openxmlformats.org/presentationml/2006/main">
-  <p:cSld>
-    <p:spTree>
-      <p:nvGrpSpPr>
-        <p:cNvPr id="1" name=""/>
-        <p:cNvGrpSpPr/>
-        <p:nvPr/>
-      </p:nvGrpSpPr>
-      <p:grpSpPr/>
-      <p:sp>
-        <p:nvSpPr>
-          <p:cNvPr id="6" name="Заголовок 5"/>
-          <p:cNvSpPr>
-            <a:spLocks noGrp="1"/>
-          </p:cNvSpPr>
-          <p:nvPr>
-            <p:ph type="title"/>
-          </p:nvPr>
-        </p:nvSpPr>
-        <p:spPr/>
-        <p:txBody>
-          <a:bodyPr>
-            <a:normAutofit/>
-          </a:bodyPr>
-          <a:p>
-            <a:r>
-              <a:rPr lang="ru-RU" altLang="en-US"/>
-              <a:t>Машинное обучение </a:t>
-            </a:r>
-            <a:r>
-              <a:rPr lang="en-US" altLang="ru-RU"/>
-              <a:t>: </a:t>
-            </a:r>
-            <a:r>
-              <a:rPr lang="ru-RU" altLang="en-US"/>
-              <a:t>зачем мне это</a:t>
-            </a:r>
-            <a:r>
-              <a:rPr lang="ru-RU" altLang="en-US"/>
-              <a:t>?</a:t>
-            </a:r>
-            <a:endParaRPr lang="ru-RU" altLang="en-US"/>
-          </a:p>
-        </p:txBody>
-      </p:sp>
-      <p:sp>
-        <p:nvSpPr>
-          <p:cNvPr id="8" name="Текстовое поле 7"/>
-          <p:cNvSpPr txBox="1"/>
-          <p:nvPr/>
-        </p:nvSpPr>
-        <p:spPr>
-          <a:xfrm>
-            <a:off x="855345" y="2219325"/>
-            <a:ext cx="9723120" cy="2046605"/>
-          </a:xfrm>
-          <a:prstGeom prst="rect">
-            <a:avLst/>
-          </a:prstGeom>
-          <a:noFill/>
-        </p:spPr>
-        <p:txBody>
-          <a:bodyPr wrap="square" rtlCol="0" anchor="t">
-            <a:spAutoFit/>
-          </a:bodyPr>
-          <a:p>
-            <a:pPr marL="514350" indent="-514350">
-              <a:buClr>
-                <a:srgbClr val="70AD47"/>
-              </a:buClr>
-              <a:buSzPct val="80000"/>
-              <a:buFont typeface="Wingdings" charset="0"/>
-              <a:buChar char="n"/>
-            </a:pPr>
-            <a:r>
-              <a:rPr lang="ru-RU" altLang="ru-RU" sz="3200"/>
-              <a:t>Позволяет легко решать трудные задачки</a:t>
-            </a:r>
-            <a:endParaRPr lang="ru-RU" altLang="ru-RU" sz="3200"/>
-          </a:p>
-          <a:p>
-            <a:pPr marL="514350" indent="-514350">
-              <a:buClr>
-                <a:srgbClr val="70AD47"/>
-              </a:buClr>
-              <a:buSzPct val="80000"/>
-              <a:buFont typeface="Wingdings" charset="0"/>
-              <a:buChar char="n"/>
-            </a:pPr>
-            <a:r>
-              <a:rPr lang="ru-RU" sz="3200"/>
-              <a:t>Базовые навыки легко осваиваются и полезны в других областях</a:t>
-            </a:r>
-            <a:endParaRPr lang="ru-RU" sz="3200"/>
-          </a:p>
-          <a:p>
-            <a:pPr marL="514350" indent="-514350">
-              <a:buClr>
-                <a:srgbClr val="70AD47"/>
-              </a:buClr>
-              <a:buSzPct val="80000"/>
-              <a:buFont typeface="Wingdings" charset="0"/>
-              <a:buChar char="n"/>
-            </a:pPr>
-            <a:r>
-              <a:rPr lang="ru-RU" sz="3200"/>
-              <a:t>Это чертовски весело!</a:t>
-            </a:r>
-            <a:endParaRPr lang="ru-RU" sz="3200"/>
-          </a:p>
-        </p:txBody>
-      </p:sp>
-      <p:sp>
-        <p:nvSpPr>
-          <p:cNvPr id="5" name="Замещающий номер слайда 4"/>
-          <p:cNvSpPr>
-            <a:spLocks noGrp="1"/>
-          </p:cNvSpPr>
-          <p:nvPr>
-            <p:ph type="sldNum" sz="quarter" idx="12"/>
-          </p:nvPr>
-        </p:nvSpPr>
-        <p:spPr/>
-        <p:txBody>
-          <a:bodyPr/>
-          <a:p>
-            <a:fld id="{3E82897F-7A41-40D7-BC9E-F666B07C585D}" type="slidenum">
-              <a:rPr lang="ru-RU" smtClean="0"/>
-            </a:fld>
-            <a:endParaRPr lang="ru-RU"/>
-          </a:p>
-        </p:txBody>
-      </p:sp>
-      <p:sp>
-        <p:nvSpPr>
-          <p:cNvPr id="7" name="Замещающий нижний колонтитул 6"/>
-          <p:cNvSpPr>
-            <a:spLocks noGrp="1"/>
-          </p:cNvSpPr>
-          <p:nvPr>
-            <p:ph type="ftr" sz="quarter" idx="11"/>
-          </p:nvPr>
-        </p:nvSpPr>
-        <p:spPr/>
-        <p:txBody>
-          <a:bodyPr/>
-          <a:p>
-            <a:r>
-              <a:rPr lang="ru-RU"/>
-              <a:t>https://github.com/nevoroman/ml-dotnet</a:t>
-            </a:r>
-            <a:r>
-              <a:rPr lang="en-US" altLang="ru-RU"/>
-              <a:t>/MLIntro</a:t>
-            </a:r>
-            <a:endParaRPr lang="en-US" altLang="ru-RU"/>
-          </a:p>
-        </p:txBody>
-      </p:sp>
-    </p:spTree>
-  </p:cSld>
-  <p:clrMapOvr>
-    <a:masterClrMapping/>
-  </p:clrMapOvr>
-</p:sld>
-</file>
-
-<file path=ppt/slides/slide7.xml><?xml version="1.0" encoding="utf-8"?>
-<p:sld xmlns:a="http://schemas.openxmlformats.org/drawingml/2006/main" xmlns:r="http://schemas.openxmlformats.org/officeDocument/2006/relationships" xmlns:p="http://schemas.openxmlformats.org/presentationml/2006/main">
-  <p:cSld>
-    <p:spTree>
-      <p:nvGrpSpPr>
-        <p:cNvPr id="1" name=""/>
-        <p:cNvGrpSpPr/>
-        <p:nvPr/>
-      </p:nvGrpSpPr>
-      <p:grpSpPr/>
-      <p:sp>
-        <p:nvSpPr>
-          <p:cNvPr id="2" name="Заголовок 1"/>
-          <p:cNvSpPr>
-            <a:spLocks noGrp="1"/>
-          </p:cNvSpPr>
-          <p:nvPr>
-            <p:ph type="title"/>
-          </p:nvPr>
-        </p:nvSpPr>
-        <p:spPr>
-          <a:xfrm>
-            <a:off x="756285" y="1971040"/>
-            <a:ext cx="10515600" cy="1325563"/>
-          </a:xfrm>
-        </p:spPr>
-        <p:txBody>
-          <a:bodyPr>
-            <a:normAutofit/>
-          </a:bodyPr>
-          <a:p>
-            <a:r>
-              <a:rPr lang="en-US"/>
-              <a:t>ML </a:t>
-            </a:r>
-            <a:r>
-              <a:rPr lang="ru-RU" altLang="en-US"/>
-              <a:t>и </a:t>
-            </a:r>
-            <a:r>
-              <a:rPr lang="en-US" altLang="ru-RU"/>
-              <a:t>.NET</a:t>
-            </a:r>
-            <a:r>
-              <a:rPr lang="ru-RU" altLang="en-US"/>
-              <a:t> </a:t>
-            </a:r>
-            <a:endParaRPr lang="ru-RU" altLang="en-US"/>
-          </a:p>
-        </p:txBody>
-      </p:sp>
-    </p:spTree>
-  </p:cSld>
-  <p:clrMapOvr>
-    <a:masterClrMapping/>
-  </p:clrMapOvr>
-</p:sld>
-</file>
-
-<file path=ppt/slides/slide8.xml><?xml version="1.0" encoding="utf-8"?>
-<p:sld xmlns:a="http://schemas.openxmlformats.org/drawingml/2006/main" xmlns:r="http://schemas.openxmlformats.org/officeDocument/2006/relationships" xmlns:p="http://schemas.openxmlformats.org/presentationml/2006/main">
-  <p:cSld>
-    <p:spTree>
-      <p:nvGrpSpPr>
-        <p:cNvPr id="1" name=""/>
-        <p:cNvGrpSpPr/>
-        <p:nvPr/>
-      </p:nvGrpSpPr>
-      <p:grpSpPr/>
-      <p:sp>
-        <p:nvSpPr>
-          <p:cNvPr id="2" name="Заголовок 1"/>
-          <p:cNvSpPr>
-            <a:spLocks noGrp="1"/>
-          </p:cNvSpPr>
-          <p:nvPr>
-            <p:ph type="title"/>
-          </p:nvPr>
-        </p:nvSpPr>
-        <p:spPr/>
-        <p:txBody>
-          <a:bodyPr/>
-          <a:p>
-            <a:r>
-              <a:rPr lang="en-US">
-                <a:sym typeface="+mn-ea"/>
-              </a:rPr>
-              <a:t>ML </a:t>
-            </a:r>
-            <a:r>
-              <a:rPr lang="ru-RU" altLang="en-US">
-                <a:sym typeface="+mn-ea"/>
-              </a:rPr>
-              <a:t>и </a:t>
-            </a:r>
-            <a:r>
-              <a:rPr lang="en-US" altLang="ru-RU">
-                <a:sym typeface="+mn-ea"/>
-              </a:rPr>
-              <a:t>.NET</a:t>
-            </a:r>
-            <a:r>
-              <a:rPr lang="ru-RU" altLang="en-US">
-                <a:sym typeface="+mn-ea"/>
-              </a:rPr>
-              <a:t> </a:t>
-            </a:r>
-            <a:r>
-              <a:rPr lang="en-US" altLang="ru-RU">
-                <a:sym typeface="+mn-ea"/>
-              </a:rPr>
-              <a:t>: </a:t>
-            </a:r>
-            <a:r>
-              <a:rPr lang="ru-RU" altLang="en-US">
-                <a:sym typeface="+mn-ea"/>
-              </a:rPr>
-              <a:t>мы этого точно хотим?</a:t>
-            </a:r>
-            <a:endParaRPr lang="ru-RU" altLang="en-US">
-              <a:sym typeface="+mn-ea"/>
-            </a:endParaRPr>
-          </a:p>
-        </p:txBody>
-      </p:sp>
-      <p:sp>
-        <p:nvSpPr>
-          <p:cNvPr id="4" name="Замещающий нижний колонтитул 3"/>
-          <p:cNvSpPr>
-            <a:spLocks noGrp="1"/>
-          </p:cNvSpPr>
-          <p:nvPr>
-            <p:ph type="ftr" sz="quarter" idx="11"/>
-          </p:nvPr>
-        </p:nvSpPr>
-        <p:spPr/>
-        <p:txBody>
-          <a:bodyPr/>
-          <a:p>
-            <a:r>
-              <a:rPr lang="ru-RU"/>
-              <a:t>https://github.com/nevoroman/ml-dotnet</a:t>
-            </a:r>
-            <a:r>
-              <a:rPr lang="en-US" altLang="ru-RU"/>
-              <a:t>/ML&amp;Dotnet</a:t>
-            </a:r>
-            <a:endParaRPr lang="en-US" altLang="ru-RU"/>
-          </a:p>
-        </p:txBody>
-      </p:sp>
-      <p:sp>
-        <p:nvSpPr>
-          <p:cNvPr id="5" name="Замещающий номер слайда 4"/>
-          <p:cNvSpPr>
-            <a:spLocks noGrp="1"/>
-          </p:cNvSpPr>
-          <p:nvPr>
-            <p:ph type="sldNum" sz="quarter" idx="12"/>
-          </p:nvPr>
-        </p:nvSpPr>
-        <p:spPr/>
-        <p:txBody>
-          <a:bodyPr/>
-          <a:p>
-            <a:fld id="{3E82897F-7A41-40D7-BC9E-F666B07C585D}" type="slidenum">
-              <a:rPr lang="ru-RU" smtClean="0"/>
-            </a:fld>
-            <a:endParaRPr lang="ru-RU"/>
-          </a:p>
-        </p:txBody>
-      </p:sp>
-      <p:sp>
-        <p:nvSpPr>
-          <p:cNvPr id="8" name="Текстовое поле 7"/>
-          <p:cNvSpPr txBox="1"/>
-          <p:nvPr/>
-        </p:nvSpPr>
-        <p:spPr>
-          <a:xfrm>
-            <a:off x="893445" y="2257425"/>
-            <a:ext cx="9723120" cy="2534285"/>
-          </a:xfrm>
-          <a:prstGeom prst="rect">
-            <a:avLst/>
-          </a:prstGeom>
-          <a:noFill/>
-        </p:spPr>
-        <p:txBody>
-          <a:bodyPr wrap="square" rtlCol="0" anchor="t">
-            <a:spAutoFit/>
-          </a:bodyPr>
-          <a:p>
-            <a:pPr marL="514350" indent="-514350">
-              <a:buClr>
-                <a:srgbClr val="70AD47"/>
-              </a:buClr>
-              <a:buSzPct val="80000"/>
-              <a:buFont typeface="Wingdings" charset="0"/>
-              <a:buChar char="n"/>
-            </a:pPr>
-            <a:r>
-              <a:rPr lang="en-US" altLang="ru-RU" sz="3200"/>
-              <a:t>.NET </a:t>
-            </a:r>
-            <a:r>
-              <a:rPr lang="ru-RU" altLang="en-US" sz="3200"/>
-              <a:t>имеет кучу клевых инструментов для работы с данными</a:t>
-            </a:r>
-            <a:endParaRPr lang="ru-RU" altLang="en-US" sz="3200"/>
-          </a:p>
-          <a:p>
-            <a:pPr marL="514350" indent="-514350">
-              <a:buClr>
-                <a:srgbClr val="70AD47"/>
-              </a:buClr>
-              <a:buSzPct val="80000"/>
-              <a:buFont typeface="Wingdings" charset="0"/>
-              <a:buChar char="n"/>
-            </a:pPr>
-            <a:r>
-              <a:rPr lang="ru-RU" sz="3200"/>
-              <a:t>Позволяет встраивать алгоритмы машинного обучения, не выходя из уютного дотнета</a:t>
-            </a:r>
-            <a:endParaRPr lang="ru-RU" sz="3200"/>
-          </a:p>
-          <a:p>
-            <a:pPr marL="514350" indent="-514350">
-              <a:buClr>
-                <a:srgbClr val="70AD47"/>
-              </a:buClr>
-              <a:buSzPct val="80000"/>
-              <a:buFont typeface="Wingdings" charset="0"/>
-              <a:buChar char="n"/>
-            </a:pPr>
-            <a:r>
-              <a:rPr lang="en-US" altLang="ru-RU" sz="3200"/>
-              <a:t>F#</a:t>
-            </a:r>
-            <a:endParaRPr lang="en-US" altLang="ru-RU" sz="3200"/>
-          </a:p>
-        </p:txBody>
-      </p:sp>
-    </p:spTree>
-  </p:cSld>
-  <p:clrMapOvr>
-    <a:masterClrMapping/>
-  </p:clrMapOvr>
-</p:sld>
-</file>
-
-<file path=ppt/slides/slide9.xml><?xml version="1.0" encoding="utf-8"?>
-<p:sld xmlns:a="http://schemas.openxmlformats.org/drawingml/2006/main" xmlns:r="http://schemas.openxmlformats.org/officeDocument/2006/relationships" xmlns:p="http://schemas.openxmlformats.org/presentationml/2006/main">
-  <p:cSld>
-    <p:spTree>
-      <p:nvGrpSpPr>
-        <p:cNvPr id="1" name=""/>
-        <p:cNvGrpSpPr/>
-        <p:nvPr/>
-      </p:nvGrpSpPr>
-      <p:grpSpPr/>
-      <p:sp>
-        <p:nvSpPr>
-          <p:cNvPr id="6" name="Заголовок 5"/>
-          <p:cNvSpPr>
-            <a:spLocks noGrp="1"/>
-          </p:cNvSpPr>
-          <p:nvPr>
-            <p:ph type="title"/>
-          </p:nvPr>
-        </p:nvSpPr>
-        <p:spPr>
-          <a:xfrm>
-            <a:off x="2851785" y="1973580"/>
-            <a:ext cx="5372100" cy="4373245"/>
-          </a:xfrm>
-        </p:spPr>
-        <p:txBody>
-          <a:bodyPr>
-            <a:noAutofit/>
-          </a:bodyPr>
-          <a:p>
-            <a:r>
-              <a:rPr lang="en-US" sz="40000"/>
-              <a:t>F#</a:t>
-            </a:r>
-            <a:endParaRPr lang="en-US" sz="40000"/>
-          </a:p>
-        </p:txBody>
-      </p:sp>
-      <p:sp>
-        <p:nvSpPr>
-          <p:cNvPr id="7" name="Заголовок 1"/>
-          <p:cNvSpPr>
-            <a:spLocks noGrp="1"/>
-          </p:cNvSpPr>
-          <p:nvPr/>
-        </p:nvSpPr>
-        <p:spPr>
-          <a:xfrm>
-            <a:off x="838200" y="365125"/>
-            <a:ext cx="10515600" cy="1325563"/>
-          </a:xfrm>
-          <a:prstGeom prst="rect">
-            <a:avLst/>
-          </a:prstGeom>
-        </p:spPr>
-        <p:txBody>
-          <a:bodyPr vert="horz" lIns="91440" tIns="45720" rIns="91440" bIns="45720" rtlCol="0" anchor="ctr">
-            <a:normAutofit/>
-          </a:bodyPr>
+          <a:bodyPr lIns="91440" tIns="45720" rIns="91440" bIns="45720" anchor="ctr"/>
           <a:lstStyle>
             <a:lvl1pPr algn="l" defTabSz="914400" rtl="0" eaLnBrk="1" latinLnBrk="0" hangingPunct="1">
               <a:lnSpc>
@@ -8412,43 +8640,1088 @@
           </a:lstStyle>
           <a:p>
             <a:r>
-              <a:rPr lang="en-US">
-                <a:sym typeface="+mn-ea"/>
-              </a:rPr>
+              <a:rPr lang="ru-RU" altLang="en-US"/>
+              <a:t>Спасибо за внимание!</a:t>
+            </a:r>
+            <a:endParaRPr lang="ru-RU" altLang="en-US"/>
+          </a:p>
+        </p:txBody>
+      </p:sp>
+    </p:spTree>
+  </p:cSld>
+  <p:clrMapOvr>
+    <a:masterClrMapping/>
+  </p:clrMapOvr>
+</p:sld>
+</file>
+
+<file path=ppt/slides/slide3.xml><?xml version="1.0" encoding="utf-8"?>
+<p:sld xmlns:a="http://schemas.openxmlformats.org/drawingml/2006/main" xmlns:r="http://schemas.openxmlformats.org/officeDocument/2006/relationships" xmlns:p="http://schemas.openxmlformats.org/presentationml/2006/main">
+  <p:cSld>
+    <p:spTree>
+      <p:nvGrpSpPr>
+        <p:cNvPr id="1" name=""/>
+        <p:cNvGrpSpPr/>
+        <p:nvPr/>
+      </p:nvGrpSpPr>
+      <p:grpSpPr/>
+      <p:sp>
+        <p:nvSpPr>
+          <p:cNvPr id="5121" name="Заголовок 1"/>
+          <p:cNvSpPr>
+            <a:spLocks noGrp="1"/>
+          </p:cNvSpPr>
+          <p:nvPr>
+            <p:ph type="title"/>
+          </p:nvPr>
+        </p:nvSpPr>
+        <p:spPr>
+          <a:xfrm>
+            <a:off x="755650" y="1971675"/>
+            <a:ext cx="10515600" cy="1325563"/>
+          </a:xfrm>
+        </p:spPr>
+        <p:txBody>
+          <a:bodyPr lIns="91440" tIns="45720" rIns="91440" bIns="45720" anchor="ctr"/>
+          <a:p>
+            <a:r>
+              <a:rPr lang="ru-RU" altLang="en-US"/>
+              <a:t>Машинное обучение</a:t>
+            </a:r>
+            <a:endParaRPr lang="ru-RU" altLang="en-US"/>
+          </a:p>
+        </p:txBody>
+      </p:sp>
+    </p:spTree>
+  </p:cSld>
+  <p:clrMapOvr>
+    <a:masterClrMapping/>
+  </p:clrMapOvr>
+</p:sld>
+</file>
+
+<file path=ppt/slides/slide4.xml><?xml version="1.0" encoding="utf-8"?>
+<p:sld xmlns:a="http://schemas.openxmlformats.org/drawingml/2006/main" xmlns:r="http://schemas.openxmlformats.org/officeDocument/2006/relationships" xmlns:p="http://schemas.openxmlformats.org/presentationml/2006/main">
+  <p:cSld>
+    <p:spTree>
+      <p:nvGrpSpPr>
+        <p:cNvPr id="1" name=""/>
+        <p:cNvGrpSpPr/>
+        <p:nvPr/>
+      </p:nvGrpSpPr>
+      <p:grpSpPr/>
+      <p:sp>
+        <p:nvSpPr>
+          <p:cNvPr id="6145" name="Заголовок 4"/>
+          <p:cNvSpPr>
+            <a:spLocks noGrp="1"/>
+          </p:cNvSpPr>
+          <p:nvPr>
+            <p:ph type="title"/>
+          </p:nvPr>
+        </p:nvSpPr>
+        <p:spPr/>
+        <p:txBody>
+          <a:bodyPr lIns="91440" tIns="45720" rIns="91440" bIns="45720" anchor="ctr"/>
+          <a:p>
+            <a:r>
+              <a:rPr lang="ru-RU" altLang="en-US"/>
+              <a:t>Машинное обучение </a:t>
+            </a:r>
+            <a:r>
+              <a:rPr lang="en-US" altLang="ru-RU"/>
+              <a:t>: </a:t>
+            </a:r>
+            <a:r>
+              <a:rPr lang="ru-RU" altLang="en-US"/>
+              <a:t>что это за зверь?</a:t>
+            </a:r>
+            <a:endParaRPr lang="en-US" altLang="ru-RU"/>
+          </a:p>
+        </p:txBody>
+      </p:sp>
+      <p:sp>
+        <p:nvSpPr>
+          <p:cNvPr id="6146" name="Замещающее содержимое 3"/>
+          <p:cNvSpPr>
+            <a:spLocks noGrp="1"/>
+          </p:cNvSpPr>
+          <p:nvPr>
+            <p:ph sz="half" idx="1"/>
+          </p:nvPr>
+        </p:nvSpPr>
+        <p:spPr>
+          <a:xfrm>
+            <a:off x="922338" y="2616200"/>
+            <a:ext cx="9617075" cy="2093913"/>
+          </a:xfrm>
+        </p:spPr>
+        <p:txBody>
+          <a:bodyPr lIns="91440" tIns="45720" rIns="91440" bIns="45720" anchor="t"/>
+          <a:p>
+            <a:pPr marL="0" indent="0">
+              <a:buNone/>
+            </a:pPr>
+            <a:r>
+              <a:rPr lang="ru-RU" altLang="en-US" kern="1200">
+                <a:latin typeface="Times New Roman" charset="0"/>
+              </a:rPr>
+              <a:t>«</a:t>
+            </a:r>
+            <a:r>
+              <a:rPr lang="en-US" altLang="ru-RU" kern="1200">
+                <a:latin typeface="Times New Roman" charset="0"/>
+              </a:rPr>
+              <a:t>Machine Learning is the field of study that gives computers the ability to learn without being explicitly programmed</a:t>
+            </a:r>
+            <a:r>
+              <a:rPr lang="ru-RU" altLang="en-US" kern="1200">
+                <a:latin typeface="Times New Roman" charset="0"/>
+              </a:rPr>
+              <a:t>»</a:t>
+            </a:r>
+            <a:endParaRPr lang="ru-RU" altLang="en-US" kern="1200">
+              <a:latin typeface="Times New Roman" charset="0"/>
+            </a:endParaRPr>
+          </a:p>
+          <a:p>
+            <a:pPr marL="0" indent="0" algn="r">
+              <a:buNone/>
+            </a:pPr>
+            <a:r>
+              <a:rPr lang="ru-RU" altLang="en-US" kern="1200">
+                <a:latin typeface="Times New Roman" charset="0"/>
+              </a:rPr>
+              <a:t>— </a:t>
+            </a:r>
+            <a:r>
+              <a:rPr lang="en-US" altLang="ru-RU" kern="1200">
+                <a:latin typeface="Times New Roman" charset="0"/>
+              </a:rPr>
+              <a:t>Prof. Arthur Samuel </a:t>
+            </a:r>
+            <a:endParaRPr lang="en-US" altLang="ru-RU" kern="1200">
+              <a:latin typeface="Times New Roman" charset="0"/>
+            </a:endParaRPr>
+          </a:p>
+        </p:txBody>
+      </p:sp>
+      <p:sp>
+        <p:nvSpPr>
+          <p:cNvPr id="8" name="Замещающий номер слайда 7"/>
+          <p:cNvSpPr>
+            <a:spLocks noGrp="1"/>
+          </p:cNvSpPr>
+          <p:nvPr>
+            <p:ph type="sldNum" sz="quarter" idx="12"/>
+          </p:nvPr>
+        </p:nvSpPr>
+        <p:spPr/>
+        <p:txBody>
+          <a:bodyPr vert="horz" lIns="91440" tIns="45720" rIns="91440" bIns="45720" rtlCol="0" anchor="ctr"/>
+          <a:p>
+            <a:pPr fontAlgn="auto"/>
+            <a:fld id="{3E82897F-7A41-40D7-BC9E-F666B07C585D}" type="slidenum">
+              <a:rPr lang="ru-RU" strike="noStrike" noProof="1" smtClean="0">
+                <a:latin typeface="+mn-lt"/>
+                <a:ea typeface="+mn-ea"/>
+                <a:cs typeface="+mn-cs"/>
+              </a:rPr>
+            </a:fld>
+            <a:endParaRPr lang="ru-RU" strike="noStrike" noProof="1"/>
+          </a:p>
+        </p:txBody>
+      </p:sp>
+      <p:sp>
+        <p:nvSpPr>
+          <p:cNvPr id="2" name="Замещающий нижний колонтитул 1"/>
+          <p:cNvSpPr>
+            <a:spLocks noGrp="1"/>
+          </p:cNvSpPr>
+          <p:nvPr>
+            <p:ph type="ftr" sz="quarter" idx="11"/>
+          </p:nvPr>
+        </p:nvSpPr>
+        <p:spPr>
+          <a:xfrm>
+            <a:off x="3810000" y="6357620"/>
+            <a:ext cx="4495800" cy="365125"/>
+          </a:xfrm>
+        </p:spPr>
+        <p:txBody>
+          <a:bodyPr vert="horz" lIns="91440" tIns="45720" rIns="91440" bIns="45720" rtlCol="0" anchor="ctr"/>
+          <a:p>
+            <a:pPr fontAlgn="auto"/>
+            <a:r>
+              <a:rPr lang="en-US" altLang="ru-RU" strike="noStrike" noProof="1">
+                <a:latin typeface="+mn-lt"/>
+                <a:ea typeface="+mn-ea"/>
+                <a:cs typeface="+mn-cs"/>
+              </a:rPr>
+              <a:t>https://github.com/nevoroman/ml-dotnet/tree/master/MLIntro</a:t>
+            </a:r>
+            <a:endParaRPr lang="en-US" altLang="ru-RU" strike="noStrike" noProof="1">
+              <a:latin typeface="+mn-lt"/>
+              <a:ea typeface="+mn-ea"/>
+              <a:cs typeface="+mn-cs"/>
+            </a:endParaRPr>
+          </a:p>
+        </p:txBody>
+      </p:sp>
+    </p:spTree>
+  </p:cSld>
+  <p:clrMapOvr>
+    <a:masterClrMapping/>
+  </p:clrMapOvr>
+</p:sld>
+</file>
+
+<file path=ppt/slides/slide5.xml><?xml version="1.0" encoding="utf-8"?>
+<p:sld xmlns:a="http://schemas.openxmlformats.org/drawingml/2006/main" xmlns:r="http://schemas.openxmlformats.org/officeDocument/2006/relationships" xmlns:p="http://schemas.openxmlformats.org/presentationml/2006/main">
+  <p:cSld>
+    <p:spTree>
+      <p:nvGrpSpPr>
+        <p:cNvPr id="1" name=""/>
+        <p:cNvGrpSpPr/>
+        <p:nvPr/>
+      </p:nvGrpSpPr>
+      <p:grpSpPr/>
+      <p:sp>
+        <p:nvSpPr>
+          <p:cNvPr id="7169" name="Заголовок 5"/>
+          <p:cNvSpPr>
+            <a:spLocks noGrp="1"/>
+          </p:cNvSpPr>
+          <p:nvPr>
+            <p:ph type="title"/>
+          </p:nvPr>
+        </p:nvSpPr>
+        <p:spPr/>
+        <p:txBody>
+          <a:bodyPr lIns="91440" tIns="45720" rIns="91440" bIns="45720" anchor="ctr"/>
+          <a:p>
+            <a:r>
+              <a:rPr lang="ru-RU" altLang="en-US"/>
+              <a:t>Машинное обучение </a:t>
+            </a:r>
+            <a:r>
+              <a:rPr lang="en-US" altLang="ru-RU"/>
+              <a:t>: </a:t>
+            </a:r>
+            <a:r>
+              <a:rPr lang="ru-RU" altLang="en-US"/>
+              <a:t>когда использовать?</a:t>
+            </a:r>
+            <a:endParaRPr lang="ru-RU" altLang="en-US"/>
+          </a:p>
+        </p:txBody>
+      </p:sp>
+      <p:sp>
+        <p:nvSpPr>
+          <p:cNvPr id="7170" name="Текстовое поле 7"/>
+          <p:cNvSpPr txBox="1"/>
+          <p:nvPr/>
+        </p:nvSpPr>
+        <p:spPr>
+          <a:xfrm>
+            <a:off x="893763" y="2257425"/>
+            <a:ext cx="9723437" cy="2533650"/>
+          </a:xfrm>
+          <a:prstGeom prst="rect">
+            <a:avLst/>
+          </a:prstGeom>
+          <a:noFill/>
+          <a:ln w="9525">
+            <a:noFill/>
+            <a:miter/>
+          </a:ln>
+        </p:spPr>
+        <p:txBody>
+          <a:bodyPr wrap="square" anchor="t">
+            <a:spAutoFit/>
+          </a:bodyPr>
+          <a:p>
+            <a:pPr marL="514350" lvl="0" indent="-514350">
+              <a:buClr>
+                <a:srgbClr val="70AD47"/>
+              </a:buClr>
+              <a:buSzPct val="80000"/>
+              <a:buFont typeface="Wingdings" charset="0"/>
+              <a:buChar char="n"/>
+            </a:pPr>
+            <a:r>
+              <a:rPr lang="ru-RU" altLang="en-US" sz="3200">
+                <a:latin typeface="Calibri" charset="0"/>
+                <a:ea typeface="等线" charset="0"/>
+              </a:rPr>
+              <a:t>Когда трудно описать алгоритм решения задачи</a:t>
+            </a:r>
+            <a:endParaRPr lang="ru-RU" altLang="ru-RU" sz="3200">
+              <a:latin typeface="Calibri" charset="0"/>
+              <a:ea typeface="等线" charset="0"/>
+            </a:endParaRPr>
+          </a:p>
+          <a:p>
+            <a:pPr marL="514350" lvl="0" indent="-514350">
+              <a:buClr>
+                <a:srgbClr val="70AD47"/>
+              </a:buClr>
+              <a:buSzPct val="80000"/>
+              <a:buFont typeface="Wingdings" charset="0"/>
+              <a:buChar char="n"/>
+            </a:pPr>
+            <a:r>
+              <a:rPr lang="ru-RU" altLang="en-US" sz="3200">
+                <a:latin typeface="Calibri" charset="0"/>
+                <a:ea typeface="等线" charset="0"/>
+              </a:rPr>
+              <a:t>Когда нужно предугадать некоторые значения, имея большой набор данных</a:t>
+            </a:r>
+            <a:endParaRPr lang="ru-RU" altLang="en-US" sz="3200">
+              <a:latin typeface="Calibri" charset="0"/>
+              <a:ea typeface="等线" charset="0"/>
+            </a:endParaRPr>
+          </a:p>
+          <a:p>
+            <a:pPr marL="514350" lvl="0" indent="-514350">
+              <a:buClr>
+                <a:srgbClr val="70AD47"/>
+              </a:buClr>
+              <a:buSzPct val="80000"/>
+              <a:buFont typeface="Wingdings" charset="0"/>
+              <a:buChar char="n"/>
+            </a:pPr>
+            <a:r>
+              <a:rPr lang="ru-RU" altLang="en-US" sz="3200">
+                <a:latin typeface="Calibri" charset="0"/>
+                <a:ea typeface="等线" charset="0"/>
+              </a:rPr>
+              <a:t>Когда вы хотите улучшить работу имеющегося алгоритма за счет накопления опыта</a:t>
+            </a:r>
+            <a:endParaRPr lang="ru-RU" altLang="en-US" sz="3200">
+              <a:latin typeface="Calibri" charset="0"/>
+              <a:ea typeface="等线" charset="0"/>
+            </a:endParaRPr>
+          </a:p>
+        </p:txBody>
+      </p:sp>
+      <p:sp>
+        <p:nvSpPr>
+          <p:cNvPr id="7" name="Замещающий номер слайда 6"/>
+          <p:cNvSpPr>
+            <a:spLocks noGrp="1"/>
+          </p:cNvSpPr>
+          <p:nvPr>
+            <p:ph type="sldNum" sz="quarter" idx="12"/>
+          </p:nvPr>
+        </p:nvSpPr>
+        <p:spPr/>
+        <p:txBody>
+          <a:bodyPr vert="horz" lIns="91440" tIns="45720" rIns="91440" bIns="45720" rtlCol="0" anchor="ctr"/>
+          <a:p>
+            <a:pPr fontAlgn="auto"/>
+            <a:fld id="{3E82897F-7A41-40D7-BC9E-F666B07C585D}" type="slidenum">
+              <a:rPr lang="ru-RU" strike="noStrike" noProof="1" smtClean="0">
+                <a:latin typeface="+mn-lt"/>
+                <a:ea typeface="+mn-ea"/>
+                <a:cs typeface="+mn-cs"/>
+              </a:rPr>
+            </a:fld>
+            <a:endParaRPr lang="ru-RU" strike="noStrike" noProof="1"/>
+          </a:p>
+        </p:txBody>
+      </p:sp>
+      <p:sp>
+        <p:nvSpPr>
+          <p:cNvPr id="9" name="Замещающий нижний колонтитул 8"/>
+          <p:cNvSpPr>
+            <a:spLocks noGrp="1"/>
+          </p:cNvSpPr>
+          <p:nvPr>
+            <p:ph type="ftr" sz="quarter" idx="11"/>
+          </p:nvPr>
+        </p:nvSpPr>
+        <p:spPr>
+          <a:xfrm>
+            <a:off x="3810000" y="6357620"/>
+            <a:ext cx="4495800" cy="365125"/>
+          </a:xfrm>
+        </p:spPr>
+        <p:txBody>
+          <a:bodyPr vert="horz" lIns="91440" tIns="45720" rIns="91440" bIns="45720" rtlCol="0" anchor="ctr"/>
+          <a:p>
+            <a:pPr fontAlgn="auto"/>
+            <a:r>
+              <a:rPr lang="en-US" altLang="ru-RU" strike="noStrike" noProof="1">
+                <a:latin typeface="+mn-lt"/>
+                <a:ea typeface="+mn-ea"/>
+                <a:cs typeface="+mn-cs"/>
+              </a:rPr>
+              <a:t>https://github.com/nevoroman/ml-dotnet/tree/master/MLIntro</a:t>
+            </a:r>
+            <a:endParaRPr lang="en-US" altLang="ru-RU" strike="noStrike" noProof="1">
+              <a:latin typeface="+mn-lt"/>
+              <a:ea typeface="+mn-ea"/>
+              <a:cs typeface="+mn-cs"/>
+            </a:endParaRPr>
+          </a:p>
+        </p:txBody>
+      </p:sp>
+    </p:spTree>
+  </p:cSld>
+  <p:clrMapOvr>
+    <a:masterClrMapping/>
+  </p:clrMapOvr>
+</p:sld>
+</file>
+
+<file path=ppt/slides/slide6.xml><?xml version="1.0" encoding="utf-8"?>
+<p:sld xmlns:a="http://schemas.openxmlformats.org/drawingml/2006/main" xmlns:r="http://schemas.openxmlformats.org/officeDocument/2006/relationships" xmlns:p="http://schemas.openxmlformats.org/presentationml/2006/main">
+  <p:cSld>
+    <p:spTree>
+      <p:nvGrpSpPr>
+        <p:cNvPr id="1" name=""/>
+        <p:cNvGrpSpPr/>
+        <p:nvPr/>
+      </p:nvGrpSpPr>
+      <p:grpSpPr/>
+      <p:sp>
+        <p:nvSpPr>
+          <p:cNvPr id="8193" name="Заголовок 5"/>
+          <p:cNvSpPr>
+            <a:spLocks noGrp="1"/>
+          </p:cNvSpPr>
+          <p:nvPr>
+            <p:ph type="title"/>
+          </p:nvPr>
+        </p:nvSpPr>
+        <p:spPr/>
+        <p:txBody>
+          <a:bodyPr lIns="91440" tIns="45720" rIns="91440" bIns="45720" anchor="ctr"/>
+          <a:p>
+            <a:r>
+              <a:rPr lang="ru-RU" altLang="en-US"/>
+              <a:t>Машинное обучение </a:t>
+            </a:r>
+            <a:r>
+              <a:rPr lang="en-US" altLang="ru-RU"/>
+              <a:t>: </a:t>
+            </a:r>
+            <a:r>
+              <a:rPr lang="ru-RU" altLang="en-US"/>
+              <a:t>зачем мне это?</a:t>
+            </a:r>
+            <a:endParaRPr lang="ru-RU" altLang="en-US"/>
+          </a:p>
+        </p:txBody>
+      </p:sp>
+      <p:sp>
+        <p:nvSpPr>
+          <p:cNvPr id="8194" name="Текстовое поле 7"/>
+          <p:cNvSpPr txBox="1"/>
+          <p:nvPr/>
+        </p:nvSpPr>
+        <p:spPr>
+          <a:xfrm>
+            <a:off x="855663" y="2219325"/>
+            <a:ext cx="9723437" cy="2046288"/>
+          </a:xfrm>
+          <a:prstGeom prst="rect">
+            <a:avLst/>
+          </a:prstGeom>
+          <a:noFill/>
+          <a:ln w="9525">
+            <a:noFill/>
+            <a:miter/>
+          </a:ln>
+        </p:spPr>
+        <p:txBody>
+          <a:bodyPr wrap="square" anchor="t">
+            <a:spAutoFit/>
+          </a:bodyPr>
+          <a:p>
+            <a:pPr marL="514350" lvl="0" indent="-514350">
+              <a:buClr>
+                <a:srgbClr val="70AD47"/>
+              </a:buClr>
+              <a:buSzPct val="80000"/>
+              <a:buFont typeface="Wingdings" charset="0"/>
+              <a:buChar char="n"/>
+            </a:pPr>
+            <a:r>
+              <a:rPr lang="ru-RU" altLang="ru-RU" sz="3200">
+                <a:latin typeface="Calibri" charset="0"/>
+                <a:ea typeface="等线" charset="0"/>
+              </a:rPr>
+              <a:t>Позволяет легко решать трудные задачки</a:t>
+            </a:r>
+            <a:endParaRPr lang="ru-RU" altLang="ru-RU" sz="3200">
+              <a:latin typeface="Calibri" charset="0"/>
+              <a:ea typeface="等线" charset="0"/>
+            </a:endParaRPr>
+          </a:p>
+          <a:p>
+            <a:pPr marL="514350" lvl="0" indent="-514350">
+              <a:buClr>
+                <a:srgbClr val="70AD47"/>
+              </a:buClr>
+              <a:buSzPct val="80000"/>
+              <a:buFont typeface="Wingdings" charset="0"/>
+              <a:buChar char="n"/>
+            </a:pPr>
+            <a:r>
+              <a:rPr lang="ru-RU" altLang="en-US" sz="3200">
+                <a:latin typeface="Calibri" charset="0"/>
+                <a:ea typeface="等线" charset="0"/>
+              </a:rPr>
+              <a:t>Базовые навыки легко осваиваются и полезны в других областях</a:t>
+            </a:r>
+            <a:endParaRPr lang="ru-RU" altLang="en-US" sz="3200">
+              <a:latin typeface="Calibri" charset="0"/>
+              <a:ea typeface="等线" charset="0"/>
+            </a:endParaRPr>
+          </a:p>
+          <a:p>
+            <a:pPr marL="514350" lvl="0" indent="-514350">
+              <a:buClr>
+                <a:srgbClr val="70AD47"/>
+              </a:buClr>
+              <a:buSzPct val="80000"/>
+              <a:buFont typeface="Wingdings" charset="0"/>
+              <a:buChar char="n"/>
+            </a:pPr>
+            <a:r>
+              <a:rPr lang="ru-RU" altLang="en-US" sz="3200">
+                <a:latin typeface="Calibri" charset="0"/>
+                <a:ea typeface="等线" charset="0"/>
+              </a:rPr>
+              <a:t>Это чертовски весело!</a:t>
+            </a:r>
+            <a:endParaRPr lang="ru-RU" altLang="en-US" sz="3200">
+              <a:latin typeface="Calibri" charset="0"/>
+              <a:ea typeface="等线" charset="0"/>
+            </a:endParaRPr>
+          </a:p>
+        </p:txBody>
+      </p:sp>
+      <p:sp>
+        <p:nvSpPr>
+          <p:cNvPr id="5" name="Замещающий номер слайда 4"/>
+          <p:cNvSpPr>
+            <a:spLocks noGrp="1"/>
+          </p:cNvSpPr>
+          <p:nvPr>
+            <p:ph type="sldNum" sz="quarter" idx="12"/>
+          </p:nvPr>
+        </p:nvSpPr>
+        <p:spPr/>
+        <p:txBody>
+          <a:bodyPr vert="horz" lIns="91440" tIns="45720" rIns="91440" bIns="45720" rtlCol="0" anchor="ctr"/>
+          <a:p>
+            <a:pPr fontAlgn="auto"/>
+            <a:fld id="{3E82897F-7A41-40D7-BC9E-F666B07C585D}" type="slidenum">
+              <a:rPr lang="ru-RU" strike="noStrike" noProof="1" smtClean="0">
+                <a:latin typeface="+mn-lt"/>
+                <a:ea typeface="+mn-ea"/>
+                <a:cs typeface="+mn-cs"/>
+              </a:rPr>
+            </a:fld>
+            <a:endParaRPr lang="ru-RU" strike="noStrike" noProof="1"/>
+          </a:p>
+        </p:txBody>
+      </p:sp>
+      <p:sp>
+        <p:nvSpPr>
+          <p:cNvPr id="3" name="Замещающий нижний колонтитул 2"/>
+          <p:cNvSpPr>
+            <a:spLocks noGrp="1"/>
+          </p:cNvSpPr>
+          <p:nvPr>
+            <p:ph type="ftr" sz="quarter" idx="11"/>
+          </p:nvPr>
+        </p:nvSpPr>
+        <p:spPr>
+          <a:xfrm>
+            <a:off x="2819400" y="6357620"/>
+            <a:ext cx="6629400" cy="365125"/>
+          </a:xfrm>
+        </p:spPr>
+        <p:txBody>
+          <a:bodyPr/>
+          <a:p>
+            <a:pPr fontAlgn="auto"/>
+            <a:r>
+              <a:rPr lang="ru-RU" strike="noStrike" noProof="1">
+                <a:latin typeface="+mn-lt"/>
+                <a:ea typeface="+mn-ea"/>
+                <a:cs typeface="+mn-cs"/>
+              </a:rPr>
+              <a:t>https://github.com/nevoroman/ml-dotnet/tree/master/MLIntro</a:t>
+            </a:r>
+            <a:endParaRPr lang="ru-RU" strike="noStrike" noProof="1">
+              <a:latin typeface="+mn-lt"/>
+              <a:ea typeface="+mn-ea"/>
+              <a:cs typeface="+mn-cs"/>
+            </a:endParaRPr>
+          </a:p>
+        </p:txBody>
+      </p:sp>
+    </p:spTree>
+  </p:cSld>
+  <p:clrMapOvr>
+    <a:masterClrMapping/>
+  </p:clrMapOvr>
+</p:sld>
+</file>
+
+<file path=ppt/slides/slide7.xml><?xml version="1.0" encoding="utf-8"?>
+<p:sld xmlns:a="http://schemas.openxmlformats.org/drawingml/2006/main" xmlns:r="http://schemas.openxmlformats.org/officeDocument/2006/relationships" xmlns:p="http://schemas.openxmlformats.org/presentationml/2006/main">
+  <p:cSld>
+    <p:spTree>
+      <p:nvGrpSpPr>
+        <p:cNvPr id="1" name=""/>
+        <p:cNvGrpSpPr/>
+        <p:nvPr/>
+      </p:nvGrpSpPr>
+      <p:grpSpPr/>
+      <p:sp>
+        <p:nvSpPr>
+          <p:cNvPr id="9217" name="Заголовок 1"/>
+          <p:cNvSpPr>
+            <a:spLocks noGrp="1"/>
+          </p:cNvSpPr>
+          <p:nvPr>
+            <p:ph type="title"/>
+          </p:nvPr>
+        </p:nvSpPr>
+        <p:spPr>
+          <a:xfrm>
+            <a:off x="755650" y="1971675"/>
+            <a:ext cx="10515600" cy="1325563"/>
+          </a:xfrm>
+        </p:spPr>
+        <p:txBody>
+          <a:bodyPr lIns="91440" tIns="45720" rIns="91440" bIns="45720" anchor="ctr"/>
+          <a:p>
+            <a:r>
+              <a:rPr lang="en-US" altLang="en-US"/>
               <a:t>ML </a:t>
             </a:r>
             <a:r>
+              <a:rPr lang="ru-RU" altLang="en-US"/>
+              <a:t>и </a:t>
+            </a:r>
+            <a:r>
+              <a:rPr lang="en-US" altLang="ru-RU"/>
+              <a:t>.NET</a:t>
+            </a:r>
+            <a:r>
+              <a:rPr lang="ru-RU" altLang="en-US"/>
+              <a:t> </a:t>
+            </a:r>
+            <a:endParaRPr lang="ru-RU" altLang="en-US"/>
+          </a:p>
+        </p:txBody>
+      </p:sp>
+    </p:spTree>
+  </p:cSld>
+  <p:clrMapOvr>
+    <a:masterClrMapping/>
+  </p:clrMapOvr>
+</p:sld>
+</file>
+
+<file path=ppt/slides/slide8.xml><?xml version="1.0" encoding="utf-8"?>
+<p:sld xmlns:a="http://schemas.openxmlformats.org/drawingml/2006/main" xmlns:r="http://schemas.openxmlformats.org/officeDocument/2006/relationships" xmlns:p="http://schemas.openxmlformats.org/presentationml/2006/main">
+  <p:cSld>
+    <p:spTree>
+      <p:nvGrpSpPr>
+        <p:cNvPr id="1" name=""/>
+        <p:cNvGrpSpPr/>
+        <p:nvPr/>
+      </p:nvGrpSpPr>
+      <p:grpSpPr/>
+      <p:sp>
+        <p:nvSpPr>
+          <p:cNvPr id="10241" name="Заголовок 1"/>
+          <p:cNvSpPr>
+            <a:spLocks noGrp="1"/>
+          </p:cNvSpPr>
+          <p:nvPr>
+            <p:ph type="title"/>
+          </p:nvPr>
+        </p:nvSpPr>
+        <p:spPr/>
+        <p:txBody>
+          <a:bodyPr lIns="91440" tIns="45720" rIns="91440" bIns="45720" anchor="ctr"/>
+          <a:p>
+            <a:r>
+              <a:rPr lang="en-US" altLang="en-US">
+                <a:sym typeface="Arial" charset="0"/>
+              </a:rPr>
+              <a:t>ML </a:t>
+            </a:r>
+            <a:r>
               <a:rPr lang="ru-RU" altLang="en-US">
-                <a:sym typeface="+mn-ea"/>
+                <a:sym typeface="Arial" charset="0"/>
               </a:rPr>
               <a:t>и </a:t>
             </a:r>
             <a:r>
               <a:rPr lang="en-US" altLang="ru-RU">
-                <a:sym typeface="+mn-ea"/>
+                <a:sym typeface="Arial" charset="0"/>
               </a:rPr>
               <a:t>.NET</a:t>
             </a:r>
             <a:r>
               <a:rPr lang="ru-RU" altLang="en-US">
-                <a:sym typeface="+mn-ea"/>
+                <a:sym typeface="Arial" charset="0"/>
               </a:rPr>
               <a:t> </a:t>
             </a:r>
             <a:r>
               <a:rPr lang="en-US" altLang="ru-RU">
-                <a:sym typeface="+mn-ea"/>
+                <a:sym typeface="Arial" charset="0"/>
               </a:rPr>
               <a:t>: </a:t>
             </a:r>
             <a:r>
               <a:rPr lang="ru-RU" altLang="en-US">
-                <a:sym typeface="+mn-ea"/>
+                <a:sym typeface="Arial" charset="0"/>
               </a:rPr>
               <a:t>мы этого точно хотим?</a:t>
             </a:r>
             <a:endParaRPr lang="ru-RU" altLang="en-US">
-              <a:sym typeface="+mn-ea"/>
+              <a:sym typeface="Arial" charset="0"/>
+            </a:endParaRPr>
+          </a:p>
+        </p:txBody>
+      </p:sp>
+      <p:sp>
+        <p:nvSpPr>
+          <p:cNvPr id="5" name="Замещающий номер слайда 4"/>
+          <p:cNvSpPr>
+            <a:spLocks noGrp="1"/>
+          </p:cNvSpPr>
+          <p:nvPr>
+            <p:ph type="sldNum" sz="quarter" idx="12"/>
+          </p:nvPr>
+        </p:nvSpPr>
+        <p:spPr/>
+        <p:txBody>
+          <a:bodyPr vert="horz" lIns="91440" tIns="45720" rIns="91440" bIns="45720" rtlCol="0" anchor="ctr"/>
+          <a:p>
+            <a:pPr fontAlgn="auto"/>
+            <a:fld id="{3E82897F-7A41-40D7-BC9E-F666B07C585D}" type="slidenum">
+              <a:rPr lang="ru-RU" strike="noStrike" noProof="1" smtClean="0">
+                <a:latin typeface="+mn-lt"/>
+                <a:ea typeface="+mn-ea"/>
+                <a:cs typeface="+mn-cs"/>
+              </a:rPr>
+            </a:fld>
+            <a:endParaRPr lang="ru-RU" strike="noStrike" noProof="1"/>
+          </a:p>
+        </p:txBody>
+      </p:sp>
+      <p:sp>
+        <p:nvSpPr>
+          <p:cNvPr id="10244" name="Текстовое поле 7"/>
+          <p:cNvSpPr txBox="1"/>
+          <p:nvPr/>
+        </p:nvSpPr>
+        <p:spPr>
+          <a:xfrm>
+            <a:off x="893763" y="2257425"/>
+            <a:ext cx="9723437" cy="2533650"/>
+          </a:xfrm>
+          <a:prstGeom prst="rect">
+            <a:avLst/>
+          </a:prstGeom>
+          <a:noFill/>
+          <a:ln w="9525">
+            <a:noFill/>
+            <a:miter/>
+          </a:ln>
+        </p:spPr>
+        <p:txBody>
+          <a:bodyPr wrap="square" anchor="t">
+            <a:spAutoFit/>
+          </a:bodyPr>
+          <a:p>
+            <a:pPr marL="514350" lvl="0" indent="-514350">
+              <a:buClr>
+                <a:srgbClr val="70AD47"/>
+              </a:buClr>
+              <a:buSzPct val="80000"/>
+              <a:buFont typeface="Wingdings" charset="0"/>
+              <a:buChar char="n"/>
+            </a:pPr>
+            <a:r>
+              <a:rPr lang="en-US" altLang="ru-RU" sz="3200">
+                <a:latin typeface="Calibri" charset="0"/>
+                <a:ea typeface="等线" charset="0"/>
+              </a:rPr>
+              <a:t>.NET </a:t>
+            </a:r>
+            <a:r>
+              <a:rPr lang="ru-RU" altLang="en-US" sz="3200">
+                <a:latin typeface="Calibri" charset="0"/>
+                <a:ea typeface="等线" charset="0"/>
+              </a:rPr>
+              <a:t>имеет кучу клевых инструментов для работы с данными</a:t>
+            </a:r>
+            <a:endParaRPr lang="ru-RU" altLang="en-US" sz="3200">
+              <a:latin typeface="Calibri" charset="0"/>
+              <a:ea typeface="等线" charset="0"/>
+            </a:endParaRPr>
+          </a:p>
+          <a:p>
+            <a:pPr marL="514350" lvl="0" indent="-514350">
+              <a:buClr>
+                <a:srgbClr val="70AD47"/>
+              </a:buClr>
+              <a:buSzPct val="80000"/>
+              <a:buFont typeface="Wingdings" charset="0"/>
+              <a:buChar char="n"/>
+            </a:pPr>
+            <a:r>
+              <a:rPr lang="ru-RU" altLang="en-US" sz="3200">
+                <a:latin typeface="Calibri" charset="0"/>
+                <a:ea typeface="等线" charset="0"/>
+              </a:rPr>
+              <a:t>Позволяет встраивать алгоритмы машинного обучения, не выходя из уютного дотнета</a:t>
+            </a:r>
+            <a:endParaRPr lang="ru-RU" altLang="en-US" sz="3200">
+              <a:latin typeface="Calibri" charset="0"/>
+              <a:ea typeface="等线" charset="0"/>
+            </a:endParaRPr>
+          </a:p>
+          <a:p>
+            <a:pPr marL="514350" lvl="0" indent="-514350">
+              <a:buClr>
+                <a:srgbClr val="70AD47"/>
+              </a:buClr>
+              <a:buSzPct val="80000"/>
+              <a:buFont typeface="Wingdings" charset="0"/>
+              <a:buChar char="n"/>
+            </a:pPr>
+            <a:r>
+              <a:rPr lang="en-US" altLang="ru-RU" sz="3200">
+                <a:latin typeface="Calibri" charset="0"/>
+                <a:ea typeface="等线" charset="0"/>
+              </a:rPr>
+              <a:t>F#</a:t>
+            </a:r>
+            <a:endParaRPr lang="en-US" altLang="ru-RU" sz="3200">
+              <a:latin typeface="Calibri" charset="0"/>
+              <a:ea typeface="等线" charset="0"/>
+            </a:endParaRPr>
+          </a:p>
+        </p:txBody>
+      </p:sp>
+      <p:sp>
+        <p:nvSpPr>
+          <p:cNvPr id="3" name="Замещающий нижний колонтитул 2"/>
+          <p:cNvSpPr>
+            <a:spLocks noGrp="1"/>
+          </p:cNvSpPr>
+          <p:nvPr>
+            <p:ph type="ftr" sz="quarter" idx="11"/>
+          </p:nvPr>
+        </p:nvSpPr>
+        <p:spPr>
+          <a:xfrm>
+            <a:off x="2819400" y="6357620"/>
+            <a:ext cx="6629400" cy="365125"/>
+          </a:xfrm>
+        </p:spPr>
+        <p:txBody>
+          <a:bodyPr/>
+          <a:p>
+            <a:pPr fontAlgn="auto"/>
+            <a:r>
+              <a:rPr lang="ru-RU" strike="noStrike" noProof="1">
+                <a:latin typeface="+mn-lt"/>
+                <a:ea typeface="+mn-ea"/>
+                <a:cs typeface="+mn-cs"/>
+              </a:rPr>
+              <a:t>https://github.com/nevoroman/ml-dotnet/tree/master/ML&amp;Dotnet</a:t>
+            </a:r>
+            <a:endParaRPr lang="ru-RU" strike="noStrike" noProof="1">
+              <a:latin typeface="+mn-lt"/>
+              <a:ea typeface="+mn-ea"/>
+              <a:cs typeface="+mn-cs"/>
+            </a:endParaRPr>
+          </a:p>
+        </p:txBody>
+      </p:sp>
+    </p:spTree>
+  </p:cSld>
+  <p:clrMapOvr>
+    <a:masterClrMapping/>
+  </p:clrMapOvr>
+</p:sld>
+</file>
+
+<file path=ppt/slides/slide9.xml><?xml version="1.0" encoding="utf-8"?>
+<p:sld xmlns:a="http://schemas.openxmlformats.org/drawingml/2006/main" xmlns:r="http://schemas.openxmlformats.org/officeDocument/2006/relationships" xmlns:p="http://schemas.openxmlformats.org/presentationml/2006/main">
+  <p:cSld>
+    <p:spTree>
+      <p:nvGrpSpPr>
+        <p:cNvPr id="1" name=""/>
+        <p:cNvGrpSpPr/>
+        <p:nvPr/>
+      </p:nvGrpSpPr>
+      <p:grpSpPr/>
+      <p:sp>
+        <p:nvSpPr>
+          <p:cNvPr id="11265" name="Заголовок 5"/>
+          <p:cNvSpPr>
+            <a:spLocks noGrp="1"/>
+          </p:cNvSpPr>
+          <p:nvPr>
+            <p:ph type="title"/>
+          </p:nvPr>
+        </p:nvSpPr>
+        <p:spPr>
+          <a:xfrm>
+            <a:off x="2851150" y="1973263"/>
+            <a:ext cx="5372100" cy="4373562"/>
+          </a:xfrm>
+        </p:spPr>
+        <p:txBody>
+          <a:bodyPr lIns="91440" tIns="45720" rIns="91440" bIns="45720" anchor="ctr"/>
+          <a:p>
+            <a:r>
+              <a:rPr lang="en-US" altLang="en-US" sz="40000"/>
+              <a:t>F#</a:t>
+            </a:r>
+            <a:endParaRPr lang="en-US" altLang="en-US" sz="40000"/>
+          </a:p>
+        </p:txBody>
+      </p:sp>
+      <p:sp>
+        <p:nvSpPr>
+          <p:cNvPr id="11266" name="Заголовок 1"/>
+          <p:cNvSpPr>
+            <a:spLocks noGrp="1"/>
+          </p:cNvSpPr>
+          <p:nvPr/>
+        </p:nvSpPr>
+        <p:spPr>
+          <a:xfrm>
+            <a:off x="838200" y="365125"/>
+            <a:ext cx="10515600" cy="1325563"/>
+          </a:xfrm>
+          <a:prstGeom prst="rect">
+            <a:avLst/>
+          </a:prstGeom>
+          <a:noFill/>
+          <a:ln w="9525">
+            <a:noFill/>
+            <a:miter/>
+          </a:ln>
+        </p:spPr>
+        <p:txBody>
+          <a:bodyPr lIns="91440" tIns="45720" rIns="91440" bIns="45720" anchor="ctr"/>
+          <a:p>
+            <a:pPr lvl="0">
+              <a:lnSpc>
+                <a:spcPct val="90000"/>
+              </a:lnSpc>
+              <a:spcBef>
+                <a:spcPct val="0"/>
+              </a:spcBef>
+              <a:buNone/>
+            </a:pPr>
+            <a:r>
+              <a:rPr lang="en-US" altLang="en-US" sz="4400">
+                <a:latin typeface="Calibri Light" charset="0"/>
+                <a:ea typeface="等线" charset="0"/>
+                <a:sym typeface="等线" charset="0"/>
+              </a:rPr>
+              <a:t>ML </a:t>
+            </a:r>
+            <a:r>
+              <a:rPr lang="ru-RU" altLang="en-US" sz="4400">
+                <a:latin typeface="Calibri Light" charset="0"/>
+                <a:ea typeface="等线" charset="0"/>
+                <a:sym typeface="等线" charset="0"/>
+              </a:rPr>
+              <a:t>и </a:t>
+            </a:r>
+            <a:r>
+              <a:rPr lang="en-US" altLang="ru-RU" sz="4400">
+                <a:latin typeface="Calibri Light" charset="0"/>
+                <a:ea typeface="等线" charset="0"/>
+                <a:sym typeface="等线" charset="0"/>
+              </a:rPr>
+              <a:t>.NET</a:t>
+            </a:r>
+            <a:r>
+              <a:rPr lang="ru-RU" altLang="en-US" sz="4400">
+                <a:latin typeface="Calibri Light" charset="0"/>
+                <a:ea typeface="等线" charset="0"/>
+                <a:sym typeface="等线" charset="0"/>
+              </a:rPr>
+              <a:t> </a:t>
+            </a:r>
+            <a:r>
+              <a:rPr lang="en-US" altLang="ru-RU" sz="4400">
+                <a:latin typeface="Calibri Light" charset="0"/>
+                <a:ea typeface="等线" charset="0"/>
+                <a:sym typeface="等线" charset="0"/>
+              </a:rPr>
+              <a:t>: </a:t>
+            </a:r>
+            <a:r>
+              <a:rPr lang="ru-RU" altLang="en-US" sz="4400">
+                <a:latin typeface="Calibri Light" charset="0"/>
+                <a:ea typeface="等线" charset="0"/>
+                <a:sym typeface="等线" charset="0"/>
+              </a:rPr>
+              <a:t>мы этого точно хотим?</a:t>
+            </a:r>
+            <a:endParaRPr lang="ru-RU" altLang="en-US" sz="4400">
+              <a:latin typeface="Calibri Light" charset="0"/>
+              <a:ea typeface="等线" charset="0"/>
+              <a:sym typeface="等线" charset="0"/>
+            </a:endParaRPr>
+          </a:p>
+        </p:txBody>
+      </p:sp>
+      <p:sp>
+        <p:nvSpPr>
+          <p:cNvPr id="3" name="Замещающий нижний колонтитул 2"/>
+          <p:cNvSpPr>
+            <a:spLocks noGrp="1"/>
+          </p:cNvSpPr>
+          <p:nvPr>
+            <p:ph type="ftr" sz="quarter" idx="11"/>
+          </p:nvPr>
+        </p:nvSpPr>
+        <p:spPr>
+          <a:xfrm>
+            <a:off x="2819400" y="6357620"/>
+            <a:ext cx="6629400" cy="365125"/>
+          </a:xfrm>
+        </p:spPr>
+        <p:txBody>
+          <a:bodyPr/>
+          <a:p>
+            <a:pPr fontAlgn="auto"/>
+            <a:r>
+              <a:rPr lang="ru-RU" strike="noStrike" noProof="1">
+                <a:latin typeface="+mn-lt"/>
+                <a:ea typeface="+mn-ea"/>
+                <a:cs typeface="+mn-cs"/>
+              </a:rPr>
+              <a:t>https://github.com/nevoroman/ml-dotnet/tree/master/ML&amp;Dotnet</a:t>
+            </a:r>
+            <a:endParaRPr lang="ru-RU" strike="noStrike" noProof="1">
+              <a:latin typeface="+mn-lt"/>
+              <a:ea typeface="+mn-ea"/>
+              <a:cs typeface="+mn-cs"/>
             </a:endParaRPr>
           </a:p>
         </p:txBody>
